--- a/docs/diagrams/OrderManagementUMLDiagrams.pptx
+++ b/docs/diagrams/OrderManagementUMLDiagrams.pptx
@@ -9019,18 +9019,18 @@
         <p:cxnSp>
           <p:nvCxnSpPr>
             <p:cNvPr id="26" name="Elbow Connector 25"/>
-            <p:cNvCxnSpPr/>
+            <p:cNvCxnSpPr>
+              <a:endCxn id="21" idx="3"/>
+            </p:cNvCxnSpPr>
             <p:nvPr/>
           </p:nvCxnSpPr>
           <p:spPr>
-            <a:xfrm>
-              <a:off x="2291022" y="2754118"/>
-              <a:ext cx="528378" cy="430990"/>
-            </a:xfrm>
-            <a:prstGeom prst="bentConnector3">
-              <a:avLst>
-                <a:gd name="adj1" fmla="val -14558"/>
-              </a:avLst>
+            <a:xfrm rot="16200000" flipH="1">
+              <a:off x="2167335" y="2609244"/>
+              <a:ext cx="618331" cy="533397"/>
+            </a:xfrm>
+            <a:prstGeom prst="bentConnector2">
+              <a:avLst/>
             </a:prstGeom>
             <a:ln w="19050">
               <a:headEnd type="none" w="med" len="med"/>
@@ -9091,10 +9091,10 @@
         </p:nvGrpSpPr>
         <p:grpSpPr>
           <a:xfrm>
-            <a:off x="152400" y="533400"/>
-            <a:ext cx="8759706" cy="2164943"/>
+            <a:off x="228600" y="1981200"/>
+            <a:ext cx="9128536" cy="2164943"/>
             <a:chOff x="152400" y="533400"/>
-            <a:chExt cx="8759706" cy="2164943"/>
+            <a:chExt cx="9128536" cy="2164943"/>
           </a:xfrm>
         </p:grpSpPr>
         <p:sp>
@@ -9890,7 +9890,7 @@
           </p:nvSpPr>
           <p:spPr>
             <a:xfrm>
-              <a:off x="2752426" y="1528835"/>
+              <a:off x="3037471" y="1519215"/>
               <a:ext cx="966739" cy="184666"/>
             </a:xfrm>
             <a:prstGeom prst="rect">
@@ -9972,8 +9972,8 @@
           </p:nvSpPr>
           <p:spPr>
             <a:xfrm>
-              <a:off x="4206157" y="1621167"/>
-              <a:ext cx="1706497" cy="184666"/>
+              <a:off x="4751362" y="1611548"/>
+              <a:ext cx="1706497" cy="369332"/>
             </a:xfrm>
             <a:prstGeom prst="rect">
               <a:avLst/>
@@ -9992,7 +9992,22 @@
                     <a:srgbClr val="7030A0"/>
                   </a:solidFill>
                 </a:rPr>
-                <a:t>addOrderToOrderList</a:t>
+                <a:t>addOrder</a:t>
+              </a:r>
+              <a:endParaRPr lang="en-US" sz="1200" dirty="0" smtClean="0">
+                <a:solidFill>
+                  <a:srgbClr val="7030A0"/>
+                </a:solidFill>
+              </a:endParaRPr>
+            </a:p>
+            <a:p>
+              <a:r>
+                <a:rPr lang="en-US" sz="1200" dirty="0" err="1" smtClean="0">
+                  <a:solidFill>
+                    <a:srgbClr val="7030A0"/>
+                  </a:solidFill>
+                </a:rPr>
+                <a:t>ToOrderList</a:t>
               </a:r>
               <a:r>
                 <a:rPr lang="en-US" sz="1200" dirty="0" smtClean="0">
@@ -10018,8 +10033,8 @@
           </p:nvSpPr>
           <p:spPr>
             <a:xfrm>
-              <a:off x="6067947" y="1671130"/>
-              <a:ext cx="2314053" cy="184666"/>
+              <a:off x="6966883" y="1511014"/>
+              <a:ext cx="2314053" cy="369332"/>
             </a:xfrm>
             <a:prstGeom prst="rect">
               <a:avLst/>
@@ -10033,7 +10048,7 @@
             <a:lstStyle/>
             <a:p>
               <a:r>
-                <a:rPr lang="en-US" sz="1200" dirty="0" smtClean="0">
+                <a:rPr lang="en-US" sz="1200" smtClean="0">
                   <a:solidFill>
                     <a:schemeClr val="accent5">
                       <a:lumMod val="75000"/>
@@ -10050,7 +10065,26 @@
                     </a:schemeClr>
                   </a:solidFill>
                 </a:rPr>
-                <a:t>AddressBookChangedEvent</a:t>
+                <a:t>AddressBook</a:t>
+              </a:r>
+              <a:endParaRPr lang="en-US" sz="1200" dirty="0" smtClean="0">
+                <a:solidFill>
+                  <a:schemeClr val="accent5">
+                    <a:lumMod val="75000"/>
+                  </a:schemeClr>
+                </a:solidFill>
+              </a:endParaRPr>
+            </a:p>
+            <a:p>
+              <a:r>
+                <a:rPr lang="en-US" sz="1200" dirty="0" err="1" smtClean="0">
+                  <a:solidFill>
+                    <a:schemeClr val="accent5">
+                      <a:lumMod val="75000"/>
+                    </a:schemeClr>
+                  </a:solidFill>
+                </a:rPr>
+                <a:t>ChangedEvent</a:t>
               </a:r>
               <a:r>
                 <a:rPr lang="en-US" sz="1200" dirty="0" smtClean="0">
@@ -16548,8 +16582,8 @@
           </p:nvSpPr>
           <p:spPr>
             <a:xfrm>
-              <a:off x="4343400" y="3564523"/>
-              <a:ext cx="1580463" cy="169277"/>
+              <a:off x="4234098" y="3386035"/>
+              <a:ext cx="1580463" cy="338554"/>
             </a:xfrm>
             <a:prstGeom prst="rect">
               <a:avLst/>
@@ -16574,8 +16608,15 @@
             </a:lstStyle>
             <a:p>
               <a:r>
-                <a:rPr lang="en-US" sz="1100" dirty="0" err="1" smtClean="0"/>
-                <a:t>updateOrderStatus</a:t>
+                <a:rPr lang="en-US" sz="1100" smtClean="0"/>
+                <a:t>updateOrder</a:t>
+              </a:r>
+              <a:endParaRPr lang="en-US" sz="1100" dirty="0" smtClean="0"/>
+            </a:p>
+            <a:p>
+              <a:r>
+                <a:rPr lang="en-US" sz="1100" dirty="0" smtClean="0"/>
+                <a:t>Status</a:t>
               </a:r>
               <a:r>
                 <a:rPr lang="en-US" sz="1100" dirty="0" smtClean="0"/>
@@ -17402,7 +17443,7 @@
           </p:nvSpPr>
           <p:spPr>
             <a:xfrm>
-              <a:off x="4283494" y="4000241"/>
+              <a:off x="4895687" y="3958568"/>
               <a:ext cx="780823" cy="169277"/>
             </a:xfrm>
             <a:prstGeom prst="rect">
@@ -20323,7 +20364,7 @@
           </p:nvSpPr>
           <p:spPr>
             <a:xfrm>
-              <a:off x="4283494" y="4000241"/>
+              <a:off x="4829379" y="4004390"/>
               <a:ext cx="780823" cy="169277"/>
             </a:xfrm>
             <a:prstGeom prst="rect">

--- a/docs/diagrams/OrderManagementUMLDiagrams.pptx
+++ b/docs/diagrams/OrderManagementUMLDiagrams.pptx
@@ -7868,15 +7868,7 @@
                       <a:schemeClr val="bg1"/>
                     </a:solidFill>
                   </a:rPr>
-                  <a:t>Model</a:t>
-                </a:r>
-                <a:r>
-                  <a:rPr lang="en-US" sz="1050" dirty="0" err="1" smtClean="0">
-                    <a:solidFill>
-                      <a:schemeClr val="bg1"/>
-                    </a:solidFill>
-                  </a:rPr>
-                  <a:t>Manager</a:t>
+                  <a:t>ModelManager</a:t>
                 </a:r>
                 <a:endParaRPr lang="en-SG" sz="1050" dirty="0">
                   <a:solidFill>
@@ -8174,11 +8166,6 @@
                   </a:rPr>
                   <a:t>*</a:t>
                 </a:r>
-                <a:endParaRPr lang="en-GB" sz="1200" dirty="0">
-                  <a:solidFill>
-                    <a:srgbClr val="9BBC59"/>
-                  </a:solidFill>
-                </a:endParaRPr>
               </a:p>
             </p:txBody>
           </p:sp>
@@ -8862,15 +8849,7 @@
                     <a:srgbClr val="0070C0"/>
                   </a:solidFill>
                 </a:rPr>
-                <a:t>EditOrder</a:t>
-              </a:r>
-              <a:r>
-                <a:rPr lang="en-US" sz="1050" b="1" smtClean="0">
-                  <a:solidFill>
-                    <a:srgbClr val="0070C0"/>
-                  </a:solidFill>
-                </a:rPr>
-                <a:t>Command</a:t>
+                <a:t>EditOrderCommand</a:t>
               </a:r>
               <a:endParaRPr lang="en-US" sz="1050" b="1" dirty="0">
                 <a:solidFill>
@@ -8998,15 +8977,7 @@
                     <a:srgbClr val="0070C0"/>
                   </a:solidFill>
                 </a:rPr>
-                <a:t>Delete</a:t>
-              </a:r>
-              <a:r>
-                <a:rPr lang="en-US" sz="1050" b="1" dirty="0" err="1" smtClean="0">
-                  <a:solidFill>
-                    <a:srgbClr val="0070C0"/>
-                  </a:solidFill>
-                </a:rPr>
-                <a:t>OrderCommand</a:t>
+                <a:t>DeleteOrderCommand</a:t>
               </a:r>
               <a:endParaRPr lang="en-US" sz="1050" b="1" dirty="0">
                 <a:solidFill>
@@ -9816,15 +9787,7 @@
               <a:pPr algn="r"/>
               <a:r>
                 <a:rPr lang="en-US" sz="1200" dirty="0" smtClean="0"/>
-                <a:t>orderadd</a:t>
-              </a:r>
-              <a:r>
-                <a:rPr lang="en-US" sz="1200" dirty="0" smtClean="0"/>
-                <a:t> 1 </a:t>
-              </a:r>
-              <a:r>
-                <a:rPr lang="en-US" sz="1200" dirty="0" smtClean="0"/>
-                <a:t>i/Books</a:t>
+                <a:t>orderadd 1 i/Books</a:t>
               </a:r>
             </a:p>
             <a:p>
@@ -9910,15 +9873,7 @@
                     <a:srgbClr val="0070C0"/>
                   </a:solidFill>
                 </a:rPr>
-                <a:t>execute</a:t>
-              </a:r>
-              <a:r>
-                <a:rPr lang="en-US" sz="1200" smtClean="0">
-                  <a:solidFill>
-                    <a:srgbClr val="0070C0"/>
-                  </a:solidFill>
-                </a:rPr>
-                <a:t>()</a:t>
+                <a:t>execute()</a:t>
               </a:r>
               <a:endParaRPr lang="en-US" sz="1200" dirty="0">
                 <a:solidFill>
@@ -10552,7 +10507,7 @@
             <p:cNvPr id="2" name="Rectangle 65">
               <a:extLst>
                 <a:ext uri="{FF2B5EF4-FFF2-40B4-BE49-F238E27FC236}">
-                  <a16:creationId xmlns:a16="http://schemas.microsoft.com/office/drawing/2014/main" xmlns="" id="{2126271C-590E-4B60-8868-3D59B556D0C2}"/>
+                  <a16:creationId xmlns="" xmlns:a16="http://schemas.microsoft.com/office/drawing/2014/main" id="{2126271C-590E-4B60-8868-3D59B556D0C2}"/>
                 </a:ext>
               </a:extLst>
             </p:cNvPr>
@@ -11106,7 +11061,7 @@
             <p:cNvPr id="16" name="Straight Arrow Connector 15">
               <a:extLst>
                 <a:ext uri="{FF2B5EF4-FFF2-40B4-BE49-F238E27FC236}">
-                  <a16:creationId xmlns:a16="http://schemas.microsoft.com/office/drawing/2014/main" xmlns="" id="{854D9FBB-2B36-4DC9-8B58-F7F177A8E586}"/>
+                  <a16:creationId xmlns="" xmlns:a16="http://schemas.microsoft.com/office/drawing/2014/main" id="{854D9FBB-2B36-4DC9-8B58-F7F177A8E586}"/>
                 </a:ext>
               </a:extLst>
             </p:cNvPr>
@@ -11153,7 +11108,7 @@
             <p:cNvPr id="18" name="Straight Arrow Connector 17">
               <a:extLst>
                 <a:ext uri="{FF2B5EF4-FFF2-40B4-BE49-F238E27FC236}">
-                  <a16:creationId xmlns:a16="http://schemas.microsoft.com/office/drawing/2014/main" xmlns="" id="{DDEE7225-6527-47E2-9C48-DE9485DD5A4F}"/>
+                  <a16:creationId xmlns="" xmlns:a16="http://schemas.microsoft.com/office/drawing/2014/main" id="{DDEE7225-6527-47E2-9C48-DE9485DD5A4F}"/>
                 </a:ext>
               </a:extLst>
             </p:cNvPr>
@@ -11197,7 +11152,7 @@
             <p:cNvPr id="20" name="Straight Arrow Connector 19">
               <a:extLst>
                 <a:ext uri="{FF2B5EF4-FFF2-40B4-BE49-F238E27FC236}">
-                  <a16:creationId xmlns:a16="http://schemas.microsoft.com/office/drawing/2014/main" xmlns="" id="{BF9AEA9C-54D0-4CB0-AE49-51A566B69F58}"/>
+                  <a16:creationId xmlns="" xmlns:a16="http://schemas.microsoft.com/office/drawing/2014/main" id="{BF9AEA9C-54D0-4CB0-AE49-51A566B69F58}"/>
                 </a:ext>
               </a:extLst>
             </p:cNvPr>
@@ -11243,7 +11198,7 @@
             <p:cNvPr id="21" name="Rectangle 62">
               <a:extLst>
                 <a:ext uri="{FF2B5EF4-FFF2-40B4-BE49-F238E27FC236}">
-                  <a16:creationId xmlns:a16="http://schemas.microsoft.com/office/drawing/2014/main" xmlns="" id="{61FF3397-EF07-4016-8098-DAEF482C4389}"/>
+                  <a16:creationId xmlns="" xmlns:a16="http://schemas.microsoft.com/office/drawing/2014/main" id="{61FF3397-EF07-4016-8098-DAEF482C4389}"/>
                 </a:ext>
               </a:extLst>
             </p:cNvPr>
@@ -11316,7 +11271,7 @@
             <p:cNvPr id="22" name="Straight Connector 21">
               <a:extLst>
                 <a:ext uri="{FF2B5EF4-FFF2-40B4-BE49-F238E27FC236}">
-                  <a16:creationId xmlns:a16="http://schemas.microsoft.com/office/drawing/2014/main" xmlns="" id="{22D3ED81-D4BA-4011-B139-8213177BA215}"/>
+                  <a16:creationId xmlns="" xmlns:a16="http://schemas.microsoft.com/office/drawing/2014/main" id="{22D3ED81-D4BA-4011-B139-8213177BA215}"/>
                 </a:ext>
               </a:extLst>
             </p:cNvPr>
@@ -11361,7 +11316,7 @@
             <p:cNvPr id="23" name="Rectangle 22">
               <a:extLst>
                 <a:ext uri="{FF2B5EF4-FFF2-40B4-BE49-F238E27FC236}">
-                  <a16:creationId xmlns:a16="http://schemas.microsoft.com/office/drawing/2014/main" xmlns="" id="{A96B530B-5601-46A7-9B8D-33C8DDA39964}"/>
+                  <a16:creationId xmlns="" xmlns:a16="http://schemas.microsoft.com/office/drawing/2014/main" id="{A96B530B-5601-46A7-9B8D-33C8DDA39964}"/>
                 </a:ext>
               </a:extLst>
             </p:cNvPr>
@@ -11414,7 +11369,7 @@
             <p:cNvPr id="25" name="TextBox 24">
               <a:extLst>
                 <a:ext uri="{FF2B5EF4-FFF2-40B4-BE49-F238E27FC236}">
-                  <a16:creationId xmlns:a16="http://schemas.microsoft.com/office/drawing/2014/main" xmlns="" id="{95F03D45-B1FD-49BA-8758-8ED58ACA2B5C}"/>
+                  <a16:creationId xmlns="" xmlns:a16="http://schemas.microsoft.com/office/drawing/2014/main" id="{95F03D45-B1FD-49BA-8758-8ED58ACA2B5C}"/>
                 </a:ext>
               </a:extLst>
             </p:cNvPr>
@@ -11477,7 +11432,7 @@
             <p:cNvPr id="27" name="Straight Connector 26">
               <a:extLst>
                 <a:ext uri="{FF2B5EF4-FFF2-40B4-BE49-F238E27FC236}">
-                  <a16:creationId xmlns:a16="http://schemas.microsoft.com/office/drawing/2014/main" xmlns="" id="{2DA8FBC2-6B42-43C0-BBEC-CF189FD87668}"/>
+                  <a16:creationId xmlns="" xmlns:a16="http://schemas.microsoft.com/office/drawing/2014/main" id="{2DA8FBC2-6B42-43C0-BBEC-CF189FD87668}"/>
                 </a:ext>
               </a:extLst>
             </p:cNvPr>
@@ -11522,7 +11477,7 @@
             <p:cNvPr id="28" name="Rectangle 27">
               <a:extLst>
                 <a:ext uri="{FF2B5EF4-FFF2-40B4-BE49-F238E27FC236}">
-                  <a16:creationId xmlns:a16="http://schemas.microsoft.com/office/drawing/2014/main" xmlns="" id="{04305CEA-EBD1-45C9-97BE-ECFE3AC3D249}"/>
+                  <a16:creationId xmlns="" xmlns:a16="http://schemas.microsoft.com/office/drawing/2014/main" id="{04305CEA-EBD1-45C9-97BE-ECFE3AC3D249}"/>
                 </a:ext>
               </a:extLst>
             </p:cNvPr>
@@ -11575,7 +11530,7 @@
             <p:cNvPr id="32" name="TextBox 31">
               <a:extLst>
                 <a:ext uri="{FF2B5EF4-FFF2-40B4-BE49-F238E27FC236}">
-                  <a16:creationId xmlns:a16="http://schemas.microsoft.com/office/drawing/2014/main" xmlns="" id="{81B0FA7A-7734-4574-BB3A-865D46A3AB9C}"/>
+                  <a16:creationId xmlns="" xmlns:a16="http://schemas.microsoft.com/office/drawing/2014/main" id="{81B0FA7A-7734-4574-BB3A-865D46A3AB9C}"/>
                 </a:ext>
               </a:extLst>
             </p:cNvPr>
@@ -11625,7 +11580,7 @@
             <p:cNvPr id="33" name="TextBox 32">
               <a:extLst>
                 <a:ext uri="{FF2B5EF4-FFF2-40B4-BE49-F238E27FC236}">
-                  <a16:creationId xmlns:a16="http://schemas.microsoft.com/office/drawing/2014/main" xmlns="" id="{E89E7A9A-19E7-4F1A-ABAF-9356340673CC}"/>
+                  <a16:creationId xmlns="" xmlns:a16="http://schemas.microsoft.com/office/drawing/2014/main" id="{E89E7A9A-19E7-4F1A-ABAF-9356340673CC}"/>
                 </a:ext>
               </a:extLst>
             </p:cNvPr>
@@ -11675,7 +11630,7 @@
             <p:cNvPr id="34" name="Rectangle 33">
               <a:extLst>
                 <a:ext uri="{FF2B5EF4-FFF2-40B4-BE49-F238E27FC236}">
-                  <a16:creationId xmlns:a16="http://schemas.microsoft.com/office/drawing/2014/main" xmlns="" id="{12879DF9-F252-4947-8358-26D8F2FD6F25}"/>
+                  <a16:creationId xmlns="" xmlns:a16="http://schemas.microsoft.com/office/drawing/2014/main" id="{12879DF9-F252-4947-8358-26D8F2FD6F25}"/>
                 </a:ext>
               </a:extLst>
             </p:cNvPr>
@@ -11728,7 +11683,7 @@
             <p:cNvPr id="36" name="Straight Arrow Connector 35">
               <a:extLst>
                 <a:ext uri="{FF2B5EF4-FFF2-40B4-BE49-F238E27FC236}">
-                  <a16:creationId xmlns:a16="http://schemas.microsoft.com/office/drawing/2014/main" xmlns="" id="{A1426F86-A101-449E-8BB7-81C92FFDABFC}"/>
+                  <a16:creationId xmlns="" xmlns:a16="http://schemas.microsoft.com/office/drawing/2014/main" id="{A1426F86-A101-449E-8BB7-81C92FFDABFC}"/>
                 </a:ext>
               </a:extLst>
             </p:cNvPr>
@@ -11772,7 +11727,7 @@
             <p:cNvPr id="37" name="Straight Arrow Connector 36">
               <a:extLst>
                 <a:ext uri="{FF2B5EF4-FFF2-40B4-BE49-F238E27FC236}">
-                  <a16:creationId xmlns:a16="http://schemas.microsoft.com/office/drawing/2014/main" xmlns="" id="{5A692F45-A4BC-4FF9-B3C1-7CEA15013252}"/>
+                  <a16:creationId xmlns="" xmlns:a16="http://schemas.microsoft.com/office/drawing/2014/main" id="{5A692F45-A4BC-4FF9-B3C1-7CEA15013252}"/>
                 </a:ext>
               </a:extLst>
             </p:cNvPr>
@@ -11818,7 +11773,7 @@
             <p:cNvPr id="38" name="Straight Arrow Connector 37">
               <a:extLst>
                 <a:ext uri="{FF2B5EF4-FFF2-40B4-BE49-F238E27FC236}">
-                  <a16:creationId xmlns:a16="http://schemas.microsoft.com/office/drawing/2014/main" xmlns="" id="{F316D50F-9AF5-45BB-A814-DED5EA02E797}"/>
+                  <a16:creationId xmlns="" xmlns:a16="http://schemas.microsoft.com/office/drawing/2014/main" id="{F316D50F-9AF5-45BB-A814-DED5EA02E797}"/>
                 </a:ext>
               </a:extLst>
             </p:cNvPr>
@@ -11862,7 +11817,7 @@
             <p:cNvPr id="39" name="Straight Arrow Connector 38">
               <a:extLst>
                 <a:ext uri="{FF2B5EF4-FFF2-40B4-BE49-F238E27FC236}">
-                  <a16:creationId xmlns:a16="http://schemas.microsoft.com/office/drawing/2014/main" xmlns="" id="{0C2EB6B9-B95A-43BC-861F-54F7C85EECD7}"/>
+                  <a16:creationId xmlns="" xmlns:a16="http://schemas.microsoft.com/office/drawing/2014/main" id="{0C2EB6B9-B95A-43BC-861F-54F7C85EECD7}"/>
                 </a:ext>
               </a:extLst>
             </p:cNvPr>
@@ -11908,7 +11863,7 @@
             <p:cNvPr id="35" name="Rectangle 62">
               <a:extLst>
                 <a:ext uri="{FF2B5EF4-FFF2-40B4-BE49-F238E27FC236}">
-                  <a16:creationId xmlns:a16="http://schemas.microsoft.com/office/drawing/2014/main" xmlns="" id="{298D4E7E-EED8-491B-8A0A-5EA4EA725539}"/>
+                  <a16:creationId xmlns="" xmlns:a16="http://schemas.microsoft.com/office/drawing/2014/main" id="{298D4E7E-EED8-491B-8A0A-5EA4EA725539}"/>
                 </a:ext>
               </a:extLst>
             </p:cNvPr>
@@ -11981,7 +11936,7 @@
             <p:cNvPr id="40" name="TextBox 39">
               <a:extLst>
                 <a:ext uri="{FF2B5EF4-FFF2-40B4-BE49-F238E27FC236}">
-                  <a16:creationId xmlns:a16="http://schemas.microsoft.com/office/drawing/2014/main" xmlns="" id="{8A66125C-0A8A-4B7E-AFDE-067D51EC70EE}"/>
+                  <a16:creationId xmlns="" xmlns:a16="http://schemas.microsoft.com/office/drawing/2014/main" id="{8A66125C-0A8A-4B7E-AFDE-067D51EC70EE}"/>
                 </a:ext>
               </a:extLst>
             </p:cNvPr>
@@ -12035,7 +11990,7 @@
             <p:cNvPr id="41" name="Rectangle 40">
               <a:extLst>
                 <a:ext uri="{FF2B5EF4-FFF2-40B4-BE49-F238E27FC236}">
-                  <a16:creationId xmlns:a16="http://schemas.microsoft.com/office/drawing/2014/main" xmlns="" id="{22D2FCA0-7BE2-46D8-B8D6-DE64A1E34A9F}"/>
+                  <a16:creationId xmlns="" xmlns:a16="http://schemas.microsoft.com/office/drawing/2014/main" id="{22D2FCA0-7BE2-46D8-B8D6-DE64A1E34A9F}"/>
                 </a:ext>
               </a:extLst>
             </p:cNvPr>
@@ -12088,7 +12043,7 @@
             <p:cNvPr id="42" name="Straight Arrow Connector 41">
               <a:extLst>
                 <a:ext uri="{FF2B5EF4-FFF2-40B4-BE49-F238E27FC236}">
-                  <a16:creationId xmlns:a16="http://schemas.microsoft.com/office/drawing/2014/main" xmlns="" id="{9FF4C9C2-8F37-4F5A-A44E-ACB1B565C80F}"/>
+                  <a16:creationId xmlns="" xmlns:a16="http://schemas.microsoft.com/office/drawing/2014/main" id="{9FF4C9C2-8F37-4F5A-A44E-ACB1B565C80F}"/>
                 </a:ext>
               </a:extLst>
             </p:cNvPr>
@@ -12134,7 +12089,7 @@
             <p:cNvPr id="44" name="TextBox 43">
               <a:extLst>
                 <a:ext uri="{FF2B5EF4-FFF2-40B4-BE49-F238E27FC236}">
-                  <a16:creationId xmlns:a16="http://schemas.microsoft.com/office/drawing/2014/main" xmlns="" id="{CAF6EAA2-E1B3-4146-9FD1-EED02820840E}"/>
+                  <a16:creationId xmlns="" xmlns:a16="http://schemas.microsoft.com/office/drawing/2014/main" id="{CAF6EAA2-E1B3-4146-9FD1-EED02820840E}"/>
                 </a:ext>
               </a:extLst>
             </p:cNvPr>
@@ -12173,7 +12128,7 @@
             <p:cNvPr id="45" name="Straight Arrow Connector 44">
               <a:extLst>
                 <a:ext uri="{FF2B5EF4-FFF2-40B4-BE49-F238E27FC236}">
-                  <a16:creationId xmlns:a16="http://schemas.microsoft.com/office/drawing/2014/main" xmlns="" id="{3DB62E95-D983-49BD-93B5-D53F5ED931D4}"/>
+                  <a16:creationId xmlns="" xmlns:a16="http://schemas.microsoft.com/office/drawing/2014/main" id="{3DB62E95-D983-49BD-93B5-D53F5ED931D4}"/>
                 </a:ext>
               </a:extLst>
             </p:cNvPr>
@@ -12217,7 +12172,7 @@
             <p:cNvPr id="46" name="TextBox 45">
               <a:extLst>
                 <a:ext uri="{FF2B5EF4-FFF2-40B4-BE49-F238E27FC236}">
-                  <a16:creationId xmlns:a16="http://schemas.microsoft.com/office/drawing/2014/main" xmlns="" id="{0C0656C6-C19E-4524-AFA8-7C3E64F61000}"/>
+                  <a16:creationId xmlns="" xmlns:a16="http://schemas.microsoft.com/office/drawing/2014/main" id="{0C0656C6-C19E-4524-AFA8-7C3E64F61000}"/>
                 </a:ext>
               </a:extLst>
             </p:cNvPr>
@@ -12263,7 +12218,7 @@
             <p:cNvPr id="47" name="TextBox 46">
               <a:extLst>
                 <a:ext uri="{FF2B5EF4-FFF2-40B4-BE49-F238E27FC236}">
-                  <a16:creationId xmlns:a16="http://schemas.microsoft.com/office/drawing/2014/main" xmlns="" id="{89829A4E-2BD6-44C2-95D7-541B8F82E923}"/>
+                  <a16:creationId xmlns="" xmlns:a16="http://schemas.microsoft.com/office/drawing/2014/main" id="{89829A4E-2BD6-44C2-95D7-541B8F82E923}"/>
                 </a:ext>
               </a:extLst>
             </p:cNvPr>
@@ -12347,7 +12302,7 @@
             <p:cNvPr id="90" name="Rectangle 62">
               <a:extLst>
                 <a:ext uri="{FF2B5EF4-FFF2-40B4-BE49-F238E27FC236}">
-                  <a16:creationId xmlns:a16="http://schemas.microsoft.com/office/drawing/2014/main" xmlns="" id="{298D4E7E-EED8-491B-8A0A-5EA4EA725539}"/>
+                  <a16:creationId xmlns="" xmlns:a16="http://schemas.microsoft.com/office/drawing/2014/main" id="{298D4E7E-EED8-491B-8A0A-5EA4EA725539}"/>
                 </a:ext>
               </a:extLst>
             </p:cNvPr>
@@ -12451,7 +12406,7 @@
             <p:cNvPr id="93" name="Rectangle 92">
               <a:extLst>
                 <a:ext uri="{FF2B5EF4-FFF2-40B4-BE49-F238E27FC236}">
-                  <a16:creationId xmlns:a16="http://schemas.microsoft.com/office/drawing/2014/main" xmlns="" id="{22D2FCA0-7BE2-46D8-B8D6-DE64A1E34A9F}"/>
+                  <a16:creationId xmlns="" xmlns:a16="http://schemas.microsoft.com/office/drawing/2014/main" id="{22D2FCA0-7BE2-46D8-B8D6-DE64A1E34A9F}"/>
                 </a:ext>
               </a:extLst>
             </p:cNvPr>
@@ -12504,7 +12459,7 @@
             <p:cNvPr id="94" name="Straight Arrow Connector 93">
               <a:extLst>
                 <a:ext uri="{FF2B5EF4-FFF2-40B4-BE49-F238E27FC236}">
-                  <a16:creationId xmlns:a16="http://schemas.microsoft.com/office/drawing/2014/main" xmlns="" id="{22607DA0-7EBB-4D04-93AE-CFD259F847D9}"/>
+                  <a16:creationId xmlns="" xmlns:a16="http://schemas.microsoft.com/office/drawing/2014/main" id="{22607DA0-7EBB-4D04-93AE-CFD259F847D9}"/>
                 </a:ext>
               </a:extLst>
             </p:cNvPr>
@@ -12597,7 +12552,7 @@
             <p:cNvPr id="731" name="Straight Arrow Connector 730">
               <a:extLst>
                 <a:ext uri="{FF2B5EF4-FFF2-40B4-BE49-F238E27FC236}">
-                  <a16:creationId xmlns:a16="http://schemas.microsoft.com/office/drawing/2014/main" xmlns="" id="{9FF4C9C2-8F37-4F5A-A44E-ACB1B565C80F}"/>
+                  <a16:creationId xmlns="" xmlns:a16="http://schemas.microsoft.com/office/drawing/2014/main" id="{9FF4C9C2-8F37-4F5A-A44E-ACB1B565C80F}"/>
                 </a:ext>
               </a:extLst>
             </p:cNvPr>
@@ -12643,7 +12598,7 @@
             <p:cNvPr id="747" name="Rectangle 62">
               <a:extLst>
                 <a:ext uri="{FF2B5EF4-FFF2-40B4-BE49-F238E27FC236}">
-                  <a16:creationId xmlns:a16="http://schemas.microsoft.com/office/drawing/2014/main" xmlns="" id="{298D4E7E-EED8-491B-8A0A-5EA4EA725539}"/>
+                  <a16:creationId xmlns="" xmlns:a16="http://schemas.microsoft.com/office/drawing/2014/main" id="{298D4E7E-EED8-491B-8A0A-5EA4EA725539}"/>
                 </a:ext>
               </a:extLst>
             </p:cNvPr>
@@ -12719,7 +12674,7 @@
             <p:cNvPr id="753" name="Straight Arrow Connector 752">
               <a:extLst>
                 <a:ext uri="{FF2B5EF4-FFF2-40B4-BE49-F238E27FC236}">
-                  <a16:creationId xmlns:a16="http://schemas.microsoft.com/office/drawing/2014/main" xmlns="" id="{39916E2E-195A-4DC8-B025-B05FA87E6796}"/>
+                  <a16:creationId xmlns="" xmlns:a16="http://schemas.microsoft.com/office/drawing/2014/main" id="{39916E2E-195A-4DC8-B025-B05FA87E6796}"/>
                 </a:ext>
               </a:extLst>
             </p:cNvPr>
@@ -12849,7 +12804,7 @@
             <p:cNvPr id="774" name="Rectangle 773">
               <a:extLst>
                 <a:ext uri="{FF2B5EF4-FFF2-40B4-BE49-F238E27FC236}">
-                  <a16:creationId xmlns:a16="http://schemas.microsoft.com/office/drawing/2014/main" xmlns="" id="{12879DF9-F252-4947-8358-26D8F2FD6F25}"/>
+                  <a16:creationId xmlns="" xmlns:a16="http://schemas.microsoft.com/office/drawing/2014/main" id="{12879DF9-F252-4947-8358-26D8F2FD6F25}"/>
                 </a:ext>
               </a:extLst>
             </p:cNvPr>
@@ -12902,7 +12857,7 @@
             <p:cNvPr id="777" name="Straight Arrow Connector 776">
               <a:extLst>
                 <a:ext uri="{FF2B5EF4-FFF2-40B4-BE49-F238E27FC236}">
-                  <a16:creationId xmlns:a16="http://schemas.microsoft.com/office/drawing/2014/main" xmlns="" id="{5A692F45-A4BC-4FF9-B3C1-7CEA15013252}"/>
+                  <a16:creationId xmlns="" xmlns:a16="http://schemas.microsoft.com/office/drawing/2014/main" id="{5A692F45-A4BC-4FF9-B3C1-7CEA15013252}"/>
                 </a:ext>
               </a:extLst>
             </p:cNvPr>
@@ -12988,7 +12943,7 @@
             <p:cNvPr id="26" name="Rectangle 62">
               <a:extLst>
                 <a:ext uri="{FF2B5EF4-FFF2-40B4-BE49-F238E27FC236}">
-                  <a16:creationId xmlns:a16="http://schemas.microsoft.com/office/drawing/2014/main" xmlns="" id="{A05565D0-E909-433C-87F8-C564FC30EF5F}"/>
+                  <a16:creationId xmlns="" xmlns:a16="http://schemas.microsoft.com/office/drawing/2014/main" id="{A05565D0-E909-433C-87F8-C564FC30EF5F}"/>
                 </a:ext>
               </a:extLst>
             </p:cNvPr>
@@ -13053,7 +13008,7 @@
             <p:cNvPr id="790" name="Straight Arrow Connector 789">
               <a:extLst>
                 <a:ext uri="{FF2B5EF4-FFF2-40B4-BE49-F238E27FC236}">
-                  <a16:creationId xmlns:a16="http://schemas.microsoft.com/office/drawing/2014/main" xmlns="" id="{39916E2E-195A-4DC8-B025-B05FA87E6796}"/>
+                  <a16:creationId xmlns="" xmlns:a16="http://schemas.microsoft.com/office/drawing/2014/main" id="{39916E2E-195A-4DC8-B025-B05FA87E6796}"/>
                 </a:ext>
               </a:extLst>
             </p:cNvPr>
@@ -13097,7 +13052,7 @@
             <p:cNvPr id="82" name="Rectangle 62">
               <a:extLst>
                 <a:ext uri="{FF2B5EF4-FFF2-40B4-BE49-F238E27FC236}">
-                  <a16:creationId xmlns:a16="http://schemas.microsoft.com/office/drawing/2014/main" xmlns="" id="{298D4E7E-EED8-491B-8A0A-5EA4EA725539}"/>
+                  <a16:creationId xmlns="" xmlns:a16="http://schemas.microsoft.com/office/drawing/2014/main" id="{298D4E7E-EED8-491B-8A0A-5EA4EA725539}"/>
                 </a:ext>
               </a:extLst>
             </p:cNvPr>
@@ -13170,7 +13125,7 @@
             <p:cNvPr id="807" name="TextBox 806">
               <a:extLst>
                 <a:ext uri="{FF2B5EF4-FFF2-40B4-BE49-F238E27FC236}">
-                  <a16:creationId xmlns:a16="http://schemas.microsoft.com/office/drawing/2014/main" xmlns="" id="{8A66125C-0A8A-4B7E-AFDE-067D51EC70EE}"/>
+                  <a16:creationId xmlns="" xmlns:a16="http://schemas.microsoft.com/office/drawing/2014/main" id="{8A66125C-0A8A-4B7E-AFDE-067D51EC70EE}"/>
                 </a:ext>
               </a:extLst>
             </p:cNvPr>
@@ -13223,7 +13178,7 @@
             <p:cNvPr id="808" name="TextBox 807">
               <a:extLst>
                 <a:ext uri="{FF2B5EF4-FFF2-40B4-BE49-F238E27FC236}">
-                  <a16:creationId xmlns:a16="http://schemas.microsoft.com/office/drawing/2014/main" xmlns="" id="{8A66125C-0A8A-4B7E-AFDE-067D51EC70EE}"/>
+                  <a16:creationId xmlns="" xmlns:a16="http://schemas.microsoft.com/office/drawing/2014/main" id="{8A66125C-0A8A-4B7E-AFDE-067D51EC70EE}"/>
                 </a:ext>
               </a:extLst>
             </p:cNvPr>
@@ -13270,7 +13225,7 @@
             <p:cNvPr id="811" name="Straight Arrow Connector 810">
               <a:extLst>
                 <a:ext uri="{FF2B5EF4-FFF2-40B4-BE49-F238E27FC236}">
-                  <a16:creationId xmlns:a16="http://schemas.microsoft.com/office/drawing/2014/main" xmlns="" id="{5A692F45-A4BC-4FF9-B3C1-7CEA15013252}"/>
+                  <a16:creationId xmlns="" xmlns:a16="http://schemas.microsoft.com/office/drawing/2014/main" id="{5A692F45-A4BC-4FF9-B3C1-7CEA15013252}"/>
                 </a:ext>
               </a:extLst>
             </p:cNvPr>
@@ -13316,7 +13271,7 @@
             <p:cNvPr id="812" name="TextBox 811">
               <a:extLst>
                 <a:ext uri="{FF2B5EF4-FFF2-40B4-BE49-F238E27FC236}">
-                  <a16:creationId xmlns:a16="http://schemas.microsoft.com/office/drawing/2014/main" xmlns="" id="{8A66125C-0A8A-4B7E-AFDE-067D51EC70EE}"/>
+                  <a16:creationId xmlns="" xmlns:a16="http://schemas.microsoft.com/office/drawing/2014/main" id="{8A66125C-0A8A-4B7E-AFDE-067D51EC70EE}"/>
                 </a:ext>
               </a:extLst>
             </p:cNvPr>
@@ -13363,7 +13318,7 @@
             <p:cNvPr id="823" name="Straight Arrow Connector 822">
               <a:extLst>
                 <a:ext uri="{FF2B5EF4-FFF2-40B4-BE49-F238E27FC236}">
-                  <a16:creationId xmlns:a16="http://schemas.microsoft.com/office/drawing/2014/main" xmlns="" id="{39916E2E-195A-4DC8-B025-B05FA87E6796}"/>
+                  <a16:creationId xmlns="" xmlns:a16="http://schemas.microsoft.com/office/drawing/2014/main" id="{39916E2E-195A-4DC8-B025-B05FA87E6796}"/>
                 </a:ext>
               </a:extLst>
             </p:cNvPr>
@@ -13452,7 +13407,7 @@
             <p:cNvPr id="3" name="Rectangle 65">
               <a:extLst>
                 <a:ext uri="{FF2B5EF4-FFF2-40B4-BE49-F238E27FC236}">
-                  <a16:creationId xmlns:a16="http://schemas.microsoft.com/office/drawing/2014/main" xmlns="" id="{2126271C-590E-4B60-8868-3D59B556D0C2}"/>
+                  <a16:creationId xmlns="" xmlns:a16="http://schemas.microsoft.com/office/drawing/2014/main" id="{2126271C-590E-4B60-8868-3D59B556D0C2}"/>
                 </a:ext>
               </a:extLst>
             </p:cNvPr>
@@ -13984,15 +13939,7 @@
                     <a:schemeClr val="bg1"/>
                   </a:solidFill>
                 </a:rPr>
-                <a:t>e</a:t>
-              </a:r>
-              <a:r>
-                <a:rPr lang="en-SG" sz="1100" dirty="0" err="1" smtClean="0">
-                  <a:solidFill>
-                    <a:schemeClr val="bg1"/>
-                  </a:solidFill>
-                </a:rPr>
-                <a:t>o:EditOrderCommand</a:t>
+                <a:t>eo:EditOrderCommand</a:t>
               </a:r>
               <a:endParaRPr lang="en-SG" sz="1100" dirty="0">
                 <a:solidFill>
@@ -14007,7 +13954,7 @@
             <p:cNvPr id="14" name="Straight Arrow Connector 13">
               <a:extLst>
                 <a:ext uri="{FF2B5EF4-FFF2-40B4-BE49-F238E27FC236}">
-                  <a16:creationId xmlns:a16="http://schemas.microsoft.com/office/drawing/2014/main" xmlns="" id="{854D9FBB-2B36-4DC9-8B58-F7F177A8E586}"/>
+                  <a16:creationId xmlns="" xmlns:a16="http://schemas.microsoft.com/office/drawing/2014/main" id="{854D9FBB-2B36-4DC9-8B58-F7F177A8E586}"/>
                 </a:ext>
               </a:extLst>
             </p:cNvPr>
@@ -14054,7 +14001,7 @@
             <p:cNvPr id="15" name="Straight Arrow Connector 14">
               <a:extLst>
                 <a:ext uri="{FF2B5EF4-FFF2-40B4-BE49-F238E27FC236}">
-                  <a16:creationId xmlns:a16="http://schemas.microsoft.com/office/drawing/2014/main" xmlns="" id="{DDEE7225-6527-47E2-9C48-DE9485DD5A4F}"/>
+                  <a16:creationId xmlns="" xmlns:a16="http://schemas.microsoft.com/office/drawing/2014/main" id="{DDEE7225-6527-47E2-9C48-DE9485DD5A4F}"/>
                 </a:ext>
               </a:extLst>
             </p:cNvPr>
@@ -14098,7 +14045,7 @@
             <p:cNvPr id="16" name="Straight Arrow Connector 15">
               <a:extLst>
                 <a:ext uri="{FF2B5EF4-FFF2-40B4-BE49-F238E27FC236}">
-                  <a16:creationId xmlns:a16="http://schemas.microsoft.com/office/drawing/2014/main" xmlns="" id="{BF9AEA9C-54D0-4CB0-AE49-51A566B69F58}"/>
+                  <a16:creationId xmlns="" xmlns:a16="http://schemas.microsoft.com/office/drawing/2014/main" id="{BF9AEA9C-54D0-4CB0-AE49-51A566B69F58}"/>
                 </a:ext>
               </a:extLst>
             </p:cNvPr>
@@ -14144,7 +14091,7 @@
             <p:cNvPr id="17" name="Rectangle 62">
               <a:extLst>
                 <a:ext uri="{FF2B5EF4-FFF2-40B4-BE49-F238E27FC236}">
-                  <a16:creationId xmlns:a16="http://schemas.microsoft.com/office/drawing/2014/main" xmlns="" id="{61FF3397-EF07-4016-8098-DAEF482C4389}"/>
+                  <a16:creationId xmlns="" xmlns:a16="http://schemas.microsoft.com/office/drawing/2014/main" id="{61FF3397-EF07-4016-8098-DAEF482C4389}"/>
                 </a:ext>
               </a:extLst>
             </p:cNvPr>
@@ -14217,7 +14164,7 @@
             <p:cNvPr id="18" name="Straight Connector 17">
               <a:extLst>
                 <a:ext uri="{FF2B5EF4-FFF2-40B4-BE49-F238E27FC236}">
-                  <a16:creationId xmlns:a16="http://schemas.microsoft.com/office/drawing/2014/main" xmlns="" id="{22D3ED81-D4BA-4011-B139-8213177BA215}"/>
+                  <a16:creationId xmlns="" xmlns:a16="http://schemas.microsoft.com/office/drawing/2014/main" id="{22D3ED81-D4BA-4011-B139-8213177BA215}"/>
                 </a:ext>
               </a:extLst>
             </p:cNvPr>
@@ -14262,7 +14209,7 @@
             <p:cNvPr id="19" name="Rectangle 18">
               <a:extLst>
                 <a:ext uri="{FF2B5EF4-FFF2-40B4-BE49-F238E27FC236}">
-                  <a16:creationId xmlns:a16="http://schemas.microsoft.com/office/drawing/2014/main" xmlns="" id="{A96B530B-5601-46A7-9B8D-33C8DDA39964}"/>
+                  <a16:creationId xmlns="" xmlns:a16="http://schemas.microsoft.com/office/drawing/2014/main" id="{A96B530B-5601-46A7-9B8D-33C8DDA39964}"/>
                 </a:ext>
               </a:extLst>
             </p:cNvPr>
@@ -14315,7 +14262,7 @@
             <p:cNvPr id="20" name="TextBox 19">
               <a:extLst>
                 <a:ext uri="{FF2B5EF4-FFF2-40B4-BE49-F238E27FC236}">
-                  <a16:creationId xmlns:a16="http://schemas.microsoft.com/office/drawing/2014/main" xmlns="" id="{95F03D45-B1FD-49BA-8758-8ED58ACA2B5C}"/>
+                  <a16:creationId xmlns="" xmlns:a16="http://schemas.microsoft.com/office/drawing/2014/main" id="{95F03D45-B1FD-49BA-8758-8ED58ACA2B5C}"/>
                 </a:ext>
               </a:extLst>
             </p:cNvPr>
@@ -14378,7 +14325,7 @@
             <p:cNvPr id="21" name="Straight Connector 20">
               <a:extLst>
                 <a:ext uri="{FF2B5EF4-FFF2-40B4-BE49-F238E27FC236}">
-                  <a16:creationId xmlns:a16="http://schemas.microsoft.com/office/drawing/2014/main" xmlns="" id="{2DA8FBC2-6B42-43C0-BBEC-CF189FD87668}"/>
+                  <a16:creationId xmlns="" xmlns:a16="http://schemas.microsoft.com/office/drawing/2014/main" id="{2DA8FBC2-6B42-43C0-BBEC-CF189FD87668}"/>
                 </a:ext>
               </a:extLst>
             </p:cNvPr>
@@ -14423,7 +14370,7 @@
             <p:cNvPr id="22" name="Rectangle 21">
               <a:extLst>
                 <a:ext uri="{FF2B5EF4-FFF2-40B4-BE49-F238E27FC236}">
-                  <a16:creationId xmlns:a16="http://schemas.microsoft.com/office/drawing/2014/main" xmlns="" id="{04305CEA-EBD1-45C9-97BE-ECFE3AC3D249}"/>
+                  <a16:creationId xmlns="" xmlns:a16="http://schemas.microsoft.com/office/drawing/2014/main" id="{04305CEA-EBD1-45C9-97BE-ECFE3AC3D249}"/>
                 </a:ext>
               </a:extLst>
             </p:cNvPr>
@@ -14476,7 +14423,7 @@
             <p:cNvPr id="23" name="TextBox 22">
               <a:extLst>
                 <a:ext uri="{FF2B5EF4-FFF2-40B4-BE49-F238E27FC236}">
-                  <a16:creationId xmlns:a16="http://schemas.microsoft.com/office/drawing/2014/main" xmlns="" id="{81B0FA7A-7734-4574-BB3A-865D46A3AB9C}"/>
+                  <a16:creationId xmlns="" xmlns:a16="http://schemas.microsoft.com/office/drawing/2014/main" id="{81B0FA7A-7734-4574-BB3A-865D46A3AB9C}"/>
                 </a:ext>
               </a:extLst>
             </p:cNvPr>
@@ -14526,7 +14473,7 @@
             <p:cNvPr id="24" name="TextBox 23">
               <a:extLst>
                 <a:ext uri="{FF2B5EF4-FFF2-40B4-BE49-F238E27FC236}">
-                  <a16:creationId xmlns:a16="http://schemas.microsoft.com/office/drawing/2014/main" xmlns="" id="{E89E7A9A-19E7-4F1A-ABAF-9356340673CC}"/>
+                  <a16:creationId xmlns="" xmlns:a16="http://schemas.microsoft.com/office/drawing/2014/main" id="{E89E7A9A-19E7-4F1A-ABAF-9356340673CC}"/>
                 </a:ext>
               </a:extLst>
             </p:cNvPr>
@@ -14576,7 +14523,7 @@
             <p:cNvPr id="25" name="Rectangle 24">
               <a:extLst>
                 <a:ext uri="{FF2B5EF4-FFF2-40B4-BE49-F238E27FC236}">
-                  <a16:creationId xmlns:a16="http://schemas.microsoft.com/office/drawing/2014/main" xmlns="" id="{12879DF9-F252-4947-8358-26D8F2FD6F25}"/>
+                  <a16:creationId xmlns="" xmlns:a16="http://schemas.microsoft.com/office/drawing/2014/main" id="{12879DF9-F252-4947-8358-26D8F2FD6F25}"/>
                 </a:ext>
               </a:extLst>
             </p:cNvPr>
@@ -14629,7 +14576,7 @@
             <p:cNvPr id="26" name="Straight Arrow Connector 25">
               <a:extLst>
                 <a:ext uri="{FF2B5EF4-FFF2-40B4-BE49-F238E27FC236}">
-                  <a16:creationId xmlns:a16="http://schemas.microsoft.com/office/drawing/2014/main" xmlns="" id="{A1426F86-A101-449E-8BB7-81C92FFDABFC}"/>
+                  <a16:creationId xmlns="" xmlns:a16="http://schemas.microsoft.com/office/drawing/2014/main" id="{A1426F86-A101-449E-8BB7-81C92FFDABFC}"/>
                 </a:ext>
               </a:extLst>
             </p:cNvPr>
@@ -14673,7 +14620,7 @@
             <p:cNvPr id="27" name="Straight Arrow Connector 26">
               <a:extLst>
                 <a:ext uri="{FF2B5EF4-FFF2-40B4-BE49-F238E27FC236}">
-                  <a16:creationId xmlns:a16="http://schemas.microsoft.com/office/drawing/2014/main" xmlns="" id="{5A692F45-A4BC-4FF9-B3C1-7CEA15013252}"/>
+                  <a16:creationId xmlns="" xmlns:a16="http://schemas.microsoft.com/office/drawing/2014/main" id="{5A692F45-A4BC-4FF9-B3C1-7CEA15013252}"/>
                 </a:ext>
               </a:extLst>
             </p:cNvPr>
@@ -14719,7 +14666,7 @@
             <p:cNvPr id="28" name="Straight Arrow Connector 27">
               <a:extLst>
                 <a:ext uri="{FF2B5EF4-FFF2-40B4-BE49-F238E27FC236}">
-                  <a16:creationId xmlns:a16="http://schemas.microsoft.com/office/drawing/2014/main" xmlns="" id="{F316D50F-9AF5-45BB-A814-DED5EA02E797}"/>
+                  <a16:creationId xmlns="" xmlns:a16="http://schemas.microsoft.com/office/drawing/2014/main" id="{F316D50F-9AF5-45BB-A814-DED5EA02E797}"/>
                 </a:ext>
               </a:extLst>
             </p:cNvPr>
@@ -14763,7 +14710,7 @@
             <p:cNvPr id="29" name="Straight Arrow Connector 28">
               <a:extLst>
                 <a:ext uri="{FF2B5EF4-FFF2-40B4-BE49-F238E27FC236}">
-                  <a16:creationId xmlns:a16="http://schemas.microsoft.com/office/drawing/2014/main" xmlns="" id="{0C2EB6B9-B95A-43BC-861F-54F7C85EECD7}"/>
+                  <a16:creationId xmlns="" xmlns:a16="http://schemas.microsoft.com/office/drawing/2014/main" id="{0C2EB6B9-B95A-43BC-861F-54F7C85EECD7}"/>
                 </a:ext>
               </a:extLst>
             </p:cNvPr>
@@ -14809,7 +14756,7 @@
             <p:cNvPr id="30" name="Rectangle 62">
               <a:extLst>
                 <a:ext uri="{FF2B5EF4-FFF2-40B4-BE49-F238E27FC236}">
-                  <a16:creationId xmlns:a16="http://schemas.microsoft.com/office/drawing/2014/main" xmlns="" id="{298D4E7E-EED8-491B-8A0A-5EA4EA725539}"/>
+                  <a16:creationId xmlns="" xmlns:a16="http://schemas.microsoft.com/office/drawing/2014/main" id="{298D4E7E-EED8-491B-8A0A-5EA4EA725539}"/>
                 </a:ext>
               </a:extLst>
             </p:cNvPr>
@@ -14882,7 +14829,7 @@
             <p:cNvPr id="31" name="TextBox 30">
               <a:extLst>
                 <a:ext uri="{FF2B5EF4-FFF2-40B4-BE49-F238E27FC236}">
-                  <a16:creationId xmlns:a16="http://schemas.microsoft.com/office/drawing/2014/main" xmlns="" id="{8A66125C-0A8A-4B7E-AFDE-067D51EC70EE}"/>
+                  <a16:creationId xmlns="" xmlns:a16="http://schemas.microsoft.com/office/drawing/2014/main" id="{8A66125C-0A8A-4B7E-AFDE-067D51EC70EE}"/>
                 </a:ext>
               </a:extLst>
             </p:cNvPr>
@@ -14918,11 +14865,7 @@
             <a:p>
               <a:r>
                 <a:rPr lang="en-US" sz="1100" dirty="0" err="1" smtClean="0"/>
-                <a:t>Edit</a:t>
-              </a:r>
-              <a:r>
-                <a:rPr lang="en-US" sz="1100" dirty="0" err="1" smtClean="0"/>
-                <a:t>Order</a:t>
+                <a:t>EditOrder</a:t>
               </a:r>
               <a:endParaRPr lang="en-US" sz="1100" dirty="0"/>
             </a:p>
@@ -14940,7 +14883,7 @@
             <p:cNvPr id="32" name="Rectangle 31">
               <a:extLst>
                 <a:ext uri="{FF2B5EF4-FFF2-40B4-BE49-F238E27FC236}">
-                  <a16:creationId xmlns:a16="http://schemas.microsoft.com/office/drawing/2014/main" xmlns="" id="{22D2FCA0-7BE2-46D8-B8D6-DE64A1E34A9F}"/>
+                  <a16:creationId xmlns="" xmlns:a16="http://schemas.microsoft.com/office/drawing/2014/main" id="{22D2FCA0-7BE2-46D8-B8D6-DE64A1E34A9F}"/>
                 </a:ext>
               </a:extLst>
             </p:cNvPr>
@@ -14993,7 +14936,7 @@
             <p:cNvPr id="33" name="Straight Arrow Connector 32">
               <a:extLst>
                 <a:ext uri="{FF2B5EF4-FFF2-40B4-BE49-F238E27FC236}">
-                  <a16:creationId xmlns:a16="http://schemas.microsoft.com/office/drawing/2014/main" xmlns="" id="{9FF4C9C2-8F37-4F5A-A44E-ACB1B565C80F}"/>
+                  <a16:creationId xmlns="" xmlns:a16="http://schemas.microsoft.com/office/drawing/2014/main" id="{9FF4C9C2-8F37-4F5A-A44E-ACB1B565C80F}"/>
                 </a:ext>
               </a:extLst>
             </p:cNvPr>
@@ -15039,7 +14982,7 @@
             <p:cNvPr id="34" name="TextBox 33">
               <a:extLst>
                 <a:ext uri="{FF2B5EF4-FFF2-40B4-BE49-F238E27FC236}">
-                  <a16:creationId xmlns:a16="http://schemas.microsoft.com/office/drawing/2014/main" xmlns="" id="{CAF6EAA2-E1B3-4146-9FD1-EED02820840E}"/>
+                  <a16:creationId xmlns="" xmlns:a16="http://schemas.microsoft.com/office/drawing/2014/main" id="{CAF6EAA2-E1B3-4146-9FD1-EED02820840E}"/>
                 </a:ext>
               </a:extLst>
             </p:cNvPr>
@@ -15078,7 +15021,7 @@
             <p:cNvPr id="35" name="Straight Arrow Connector 34">
               <a:extLst>
                 <a:ext uri="{FF2B5EF4-FFF2-40B4-BE49-F238E27FC236}">
-                  <a16:creationId xmlns:a16="http://schemas.microsoft.com/office/drawing/2014/main" xmlns="" id="{3DB62E95-D983-49BD-93B5-D53F5ED931D4}"/>
+                  <a16:creationId xmlns="" xmlns:a16="http://schemas.microsoft.com/office/drawing/2014/main" id="{3DB62E95-D983-49BD-93B5-D53F5ED931D4}"/>
                 </a:ext>
               </a:extLst>
             </p:cNvPr>
@@ -15122,7 +15065,7 @@
             <p:cNvPr id="36" name="TextBox 35">
               <a:extLst>
                 <a:ext uri="{FF2B5EF4-FFF2-40B4-BE49-F238E27FC236}">
-                  <a16:creationId xmlns:a16="http://schemas.microsoft.com/office/drawing/2014/main" xmlns="" id="{0C0656C6-C19E-4524-AFA8-7C3E64F61000}"/>
+                  <a16:creationId xmlns="" xmlns:a16="http://schemas.microsoft.com/office/drawing/2014/main" id="{0C0656C6-C19E-4524-AFA8-7C3E64F61000}"/>
                 </a:ext>
               </a:extLst>
             </p:cNvPr>
@@ -15168,7 +15111,7 @@
             <p:cNvPr id="37" name="TextBox 36">
               <a:extLst>
                 <a:ext uri="{FF2B5EF4-FFF2-40B4-BE49-F238E27FC236}">
-                  <a16:creationId xmlns:a16="http://schemas.microsoft.com/office/drawing/2014/main" xmlns="" id="{89829A4E-2BD6-44C2-95D7-541B8F82E923}"/>
+                  <a16:creationId xmlns="" xmlns:a16="http://schemas.microsoft.com/office/drawing/2014/main" id="{89829A4E-2BD6-44C2-95D7-541B8F82E923}"/>
                 </a:ext>
               </a:extLst>
             </p:cNvPr>
@@ -15252,7 +15195,7 @@
             <p:cNvPr id="39" name="Rectangle 62">
               <a:extLst>
                 <a:ext uri="{FF2B5EF4-FFF2-40B4-BE49-F238E27FC236}">
-                  <a16:creationId xmlns:a16="http://schemas.microsoft.com/office/drawing/2014/main" xmlns="" id="{298D4E7E-EED8-491B-8A0A-5EA4EA725539}"/>
+                  <a16:creationId xmlns="" xmlns:a16="http://schemas.microsoft.com/office/drawing/2014/main" id="{298D4E7E-EED8-491B-8A0A-5EA4EA725539}"/>
                 </a:ext>
               </a:extLst>
             </p:cNvPr>
@@ -15356,7 +15299,7 @@
             <p:cNvPr id="41" name="Rectangle 40">
               <a:extLst>
                 <a:ext uri="{FF2B5EF4-FFF2-40B4-BE49-F238E27FC236}">
-                  <a16:creationId xmlns:a16="http://schemas.microsoft.com/office/drawing/2014/main" xmlns="" id="{22D2FCA0-7BE2-46D8-B8D6-DE64A1E34A9F}"/>
+                  <a16:creationId xmlns="" xmlns:a16="http://schemas.microsoft.com/office/drawing/2014/main" id="{22D2FCA0-7BE2-46D8-B8D6-DE64A1E34A9F}"/>
                 </a:ext>
               </a:extLst>
             </p:cNvPr>
@@ -15409,7 +15352,7 @@
             <p:cNvPr id="42" name="Straight Arrow Connector 41">
               <a:extLst>
                 <a:ext uri="{FF2B5EF4-FFF2-40B4-BE49-F238E27FC236}">
-                  <a16:creationId xmlns:a16="http://schemas.microsoft.com/office/drawing/2014/main" xmlns="" id="{22607DA0-7EBB-4D04-93AE-CFD259F847D9}"/>
+                  <a16:creationId xmlns="" xmlns:a16="http://schemas.microsoft.com/office/drawing/2014/main" id="{22607DA0-7EBB-4D04-93AE-CFD259F847D9}"/>
                 </a:ext>
               </a:extLst>
             </p:cNvPr>
@@ -15502,7 +15445,7 @@
             <p:cNvPr id="44" name="Straight Arrow Connector 43">
               <a:extLst>
                 <a:ext uri="{FF2B5EF4-FFF2-40B4-BE49-F238E27FC236}">
-                  <a16:creationId xmlns:a16="http://schemas.microsoft.com/office/drawing/2014/main" xmlns="" id="{9FF4C9C2-8F37-4F5A-A44E-ACB1B565C80F}"/>
+                  <a16:creationId xmlns="" xmlns:a16="http://schemas.microsoft.com/office/drawing/2014/main" id="{9FF4C9C2-8F37-4F5A-A44E-ACB1B565C80F}"/>
                 </a:ext>
               </a:extLst>
             </p:cNvPr>
@@ -15548,7 +15491,7 @@
             <p:cNvPr id="45" name="Rectangle 62">
               <a:extLst>
                 <a:ext uri="{FF2B5EF4-FFF2-40B4-BE49-F238E27FC236}">
-                  <a16:creationId xmlns:a16="http://schemas.microsoft.com/office/drawing/2014/main" xmlns="" id="{298D4E7E-EED8-491B-8A0A-5EA4EA725539}"/>
+                  <a16:creationId xmlns="" xmlns:a16="http://schemas.microsoft.com/office/drawing/2014/main" id="{298D4E7E-EED8-491B-8A0A-5EA4EA725539}"/>
                 </a:ext>
               </a:extLst>
             </p:cNvPr>
@@ -15624,7 +15567,7 @@
             <p:cNvPr id="46" name="Straight Arrow Connector 45">
               <a:extLst>
                 <a:ext uri="{FF2B5EF4-FFF2-40B4-BE49-F238E27FC236}">
-                  <a16:creationId xmlns:a16="http://schemas.microsoft.com/office/drawing/2014/main" xmlns="" id="{39916E2E-195A-4DC8-B025-B05FA87E6796}"/>
+                  <a16:creationId xmlns="" xmlns:a16="http://schemas.microsoft.com/office/drawing/2014/main" id="{39916E2E-195A-4DC8-B025-B05FA87E6796}"/>
                 </a:ext>
               </a:extLst>
             </p:cNvPr>
@@ -15754,7 +15697,7 @@
             <p:cNvPr id="49" name="Rectangle 48">
               <a:extLst>
                 <a:ext uri="{FF2B5EF4-FFF2-40B4-BE49-F238E27FC236}">
-                  <a16:creationId xmlns:a16="http://schemas.microsoft.com/office/drawing/2014/main" xmlns="" id="{12879DF9-F252-4947-8358-26D8F2FD6F25}"/>
+                  <a16:creationId xmlns="" xmlns:a16="http://schemas.microsoft.com/office/drawing/2014/main" id="{12879DF9-F252-4947-8358-26D8F2FD6F25}"/>
                 </a:ext>
               </a:extLst>
             </p:cNvPr>
@@ -15807,7 +15750,7 @@
             <p:cNvPr id="50" name="Straight Arrow Connector 49">
               <a:extLst>
                 <a:ext uri="{FF2B5EF4-FFF2-40B4-BE49-F238E27FC236}">
-                  <a16:creationId xmlns:a16="http://schemas.microsoft.com/office/drawing/2014/main" xmlns="" id="{5A692F45-A4BC-4FF9-B3C1-7CEA15013252}"/>
+                  <a16:creationId xmlns="" xmlns:a16="http://schemas.microsoft.com/office/drawing/2014/main" id="{5A692F45-A4BC-4FF9-B3C1-7CEA15013252}"/>
                 </a:ext>
               </a:extLst>
             </p:cNvPr>
@@ -15893,7 +15836,7 @@
             <p:cNvPr id="52" name="Rectangle 62">
               <a:extLst>
                 <a:ext uri="{FF2B5EF4-FFF2-40B4-BE49-F238E27FC236}">
-                  <a16:creationId xmlns:a16="http://schemas.microsoft.com/office/drawing/2014/main" xmlns="" id="{A05565D0-E909-433C-87F8-C564FC30EF5F}"/>
+                  <a16:creationId xmlns="" xmlns:a16="http://schemas.microsoft.com/office/drawing/2014/main" id="{A05565D0-E909-433C-87F8-C564FC30EF5F}"/>
                 </a:ext>
               </a:extLst>
             </p:cNvPr>
@@ -15958,7 +15901,7 @@
             <p:cNvPr id="53" name="Straight Arrow Connector 52">
               <a:extLst>
                 <a:ext uri="{FF2B5EF4-FFF2-40B4-BE49-F238E27FC236}">
-                  <a16:creationId xmlns:a16="http://schemas.microsoft.com/office/drawing/2014/main" xmlns="" id="{39916E2E-195A-4DC8-B025-B05FA87E6796}"/>
+                  <a16:creationId xmlns="" xmlns:a16="http://schemas.microsoft.com/office/drawing/2014/main" id="{39916E2E-195A-4DC8-B025-B05FA87E6796}"/>
                 </a:ext>
               </a:extLst>
             </p:cNvPr>
@@ -16002,7 +15945,7 @@
             <p:cNvPr id="54" name="Rectangle 62">
               <a:extLst>
                 <a:ext uri="{FF2B5EF4-FFF2-40B4-BE49-F238E27FC236}">
-                  <a16:creationId xmlns:a16="http://schemas.microsoft.com/office/drawing/2014/main" xmlns="" id="{298D4E7E-EED8-491B-8A0A-5EA4EA725539}"/>
+                  <a16:creationId xmlns="" xmlns:a16="http://schemas.microsoft.com/office/drawing/2014/main" id="{298D4E7E-EED8-491B-8A0A-5EA4EA725539}"/>
                 </a:ext>
               </a:extLst>
             </p:cNvPr>
@@ -16075,7 +16018,7 @@
             <p:cNvPr id="55" name="TextBox 54">
               <a:extLst>
                 <a:ext uri="{FF2B5EF4-FFF2-40B4-BE49-F238E27FC236}">
-                  <a16:creationId xmlns:a16="http://schemas.microsoft.com/office/drawing/2014/main" xmlns="" id="{8A66125C-0A8A-4B7E-AFDE-067D51EC70EE}"/>
+                  <a16:creationId xmlns="" xmlns:a16="http://schemas.microsoft.com/office/drawing/2014/main" id="{8A66125C-0A8A-4B7E-AFDE-067D51EC70EE}"/>
                 </a:ext>
               </a:extLst>
             </p:cNvPr>
@@ -16128,7 +16071,7 @@
             <p:cNvPr id="56" name="TextBox 55">
               <a:extLst>
                 <a:ext uri="{FF2B5EF4-FFF2-40B4-BE49-F238E27FC236}">
-                  <a16:creationId xmlns:a16="http://schemas.microsoft.com/office/drawing/2014/main" xmlns="" id="{8A66125C-0A8A-4B7E-AFDE-067D51EC70EE}"/>
+                  <a16:creationId xmlns="" xmlns:a16="http://schemas.microsoft.com/office/drawing/2014/main" id="{8A66125C-0A8A-4B7E-AFDE-067D51EC70EE}"/>
                 </a:ext>
               </a:extLst>
             </p:cNvPr>
@@ -16175,7 +16118,7 @@
             <p:cNvPr id="57" name="Straight Arrow Connector 56">
               <a:extLst>
                 <a:ext uri="{FF2B5EF4-FFF2-40B4-BE49-F238E27FC236}">
-                  <a16:creationId xmlns:a16="http://schemas.microsoft.com/office/drawing/2014/main" xmlns="" id="{5A692F45-A4BC-4FF9-B3C1-7CEA15013252}"/>
+                  <a16:creationId xmlns="" xmlns:a16="http://schemas.microsoft.com/office/drawing/2014/main" id="{5A692F45-A4BC-4FF9-B3C1-7CEA15013252}"/>
                 </a:ext>
               </a:extLst>
             </p:cNvPr>
@@ -16221,7 +16164,7 @@
             <p:cNvPr id="58" name="TextBox 57">
               <a:extLst>
                 <a:ext uri="{FF2B5EF4-FFF2-40B4-BE49-F238E27FC236}">
-                  <a16:creationId xmlns:a16="http://schemas.microsoft.com/office/drawing/2014/main" xmlns="" id="{8A66125C-0A8A-4B7E-AFDE-067D51EC70EE}"/>
+                  <a16:creationId xmlns="" xmlns:a16="http://schemas.microsoft.com/office/drawing/2014/main" id="{8A66125C-0A8A-4B7E-AFDE-067D51EC70EE}"/>
                 </a:ext>
               </a:extLst>
             </p:cNvPr>
@@ -16272,7 +16215,7 @@
             <p:cNvPr id="59" name="Straight Arrow Connector 58">
               <a:extLst>
                 <a:ext uri="{FF2B5EF4-FFF2-40B4-BE49-F238E27FC236}">
-                  <a16:creationId xmlns:a16="http://schemas.microsoft.com/office/drawing/2014/main" xmlns="" id="{39916E2E-195A-4DC8-B025-B05FA87E6796}"/>
+                  <a16:creationId xmlns="" xmlns:a16="http://schemas.microsoft.com/office/drawing/2014/main" id="{39916E2E-195A-4DC8-B025-B05FA87E6796}"/>
                 </a:ext>
               </a:extLst>
             </p:cNvPr>
@@ -16361,7 +16304,7 @@
             <p:cNvPr id="61" name="Rectangle 65">
               <a:extLst>
                 <a:ext uri="{FF2B5EF4-FFF2-40B4-BE49-F238E27FC236}">
-                  <a16:creationId xmlns:a16="http://schemas.microsoft.com/office/drawing/2014/main" xmlns="" id="{2126271C-590E-4B60-8868-3D59B556D0C2}"/>
+                  <a16:creationId xmlns="" xmlns:a16="http://schemas.microsoft.com/office/drawing/2014/main" id="{2126271C-590E-4B60-8868-3D59B556D0C2}"/>
                 </a:ext>
               </a:extLst>
             </p:cNvPr>
@@ -16616,11 +16559,7 @@
             <a:p>
               <a:r>
                 <a:rPr lang="en-US" sz="1100" dirty="0" smtClean="0"/>
-                <a:t>Status</a:t>
-              </a:r>
-              <a:r>
-                <a:rPr lang="en-US" sz="1100" dirty="0" smtClean="0"/>
-                <a:t>(o)</a:t>
+                <a:t>Status(o)</a:t>
               </a:r>
               <a:endParaRPr lang="en-US" sz="1100" dirty="0"/>
             </a:p>
@@ -16915,7 +16854,7 @@
             <p:cNvPr id="72" name="Straight Arrow Connector 71">
               <a:extLst>
                 <a:ext uri="{FF2B5EF4-FFF2-40B4-BE49-F238E27FC236}">
-                  <a16:creationId xmlns:a16="http://schemas.microsoft.com/office/drawing/2014/main" xmlns="" id="{854D9FBB-2B36-4DC9-8B58-F7F177A8E586}"/>
+                  <a16:creationId xmlns="" xmlns:a16="http://schemas.microsoft.com/office/drawing/2014/main" id="{854D9FBB-2B36-4DC9-8B58-F7F177A8E586}"/>
                 </a:ext>
               </a:extLst>
             </p:cNvPr>
@@ -16962,7 +16901,7 @@
             <p:cNvPr id="73" name="Straight Arrow Connector 72">
               <a:extLst>
                 <a:ext uri="{FF2B5EF4-FFF2-40B4-BE49-F238E27FC236}">
-                  <a16:creationId xmlns:a16="http://schemas.microsoft.com/office/drawing/2014/main" xmlns="" id="{DDEE7225-6527-47E2-9C48-DE9485DD5A4F}"/>
+                  <a16:creationId xmlns="" xmlns:a16="http://schemas.microsoft.com/office/drawing/2014/main" id="{DDEE7225-6527-47E2-9C48-DE9485DD5A4F}"/>
                 </a:ext>
               </a:extLst>
             </p:cNvPr>
@@ -17006,7 +16945,7 @@
             <p:cNvPr id="74" name="Straight Arrow Connector 73">
               <a:extLst>
                 <a:ext uri="{FF2B5EF4-FFF2-40B4-BE49-F238E27FC236}">
-                  <a16:creationId xmlns:a16="http://schemas.microsoft.com/office/drawing/2014/main" xmlns="" id="{BF9AEA9C-54D0-4CB0-AE49-51A566B69F58}"/>
+                  <a16:creationId xmlns="" xmlns:a16="http://schemas.microsoft.com/office/drawing/2014/main" id="{BF9AEA9C-54D0-4CB0-AE49-51A566B69F58}"/>
                 </a:ext>
               </a:extLst>
             </p:cNvPr>
@@ -17052,7 +16991,7 @@
             <p:cNvPr id="75" name="Rectangle 62">
               <a:extLst>
                 <a:ext uri="{FF2B5EF4-FFF2-40B4-BE49-F238E27FC236}">
-                  <a16:creationId xmlns:a16="http://schemas.microsoft.com/office/drawing/2014/main" xmlns="" id="{61FF3397-EF07-4016-8098-DAEF482C4389}"/>
+                  <a16:creationId xmlns="" xmlns:a16="http://schemas.microsoft.com/office/drawing/2014/main" id="{61FF3397-EF07-4016-8098-DAEF482C4389}"/>
                 </a:ext>
               </a:extLst>
             </p:cNvPr>
@@ -17125,7 +17064,7 @@
             <p:cNvPr id="76" name="Straight Connector 75">
               <a:extLst>
                 <a:ext uri="{FF2B5EF4-FFF2-40B4-BE49-F238E27FC236}">
-                  <a16:creationId xmlns:a16="http://schemas.microsoft.com/office/drawing/2014/main" xmlns="" id="{22D3ED81-D4BA-4011-B139-8213177BA215}"/>
+                  <a16:creationId xmlns="" xmlns:a16="http://schemas.microsoft.com/office/drawing/2014/main" id="{22D3ED81-D4BA-4011-B139-8213177BA215}"/>
                 </a:ext>
               </a:extLst>
             </p:cNvPr>
@@ -17170,7 +17109,7 @@
             <p:cNvPr id="77" name="Rectangle 76">
               <a:extLst>
                 <a:ext uri="{FF2B5EF4-FFF2-40B4-BE49-F238E27FC236}">
-                  <a16:creationId xmlns:a16="http://schemas.microsoft.com/office/drawing/2014/main" xmlns="" id="{A96B530B-5601-46A7-9B8D-33C8DDA39964}"/>
+                  <a16:creationId xmlns="" xmlns:a16="http://schemas.microsoft.com/office/drawing/2014/main" id="{A96B530B-5601-46A7-9B8D-33C8DDA39964}"/>
                 </a:ext>
               </a:extLst>
             </p:cNvPr>
@@ -17223,7 +17162,7 @@
             <p:cNvPr id="78" name="TextBox 77">
               <a:extLst>
                 <a:ext uri="{FF2B5EF4-FFF2-40B4-BE49-F238E27FC236}">
-                  <a16:creationId xmlns:a16="http://schemas.microsoft.com/office/drawing/2014/main" xmlns="" id="{95F03D45-B1FD-49BA-8758-8ED58ACA2B5C}"/>
+                  <a16:creationId xmlns="" xmlns:a16="http://schemas.microsoft.com/office/drawing/2014/main" id="{95F03D45-B1FD-49BA-8758-8ED58ACA2B5C}"/>
                 </a:ext>
               </a:extLst>
             </p:cNvPr>
@@ -17286,7 +17225,7 @@
             <p:cNvPr id="79" name="Straight Connector 78">
               <a:extLst>
                 <a:ext uri="{FF2B5EF4-FFF2-40B4-BE49-F238E27FC236}">
-                  <a16:creationId xmlns:a16="http://schemas.microsoft.com/office/drawing/2014/main" xmlns="" id="{2DA8FBC2-6B42-43C0-BBEC-CF189FD87668}"/>
+                  <a16:creationId xmlns="" xmlns:a16="http://schemas.microsoft.com/office/drawing/2014/main" id="{2DA8FBC2-6B42-43C0-BBEC-CF189FD87668}"/>
                 </a:ext>
               </a:extLst>
             </p:cNvPr>
@@ -17331,7 +17270,7 @@
             <p:cNvPr id="80" name="Rectangle 79">
               <a:extLst>
                 <a:ext uri="{FF2B5EF4-FFF2-40B4-BE49-F238E27FC236}">
-                  <a16:creationId xmlns:a16="http://schemas.microsoft.com/office/drawing/2014/main" xmlns="" id="{04305CEA-EBD1-45C9-97BE-ECFE3AC3D249}"/>
+                  <a16:creationId xmlns="" xmlns:a16="http://schemas.microsoft.com/office/drawing/2014/main" id="{04305CEA-EBD1-45C9-97BE-ECFE3AC3D249}"/>
                 </a:ext>
               </a:extLst>
             </p:cNvPr>
@@ -17384,7 +17323,7 @@
             <p:cNvPr id="81" name="TextBox 80">
               <a:extLst>
                 <a:ext uri="{FF2B5EF4-FFF2-40B4-BE49-F238E27FC236}">
-                  <a16:creationId xmlns:a16="http://schemas.microsoft.com/office/drawing/2014/main" xmlns="" id="{81B0FA7A-7734-4574-BB3A-865D46A3AB9C}"/>
+                  <a16:creationId xmlns="" xmlns:a16="http://schemas.microsoft.com/office/drawing/2014/main" id="{81B0FA7A-7734-4574-BB3A-865D46A3AB9C}"/>
                 </a:ext>
               </a:extLst>
             </p:cNvPr>
@@ -17434,7 +17373,7 @@
             <p:cNvPr id="82" name="TextBox 81">
               <a:extLst>
                 <a:ext uri="{FF2B5EF4-FFF2-40B4-BE49-F238E27FC236}">
-                  <a16:creationId xmlns:a16="http://schemas.microsoft.com/office/drawing/2014/main" xmlns="" id="{E89E7A9A-19E7-4F1A-ABAF-9356340673CC}"/>
+                  <a16:creationId xmlns="" xmlns:a16="http://schemas.microsoft.com/office/drawing/2014/main" id="{E89E7A9A-19E7-4F1A-ABAF-9356340673CC}"/>
                 </a:ext>
               </a:extLst>
             </p:cNvPr>
@@ -17484,7 +17423,7 @@
             <p:cNvPr id="83" name="Rectangle 82">
               <a:extLst>
                 <a:ext uri="{FF2B5EF4-FFF2-40B4-BE49-F238E27FC236}">
-                  <a16:creationId xmlns:a16="http://schemas.microsoft.com/office/drawing/2014/main" xmlns="" id="{12879DF9-F252-4947-8358-26D8F2FD6F25}"/>
+                  <a16:creationId xmlns="" xmlns:a16="http://schemas.microsoft.com/office/drawing/2014/main" id="{12879DF9-F252-4947-8358-26D8F2FD6F25}"/>
                 </a:ext>
               </a:extLst>
             </p:cNvPr>
@@ -17537,7 +17476,7 @@
             <p:cNvPr id="84" name="Straight Arrow Connector 83">
               <a:extLst>
                 <a:ext uri="{FF2B5EF4-FFF2-40B4-BE49-F238E27FC236}">
-                  <a16:creationId xmlns:a16="http://schemas.microsoft.com/office/drawing/2014/main" xmlns="" id="{A1426F86-A101-449E-8BB7-81C92FFDABFC}"/>
+                  <a16:creationId xmlns="" xmlns:a16="http://schemas.microsoft.com/office/drawing/2014/main" id="{A1426F86-A101-449E-8BB7-81C92FFDABFC}"/>
                 </a:ext>
               </a:extLst>
             </p:cNvPr>
@@ -17581,7 +17520,7 @@
             <p:cNvPr id="85" name="Straight Arrow Connector 84">
               <a:extLst>
                 <a:ext uri="{FF2B5EF4-FFF2-40B4-BE49-F238E27FC236}">
-                  <a16:creationId xmlns:a16="http://schemas.microsoft.com/office/drawing/2014/main" xmlns="" id="{5A692F45-A4BC-4FF9-B3C1-7CEA15013252}"/>
+                  <a16:creationId xmlns="" xmlns:a16="http://schemas.microsoft.com/office/drawing/2014/main" id="{5A692F45-A4BC-4FF9-B3C1-7CEA15013252}"/>
                 </a:ext>
               </a:extLst>
             </p:cNvPr>
@@ -17627,7 +17566,7 @@
             <p:cNvPr id="86" name="Straight Arrow Connector 85">
               <a:extLst>
                 <a:ext uri="{FF2B5EF4-FFF2-40B4-BE49-F238E27FC236}">
-                  <a16:creationId xmlns:a16="http://schemas.microsoft.com/office/drawing/2014/main" xmlns="" id="{F316D50F-9AF5-45BB-A814-DED5EA02E797}"/>
+                  <a16:creationId xmlns="" xmlns:a16="http://schemas.microsoft.com/office/drawing/2014/main" id="{F316D50F-9AF5-45BB-A814-DED5EA02E797}"/>
                 </a:ext>
               </a:extLst>
             </p:cNvPr>
@@ -17671,7 +17610,7 @@
             <p:cNvPr id="87" name="Straight Arrow Connector 86">
               <a:extLst>
                 <a:ext uri="{FF2B5EF4-FFF2-40B4-BE49-F238E27FC236}">
-                  <a16:creationId xmlns:a16="http://schemas.microsoft.com/office/drawing/2014/main" xmlns="" id="{0C2EB6B9-B95A-43BC-861F-54F7C85EECD7}"/>
+                  <a16:creationId xmlns="" xmlns:a16="http://schemas.microsoft.com/office/drawing/2014/main" id="{0C2EB6B9-B95A-43BC-861F-54F7C85EECD7}"/>
                 </a:ext>
               </a:extLst>
             </p:cNvPr>
@@ -17717,7 +17656,7 @@
             <p:cNvPr id="88" name="Rectangle 62">
               <a:extLst>
                 <a:ext uri="{FF2B5EF4-FFF2-40B4-BE49-F238E27FC236}">
-                  <a16:creationId xmlns:a16="http://schemas.microsoft.com/office/drawing/2014/main" xmlns="" id="{298D4E7E-EED8-491B-8A0A-5EA4EA725539}"/>
+                  <a16:creationId xmlns="" xmlns:a16="http://schemas.microsoft.com/office/drawing/2014/main" id="{298D4E7E-EED8-491B-8A0A-5EA4EA725539}"/>
                 </a:ext>
               </a:extLst>
             </p:cNvPr>
@@ -17790,7 +17729,7 @@
             <p:cNvPr id="89" name="TextBox 88">
               <a:extLst>
                 <a:ext uri="{FF2B5EF4-FFF2-40B4-BE49-F238E27FC236}">
-                  <a16:creationId xmlns:a16="http://schemas.microsoft.com/office/drawing/2014/main" xmlns="" id="{8A66125C-0A8A-4B7E-AFDE-067D51EC70EE}"/>
+                  <a16:creationId xmlns="" xmlns:a16="http://schemas.microsoft.com/office/drawing/2014/main" id="{8A66125C-0A8A-4B7E-AFDE-067D51EC70EE}"/>
                 </a:ext>
               </a:extLst>
             </p:cNvPr>
@@ -17848,7 +17787,7 @@
             <p:cNvPr id="90" name="Rectangle 89">
               <a:extLst>
                 <a:ext uri="{FF2B5EF4-FFF2-40B4-BE49-F238E27FC236}">
-                  <a16:creationId xmlns:a16="http://schemas.microsoft.com/office/drawing/2014/main" xmlns="" id="{22D2FCA0-7BE2-46D8-B8D6-DE64A1E34A9F}"/>
+                  <a16:creationId xmlns="" xmlns:a16="http://schemas.microsoft.com/office/drawing/2014/main" id="{22D2FCA0-7BE2-46D8-B8D6-DE64A1E34A9F}"/>
                 </a:ext>
               </a:extLst>
             </p:cNvPr>
@@ -17901,7 +17840,7 @@
             <p:cNvPr id="91" name="Straight Arrow Connector 90">
               <a:extLst>
                 <a:ext uri="{FF2B5EF4-FFF2-40B4-BE49-F238E27FC236}">
-                  <a16:creationId xmlns:a16="http://schemas.microsoft.com/office/drawing/2014/main" xmlns="" id="{9FF4C9C2-8F37-4F5A-A44E-ACB1B565C80F}"/>
+                  <a16:creationId xmlns="" xmlns:a16="http://schemas.microsoft.com/office/drawing/2014/main" id="{9FF4C9C2-8F37-4F5A-A44E-ACB1B565C80F}"/>
                 </a:ext>
               </a:extLst>
             </p:cNvPr>
@@ -17947,7 +17886,7 @@
             <p:cNvPr id="92" name="TextBox 91">
               <a:extLst>
                 <a:ext uri="{FF2B5EF4-FFF2-40B4-BE49-F238E27FC236}">
-                  <a16:creationId xmlns:a16="http://schemas.microsoft.com/office/drawing/2014/main" xmlns="" id="{CAF6EAA2-E1B3-4146-9FD1-EED02820840E}"/>
+                  <a16:creationId xmlns="" xmlns:a16="http://schemas.microsoft.com/office/drawing/2014/main" id="{CAF6EAA2-E1B3-4146-9FD1-EED02820840E}"/>
                 </a:ext>
               </a:extLst>
             </p:cNvPr>
@@ -17986,7 +17925,7 @@
             <p:cNvPr id="93" name="Straight Arrow Connector 92">
               <a:extLst>
                 <a:ext uri="{FF2B5EF4-FFF2-40B4-BE49-F238E27FC236}">
-                  <a16:creationId xmlns:a16="http://schemas.microsoft.com/office/drawing/2014/main" xmlns="" id="{3DB62E95-D983-49BD-93B5-D53F5ED931D4}"/>
+                  <a16:creationId xmlns="" xmlns:a16="http://schemas.microsoft.com/office/drawing/2014/main" id="{3DB62E95-D983-49BD-93B5-D53F5ED931D4}"/>
                 </a:ext>
               </a:extLst>
             </p:cNvPr>
@@ -18030,7 +17969,7 @@
             <p:cNvPr id="94" name="TextBox 93">
               <a:extLst>
                 <a:ext uri="{FF2B5EF4-FFF2-40B4-BE49-F238E27FC236}">
-                  <a16:creationId xmlns:a16="http://schemas.microsoft.com/office/drawing/2014/main" xmlns="" id="{0C0656C6-C19E-4524-AFA8-7C3E64F61000}"/>
+                  <a16:creationId xmlns="" xmlns:a16="http://schemas.microsoft.com/office/drawing/2014/main" id="{0C0656C6-C19E-4524-AFA8-7C3E64F61000}"/>
                 </a:ext>
               </a:extLst>
             </p:cNvPr>
@@ -18076,7 +18015,7 @@
             <p:cNvPr id="95" name="TextBox 94">
               <a:extLst>
                 <a:ext uri="{FF2B5EF4-FFF2-40B4-BE49-F238E27FC236}">
-                  <a16:creationId xmlns:a16="http://schemas.microsoft.com/office/drawing/2014/main" xmlns="" id="{89829A4E-2BD6-44C2-95D7-541B8F82E923}"/>
+                  <a16:creationId xmlns="" xmlns:a16="http://schemas.microsoft.com/office/drawing/2014/main" id="{89829A4E-2BD6-44C2-95D7-541B8F82E923}"/>
                 </a:ext>
               </a:extLst>
             </p:cNvPr>
@@ -18160,7 +18099,7 @@
             <p:cNvPr id="97" name="Rectangle 62">
               <a:extLst>
                 <a:ext uri="{FF2B5EF4-FFF2-40B4-BE49-F238E27FC236}">
-                  <a16:creationId xmlns:a16="http://schemas.microsoft.com/office/drawing/2014/main" xmlns="" id="{298D4E7E-EED8-491B-8A0A-5EA4EA725539}"/>
+                  <a16:creationId xmlns="" xmlns:a16="http://schemas.microsoft.com/office/drawing/2014/main" id="{298D4E7E-EED8-491B-8A0A-5EA4EA725539}"/>
                 </a:ext>
               </a:extLst>
             </p:cNvPr>
@@ -18264,7 +18203,7 @@
             <p:cNvPr id="99" name="Rectangle 98">
               <a:extLst>
                 <a:ext uri="{FF2B5EF4-FFF2-40B4-BE49-F238E27FC236}">
-                  <a16:creationId xmlns:a16="http://schemas.microsoft.com/office/drawing/2014/main" xmlns="" id="{22D2FCA0-7BE2-46D8-B8D6-DE64A1E34A9F}"/>
+                  <a16:creationId xmlns="" xmlns:a16="http://schemas.microsoft.com/office/drawing/2014/main" id="{22D2FCA0-7BE2-46D8-B8D6-DE64A1E34A9F}"/>
                 </a:ext>
               </a:extLst>
             </p:cNvPr>
@@ -18317,7 +18256,7 @@
             <p:cNvPr id="100" name="Straight Arrow Connector 99">
               <a:extLst>
                 <a:ext uri="{FF2B5EF4-FFF2-40B4-BE49-F238E27FC236}">
-                  <a16:creationId xmlns:a16="http://schemas.microsoft.com/office/drawing/2014/main" xmlns="" id="{22607DA0-7EBB-4D04-93AE-CFD259F847D9}"/>
+                  <a16:creationId xmlns="" xmlns:a16="http://schemas.microsoft.com/office/drawing/2014/main" id="{22607DA0-7EBB-4D04-93AE-CFD259F847D9}"/>
                 </a:ext>
               </a:extLst>
             </p:cNvPr>
@@ -18410,7 +18349,7 @@
             <p:cNvPr id="102" name="Straight Arrow Connector 101">
               <a:extLst>
                 <a:ext uri="{FF2B5EF4-FFF2-40B4-BE49-F238E27FC236}">
-                  <a16:creationId xmlns:a16="http://schemas.microsoft.com/office/drawing/2014/main" xmlns="" id="{9FF4C9C2-8F37-4F5A-A44E-ACB1B565C80F}"/>
+                  <a16:creationId xmlns="" xmlns:a16="http://schemas.microsoft.com/office/drawing/2014/main" id="{9FF4C9C2-8F37-4F5A-A44E-ACB1B565C80F}"/>
                 </a:ext>
               </a:extLst>
             </p:cNvPr>
@@ -18456,7 +18395,7 @@
             <p:cNvPr id="103" name="Rectangle 62">
               <a:extLst>
                 <a:ext uri="{FF2B5EF4-FFF2-40B4-BE49-F238E27FC236}">
-                  <a16:creationId xmlns:a16="http://schemas.microsoft.com/office/drawing/2014/main" xmlns="" id="{298D4E7E-EED8-491B-8A0A-5EA4EA725539}"/>
+                  <a16:creationId xmlns="" xmlns:a16="http://schemas.microsoft.com/office/drawing/2014/main" id="{298D4E7E-EED8-491B-8A0A-5EA4EA725539}"/>
                 </a:ext>
               </a:extLst>
             </p:cNvPr>
@@ -18532,7 +18471,7 @@
             <p:cNvPr id="104" name="Straight Arrow Connector 103">
               <a:extLst>
                 <a:ext uri="{FF2B5EF4-FFF2-40B4-BE49-F238E27FC236}">
-                  <a16:creationId xmlns:a16="http://schemas.microsoft.com/office/drawing/2014/main" xmlns="" id="{39916E2E-195A-4DC8-B025-B05FA87E6796}"/>
+                  <a16:creationId xmlns="" xmlns:a16="http://schemas.microsoft.com/office/drawing/2014/main" id="{39916E2E-195A-4DC8-B025-B05FA87E6796}"/>
                 </a:ext>
               </a:extLst>
             </p:cNvPr>
@@ -18662,7 +18601,7 @@
             <p:cNvPr id="107" name="Rectangle 106">
               <a:extLst>
                 <a:ext uri="{FF2B5EF4-FFF2-40B4-BE49-F238E27FC236}">
-                  <a16:creationId xmlns:a16="http://schemas.microsoft.com/office/drawing/2014/main" xmlns="" id="{12879DF9-F252-4947-8358-26D8F2FD6F25}"/>
+                  <a16:creationId xmlns="" xmlns:a16="http://schemas.microsoft.com/office/drawing/2014/main" id="{12879DF9-F252-4947-8358-26D8F2FD6F25}"/>
                 </a:ext>
               </a:extLst>
             </p:cNvPr>
@@ -18715,7 +18654,7 @@
             <p:cNvPr id="108" name="Straight Arrow Connector 107">
               <a:extLst>
                 <a:ext uri="{FF2B5EF4-FFF2-40B4-BE49-F238E27FC236}">
-                  <a16:creationId xmlns:a16="http://schemas.microsoft.com/office/drawing/2014/main" xmlns="" id="{5A692F45-A4BC-4FF9-B3C1-7CEA15013252}"/>
+                  <a16:creationId xmlns="" xmlns:a16="http://schemas.microsoft.com/office/drawing/2014/main" id="{5A692F45-A4BC-4FF9-B3C1-7CEA15013252}"/>
                 </a:ext>
               </a:extLst>
             </p:cNvPr>
@@ -18801,7 +18740,7 @@
             <p:cNvPr id="110" name="Rectangle 62">
               <a:extLst>
                 <a:ext uri="{FF2B5EF4-FFF2-40B4-BE49-F238E27FC236}">
-                  <a16:creationId xmlns:a16="http://schemas.microsoft.com/office/drawing/2014/main" xmlns="" id="{A05565D0-E909-433C-87F8-C564FC30EF5F}"/>
+                  <a16:creationId xmlns="" xmlns:a16="http://schemas.microsoft.com/office/drawing/2014/main" id="{A05565D0-E909-433C-87F8-C564FC30EF5F}"/>
                 </a:ext>
               </a:extLst>
             </p:cNvPr>
@@ -18866,7 +18805,7 @@
             <p:cNvPr id="111" name="Straight Arrow Connector 110">
               <a:extLst>
                 <a:ext uri="{FF2B5EF4-FFF2-40B4-BE49-F238E27FC236}">
-                  <a16:creationId xmlns:a16="http://schemas.microsoft.com/office/drawing/2014/main" xmlns="" id="{39916E2E-195A-4DC8-B025-B05FA87E6796}"/>
+                  <a16:creationId xmlns="" xmlns:a16="http://schemas.microsoft.com/office/drawing/2014/main" id="{39916E2E-195A-4DC8-B025-B05FA87E6796}"/>
                 </a:ext>
               </a:extLst>
             </p:cNvPr>
@@ -18910,7 +18849,7 @@
             <p:cNvPr id="112" name="Rectangle 62">
               <a:extLst>
                 <a:ext uri="{FF2B5EF4-FFF2-40B4-BE49-F238E27FC236}">
-                  <a16:creationId xmlns:a16="http://schemas.microsoft.com/office/drawing/2014/main" xmlns="" id="{298D4E7E-EED8-491B-8A0A-5EA4EA725539}"/>
+                  <a16:creationId xmlns="" xmlns:a16="http://schemas.microsoft.com/office/drawing/2014/main" id="{298D4E7E-EED8-491B-8A0A-5EA4EA725539}"/>
                 </a:ext>
               </a:extLst>
             </p:cNvPr>
@@ -18983,7 +18922,7 @@
             <p:cNvPr id="113" name="TextBox 112">
               <a:extLst>
                 <a:ext uri="{FF2B5EF4-FFF2-40B4-BE49-F238E27FC236}">
-                  <a16:creationId xmlns:a16="http://schemas.microsoft.com/office/drawing/2014/main" xmlns="" id="{8A66125C-0A8A-4B7E-AFDE-067D51EC70EE}"/>
+                  <a16:creationId xmlns="" xmlns:a16="http://schemas.microsoft.com/office/drawing/2014/main" id="{8A66125C-0A8A-4B7E-AFDE-067D51EC70EE}"/>
                 </a:ext>
               </a:extLst>
             </p:cNvPr>
@@ -19036,7 +18975,7 @@
             <p:cNvPr id="114" name="TextBox 113">
               <a:extLst>
                 <a:ext uri="{FF2B5EF4-FFF2-40B4-BE49-F238E27FC236}">
-                  <a16:creationId xmlns:a16="http://schemas.microsoft.com/office/drawing/2014/main" xmlns="" id="{8A66125C-0A8A-4B7E-AFDE-067D51EC70EE}"/>
+                  <a16:creationId xmlns="" xmlns:a16="http://schemas.microsoft.com/office/drawing/2014/main" id="{8A66125C-0A8A-4B7E-AFDE-067D51EC70EE}"/>
                 </a:ext>
               </a:extLst>
             </p:cNvPr>
@@ -19083,7 +19022,7 @@
             <p:cNvPr id="115" name="Straight Arrow Connector 114">
               <a:extLst>
                 <a:ext uri="{FF2B5EF4-FFF2-40B4-BE49-F238E27FC236}">
-                  <a16:creationId xmlns:a16="http://schemas.microsoft.com/office/drawing/2014/main" xmlns="" id="{5A692F45-A4BC-4FF9-B3C1-7CEA15013252}"/>
+                  <a16:creationId xmlns="" xmlns:a16="http://schemas.microsoft.com/office/drawing/2014/main" id="{5A692F45-A4BC-4FF9-B3C1-7CEA15013252}"/>
                 </a:ext>
               </a:extLst>
             </p:cNvPr>
@@ -19129,7 +19068,7 @@
             <p:cNvPr id="116" name="TextBox 115">
               <a:extLst>
                 <a:ext uri="{FF2B5EF4-FFF2-40B4-BE49-F238E27FC236}">
-                  <a16:creationId xmlns:a16="http://schemas.microsoft.com/office/drawing/2014/main" xmlns="" id="{8A66125C-0A8A-4B7E-AFDE-067D51EC70EE}"/>
+                  <a16:creationId xmlns="" xmlns:a16="http://schemas.microsoft.com/office/drawing/2014/main" id="{8A66125C-0A8A-4B7E-AFDE-067D51EC70EE}"/>
                 </a:ext>
               </a:extLst>
             </p:cNvPr>
@@ -19176,7 +19115,7 @@
             <p:cNvPr id="117" name="Straight Arrow Connector 116">
               <a:extLst>
                 <a:ext uri="{FF2B5EF4-FFF2-40B4-BE49-F238E27FC236}">
-                  <a16:creationId xmlns:a16="http://schemas.microsoft.com/office/drawing/2014/main" xmlns="" id="{39916E2E-195A-4DC8-B025-B05FA87E6796}"/>
+                  <a16:creationId xmlns="" xmlns:a16="http://schemas.microsoft.com/office/drawing/2014/main" id="{39916E2E-195A-4DC8-B025-B05FA87E6796}"/>
                 </a:ext>
               </a:extLst>
             </p:cNvPr>
@@ -19265,7 +19204,7 @@
             <p:cNvPr id="3" name="Rectangle 65">
               <a:extLst>
                 <a:ext uri="{FF2B5EF4-FFF2-40B4-BE49-F238E27FC236}">
-                  <a16:creationId xmlns:a16="http://schemas.microsoft.com/office/drawing/2014/main" xmlns="" id="{2126271C-590E-4B60-8868-3D59B556D0C2}"/>
+                  <a16:creationId xmlns="" xmlns:a16="http://schemas.microsoft.com/office/drawing/2014/main" id="{2126271C-590E-4B60-8868-3D59B556D0C2}"/>
                 </a:ext>
               </a:extLst>
             </p:cNvPr>
@@ -19486,7 +19425,7 @@
           </p:nvSpPr>
           <p:spPr>
             <a:xfrm>
-              <a:off x="4385410" y="3525489"/>
+              <a:off x="4252992" y="3524273"/>
               <a:ext cx="1580463" cy="169277"/>
             </a:xfrm>
             <a:prstGeom prst="rect">
@@ -19517,7 +19456,7 @@
               </a:r>
               <a:r>
                 <a:rPr lang="en-US" sz="1100" dirty="0" smtClean="0"/>
-                <a:t>(o))</a:t>
+                <a:t>(o)</a:t>
               </a:r>
               <a:endParaRPr lang="en-US" sz="1100" dirty="0"/>
             </a:p>
@@ -19797,15 +19736,7 @@
                     <a:schemeClr val="bg1"/>
                   </a:solidFill>
                 </a:rPr>
-                <a:t>do:Delete</a:t>
-              </a:r>
-              <a:r>
-                <a:rPr lang="en-SG" sz="1100" dirty="0" err="1" smtClean="0">
-                  <a:solidFill>
-                    <a:schemeClr val="bg1"/>
-                  </a:solidFill>
-                </a:rPr>
-                <a:t>Order</a:t>
+                <a:t>do:DeleteOrder</a:t>
               </a:r>
               <a:endParaRPr lang="en-SG" sz="1100" dirty="0" smtClean="0">
                 <a:solidFill>
@@ -19836,7 +19767,7 @@
             <p:cNvPr id="14" name="Straight Arrow Connector 13">
               <a:extLst>
                 <a:ext uri="{FF2B5EF4-FFF2-40B4-BE49-F238E27FC236}">
-                  <a16:creationId xmlns:a16="http://schemas.microsoft.com/office/drawing/2014/main" xmlns="" id="{854D9FBB-2B36-4DC9-8B58-F7F177A8E586}"/>
+                  <a16:creationId xmlns="" xmlns:a16="http://schemas.microsoft.com/office/drawing/2014/main" id="{854D9FBB-2B36-4DC9-8B58-F7F177A8E586}"/>
                 </a:ext>
               </a:extLst>
             </p:cNvPr>
@@ -19883,7 +19814,7 @@
             <p:cNvPr id="15" name="Straight Arrow Connector 14">
               <a:extLst>
                 <a:ext uri="{FF2B5EF4-FFF2-40B4-BE49-F238E27FC236}">
-                  <a16:creationId xmlns:a16="http://schemas.microsoft.com/office/drawing/2014/main" xmlns="" id="{DDEE7225-6527-47E2-9C48-DE9485DD5A4F}"/>
+                  <a16:creationId xmlns="" xmlns:a16="http://schemas.microsoft.com/office/drawing/2014/main" id="{DDEE7225-6527-47E2-9C48-DE9485DD5A4F}"/>
                 </a:ext>
               </a:extLst>
             </p:cNvPr>
@@ -19927,7 +19858,7 @@
             <p:cNvPr id="16" name="Straight Arrow Connector 15">
               <a:extLst>
                 <a:ext uri="{FF2B5EF4-FFF2-40B4-BE49-F238E27FC236}">
-                  <a16:creationId xmlns:a16="http://schemas.microsoft.com/office/drawing/2014/main" xmlns="" id="{BF9AEA9C-54D0-4CB0-AE49-51A566B69F58}"/>
+                  <a16:creationId xmlns="" xmlns:a16="http://schemas.microsoft.com/office/drawing/2014/main" id="{BF9AEA9C-54D0-4CB0-AE49-51A566B69F58}"/>
                 </a:ext>
               </a:extLst>
             </p:cNvPr>
@@ -19973,7 +19904,7 @@
             <p:cNvPr id="17" name="Rectangle 62">
               <a:extLst>
                 <a:ext uri="{FF2B5EF4-FFF2-40B4-BE49-F238E27FC236}">
-                  <a16:creationId xmlns:a16="http://schemas.microsoft.com/office/drawing/2014/main" xmlns="" id="{61FF3397-EF07-4016-8098-DAEF482C4389}"/>
+                  <a16:creationId xmlns="" xmlns:a16="http://schemas.microsoft.com/office/drawing/2014/main" id="{61FF3397-EF07-4016-8098-DAEF482C4389}"/>
                 </a:ext>
               </a:extLst>
             </p:cNvPr>
@@ -20046,7 +19977,7 @@
             <p:cNvPr id="18" name="Straight Connector 17">
               <a:extLst>
                 <a:ext uri="{FF2B5EF4-FFF2-40B4-BE49-F238E27FC236}">
-                  <a16:creationId xmlns:a16="http://schemas.microsoft.com/office/drawing/2014/main" xmlns="" id="{22D3ED81-D4BA-4011-B139-8213177BA215}"/>
+                  <a16:creationId xmlns="" xmlns:a16="http://schemas.microsoft.com/office/drawing/2014/main" id="{22D3ED81-D4BA-4011-B139-8213177BA215}"/>
                 </a:ext>
               </a:extLst>
             </p:cNvPr>
@@ -20091,7 +20022,7 @@
             <p:cNvPr id="19" name="Rectangle 18">
               <a:extLst>
                 <a:ext uri="{FF2B5EF4-FFF2-40B4-BE49-F238E27FC236}">
-                  <a16:creationId xmlns:a16="http://schemas.microsoft.com/office/drawing/2014/main" xmlns="" id="{A96B530B-5601-46A7-9B8D-33C8DDA39964}"/>
+                  <a16:creationId xmlns="" xmlns:a16="http://schemas.microsoft.com/office/drawing/2014/main" id="{A96B530B-5601-46A7-9B8D-33C8DDA39964}"/>
                 </a:ext>
               </a:extLst>
             </p:cNvPr>
@@ -20144,7 +20075,7 @@
             <p:cNvPr id="20" name="TextBox 19">
               <a:extLst>
                 <a:ext uri="{FF2B5EF4-FFF2-40B4-BE49-F238E27FC236}">
-                  <a16:creationId xmlns:a16="http://schemas.microsoft.com/office/drawing/2014/main" xmlns="" id="{95F03D45-B1FD-49BA-8758-8ED58ACA2B5C}"/>
+                  <a16:creationId xmlns="" xmlns:a16="http://schemas.microsoft.com/office/drawing/2014/main" id="{95F03D45-B1FD-49BA-8758-8ED58ACA2B5C}"/>
                 </a:ext>
               </a:extLst>
             </p:cNvPr>
@@ -20207,7 +20138,7 @@
             <p:cNvPr id="21" name="Straight Connector 20">
               <a:extLst>
                 <a:ext uri="{FF2B5EF4-FFF2-40B4-BE49-F238E27FC236}">
-                  <a16:creationId xmlns:a16="http://schemas.microsoft.com/office/drawing/2014/main" xmlns="" id="{2DA8FBC2-6B42-43C0-BBEC-CF189FD87668}"/>
+                  <a16:creationId xmlns="" xmlns:a16="http://schemas.microsoft.com/office/drawing/2014/main" id="{2DA8FBC2-6B42-43C0-BBEC-CF189FD87668}"/>
                 </a:ext>
               </a:extLst>
             </p:cNvPr>
@@ -20252,7 +20183,7 @@
             <p:cNvPr id="22" name="Rectangle 21">
               <a:extLst>
                 <a:ext uri="{FF2B5EF4-FFF2-40B4-BE49-F238E27FC236}">
-                  <a16:creationId xmlns:a16="http://schemas.microsoft.com/office/drawing/2014/main" xmlns="" id="{04305CEA-EBD1-45C9-97BE-ECFE3AC3D249}"/>
+                  <a16:creationId xmlns="" xmlns:a16="http://schemas.microsoft.com/office/drawing/2014/main" id="{04305CEA-EBD1-45C9-97BE-ECFE3AC3D249}"/>
                 </a:ext>
               </a:extLst>
             </p:cNvPr>
@@ -20305,7 +20236,7 @@
             <p:cNvPr id="23" name="TextBox 22">
               <a:extLst>
                 <a:ext uri="{FF2B5EF4-FFF2-40B4-BE49-F238E27FC236}">
-                  <a16:creationId xmlns:a16="http://schemas.microsoft.com/office/drawing/2014/main" xmlns="" id="{81B0FA7A-7734-4574-BB3A-865D46A3AB9C}"/>
+                  <a16:creationId xmlns="" xmlns:a16="http://schemas.microsoft.com/office/drawing/2014/main" id="{81B0FA7A-7734-4574-BB3A-865D46A3AB9C}"/>
                 </a:ext>
               </a:extLst>
             </p:cNvPr>
@@ -20355,7 +20286,7 @@
             <p:cNvPr id="24" name="TextBox 23">
               <a:extLst>
                 <a:ext uri="{FF2B5EF4-FFF2-40B4-BE49-F238E27FC236}">
-                  <a16:creationId xmlns:a16="http://schemas.microsoft.com/office/drawing/2014/main" xmlns="" id="{E89E7A9A-19E7-4F1A-ABAF-9356340673CC}"/>
+                  <a16:creationId xmlns="" xmlns:a16="http://schemas.microsoft.com/office/drawing/2014/main" id="{E89E7A9A-19E7-4F1A-ABAF-9356340673CC}"/>
                 </a:ext>
               </a:extLst>
             </p:cNvPr>
@@ -20405,7 +20336,7 @@
             <p:cNvPr id="25" name="Rectangle 24">
               <a:extLst>
                 <a:ext uri="{FF2B5EF4-FFF2-40B4-BE49-F238E27FC236}">
-                  <a16:creationId xmlns:a16="http://schemas.microsoft.com/office/drawing/2014/main" xmlns="" id="{12879DF9-F252-4947-8358-26D8F2FD6F25}"/>
+                  <a16:creationId xmlns="" xmlns:a16="http://schemas.microsoft.com/office/drawing/2014/main" id="{12879DF9-F252-4947-8358-26D8F2FD6F25}"/>
                 </a:ext>
               </a:extLst>
             </p:cNvPr>
@@ -20458,7 +20389,7 @@
             <p:cNvPr id="26" name="Straight Arrow Connector 25">
               <a:extLst>
                 <a:ext uri="{FF2B5EF4-FFF2-40B4-BE49-F238E27FC236}">
-                  <a16:creationId xmlns:a16="http://schemas.microsoft.com/office/drawing/2014/main" xmlns="" id="{A1426F86-A101-449E-8BB7-81C92FFDABFC}"/>
+                  <a16:creationId xmlns="" xmlns:a16="http://schemas.microsoft.com/office/drawing/2014/main" id="{A1426F86-A101-449E-8BB7-81C92FFDABFC}"/>
                 </a:ext>
               </a:extLst>
             </p:cNvPr>
@@ -20502,7 +20433,7 @@
             <p:cNvPr id="27" name="Straight Arrow Connector 26">
               <a:extLst>
                 <a:ext uri="{FF2B5EF4-FFF2-40B4-BE49-F238E27FC236}">
-                  <a16:creationId xmlns:a16="http://schemas.microsoft.com/office/drawing/2014/main" xmlns="" id="{5A692F45-A4BC-4FF9-B3C1-7CEA15013252}"/>
+                  <a16:creationId xmlns="" xmlns:a16="http://schemas.microsoft.com/office/drawing/2014/main" id="{5A692F45-A4BC-4FF9-B3C1-7CEA15013252}"/>
                 </a:ext>
               </a:extLst>
             </p:cNvPr>
@@ -20548,7 +20479,7 @@
             <p:cNvPr id="28" name="Straight Arrow Connector 27">
               <a:extLst>
                 <a:ext uri="{FF2B5EF4-FFF2-40B4-BE49-F238E27FC236}">
-                  <a16:creationId xmlns:a16="http://schemas.microsoft.com/office/drawing/2014/main" xmlns="" id="{F316D50F-9AF5-45BB-A814-DED5EA02E797}"/>
+                  <a16:creationId xmlns="" xmlns:a16="http://schemas.microsoft.com/office/drawing/2014/main" id="{F316D50F-9AF5-45BB-A814-DED5EA02E797}"/>
                 </a:ext>
               </a:extLst>
             </p:cNvPr>
@@ -20592,7 +20523,7 @@
             <p:cNvPr id="29" name="Straight Arrow Connector 28">
               <a:extLst>
                 <a:ext uri="{FF2B5EF4-FFF2-40B4-BE49-F238E27FC236}">
-                  <a16:creationId xmlns:a16="http://schemas.microsoft.com/office/drawing/2014/main" xmlns="" id="{0C2EB6B9-B95A-43BC-861F-54F7C85EECD7}"/>
+                  <a16:creationId xmlns="" xmlns:a16="http://schemas.microsoft.com/office/drawing/2014/main" id="{0C2EB6B9-B95A-43BC-861F-54F7C85EECD7}"/>
                 </a:ext>
               </a:extLst>
             </p:cNvPr>
@@ -20638,7 +20569,7 @@
             <p:cNvPr id="30" name="Rectangle 62">
               <a:extLst>
                 <a:ext uri="{FF2B5EF4-FFF2-40B4-BE49-F238E27FC236}">
-                  <a16:creationId xmlns:a16="http://schemas.microsoft.com/office/drawing/2014/main" xmlns="" id="{298D4E7E-EED8-491B-8A0A-5EA4EA725539}"/>
+                  <a16:creationId xmlns="" xmlns:a16="http://schemas.microsoft.com/office/drawing/2014/main" id="{298D4E7E-EED8-491B-8A0A-5EA4EA725539}"/>
                 </a:ext>
               </a:extLst>
             </p:cNvPr>
@@ -20727,7 +20658,7 @@
             <p:cNvPr id="31" name="TextBox 30">
               <a:extLst>
                 <a:ext uri="{FF2B5EF4-FFF2-40B4-BE49-F238E27FC236}">
-                  <a16:creationId xmlns:a16="http://schemas.microsoft.com/office/drawing/2014/main" xmlns="" id="{8A66125C-0A8A-4B7E-AFDE-067D51EC70EE}"/>
+                  <a16:creationId xmlns="" xmlns:a16="http://schemas.microsoft.com/office/drawing/2014/main" id="{8A66125C-0A8A-4B7E-AFDE-067D51EC70EE}"/>
                 </a:ext>
               </a:extLst>
             </p:cNvPr>
@@ -20763,11 +20694,7 @@
             <a:p>
               <a:r>
                 <a:rPr lang="en-US" sz="1100" dirty="0" err="1" smtClean="0"/>
-                <a:t>Delete</a:t>
-              </a:r>
-              <a:r>
-                <a:rPr lang="en-US" sz="1100" dirty="0" err="1" smtClean="0"/>
-                <a:t>Order</a:t>
+                <a:t>DeleteOrder</a:t>
               </a:r>
               <a:endParaRPr lang="en-US" sz="1100" dirty="0"/>
             </a:p>
@@ -20785,7 +20712,7 @@
             <p:cNvPr id="32" name="Rectangle 31">
               <a:extLst>
                 <a:ext uri="{FF2B5EF4-FFF2-40B4-BE49-F238E27FC236}">
-                  <a16:creationId xmlns:a16="http://schemas.microsoft.com/office/drawing/2014/main" xmlns="" id="{22D2FCA0-7BE2-46D8-B8D6-DE64A1E34A9F}"/>
+                  <a16:creationId xmlns="" xmlns:a16="http://schemas.microsoft.com/office/drawing/2014/main" id="{22D2FCA0-7BE2-46D8-B8D6-DE64A1E34A9F}"/>
                 </a:ext>
               </a:extLst>
             </p:cNvPr>
@@ -20838,7 +20765,7 @@
             <p:cNvPr id="33" name="Straight Arrow Connector 32">
               <a:extLst>
                 <a:ext uri="{FF2B5EF4-FFF2-40B4-BE49-F238E27FC236}">
-                  <a16:creationId xmlns:a16="http://schemas.microsoft.com/office/drawing/2014/main" xmlns="" id="{9FF4C9C2-8F37-4F5A-A44E-ACB1B565C80F}"/>
+                  <a16:creationId xmlns="" xmlns:a16="http://schemas.microsoft.com/office/drawing/2014/main" id="{9FF4C9C2-8F37-4F5A-A44E-ACB1B565C80F}"/>
                 </a:ext>
               </a:extLst>
             </p:cNvPr>
@@ -20884,7 +20811,7 @@
             <p:cNvPr id="34" name="TextBox 33">
               <a:extLst>
                 <a:ext uri="{FF2B5EF4-FFF2-40B4-BE49-F238E27FC236}">
-                  <a16:creationId xmlns:a16="http://schemas.microsoft.com/office/drawing/2014/main" xmlns="" id="{CAF6EAA2-E1B3-4146-9FD1-EED02820840E}"/>
+                  <a16:creationId xmlns="" xmlns:a16="http://schemas.microsoft.com/office/drawing/2014/main" id="{CAF6EAA2-E1B3-4146-9FD1-EED02820840E}"/>
                 </a:ext>
               </a:extLst>
             </p:cNvPr>
@@ -20923,7 +20850,7 @@
             <p:cNvPr id="35" name="Straight Arrow Connector 34">
               <a:extLst>
                 <a:ext uri="{FF2B5EF4-FFF2-40B4-BE49-F238E27FC236}">
-                  <a16:creationId xmlns:a16="http://schemas.microsoft.com/office/drawing/2014/main" xmlns="" id="{3DB62E95-D983-49BD-93B5-D53F5ED931D4}"/>
+                  <a16:creationId xmlns="" xmlns:a16="http://schemas.microsoft.com/office/drawing/2014/main" id="{3DB62E95-D983-49BD-93B5-D53F5ED931D4}"/>
                 </a:ext>
               </a:extLst>
             </p:cNvPr>
@@ -20967,7 +20894,7 @@
             <p:cNvPr id="36" name="TextBox 35">
               <a:extLst>
                 <a:ext uri="{FF2B5EF4-FFF2-40B4-BE49-F238E27FC236}">
-                  <a16:creationId xmlns:a16="http://schemas.microsoft.com/office/drawing/2014/main" xmlns="" id="{0C0656C6-C19E-4524-AFA8-7C3E64F61000}"/>
+                  <a16:creationId xmlns="" xmlns:a16="http://schemas.microsoft.com/office/drawing/2014/main" id="{0C0656C6-C19E-4524-AFA8-7C3E64F61000}"/>
                 </a:ext>
               </a:extLst>
             </p:cNvPr>
@@ -21013,7 +20940,7 @@
             <p:cNvPr id="37" name="TextBox 36">
               <a:extLst>
                 <a:ext uri="{FF2B5EF4-FFF2-40B4-BE49-F238E27FC236}">
-                  <a16:creationId xmlns:a16="http://schemas.microsoft.com/office/drawing/2014/main" xmlns="" id="{89829A4E-2BD6-44C2-95D7-541B8F82E923}"/>
+                  <a16:creationId xmlns="" xmlns:a16="http://schemas.microsoft.com/office/drawing/2014/main" id="{89829A4E-2BD6-44C2-95D7-541B8F82E923}"/>
                 </a:ext>
               </a:extLst>
             </p:cNvPr>
@@ -21097,7 +21024,7 @@
             <p:cNvPr id="39" name="Rectangle 62">
               <a:extLst>
                 <a:ext uri="{FF2B5EF4-FFF2-40B4-BE49-F238E27FC236}">
-                  <a16:creationId xmlns:a16="http://schemas.microsoft.com/office/drawing/2014/main" xmlns="" id="{298D4E7E-EED8-491B-8A0A-5EA4EA725539}"/>
+                  <a16:creationId xmlns="" xmlns:a16="http://schemas.microsoft.com/office/drawing/2014/main" id="{298D4E7E-EED8-491B-8A0A-5EA4EA725539}"/>
                 </a:ext>
               </a:extLst>
             </p:cNvPr>
@@ -21201,7 +21128,7 @@
             <p:cNvPr id="41" name="Rectangle 40">
               <a:extLst>
                 <a:ext uri="{FF2B5EF4-FFF2-40B4-BE49-F238E27FC236}">
-                  <a16:creationId xmlns:a16="http://schemas.microsoft.com/office/drawing/2014/main" xmlns="" id="{22D2FCA0-7BE2-46D8-B8D6-DE64A1E34A9F}"/>
+                  <a16:creationId xmlns="" xmlns:a16="http://schemas.microsoft.com/office/drawing/2014/main" id="{22D2FCA0-7BE2-46D8-B8D6-DE64A1E34A9F}"/>
                 </a:ext>
               </a:extLst>
             </p:cNvPr>
@@ -21254,7 +21181,7 @@
             <p:cNvPr id="42" name="Straight Arrow Connector 41">
               <a:extLst>
                 <a:ext uri="{FF2B5EF4-FFF2-40B4-BE49-F238E27FC236}">
-                  <a16:creationId xmlns:a16="http://schemas.microsoft.com/office/drawing/2014/main" xmlns="" id="{22607DA0-7EBB-4D04-93AE-CFD259F847D9}"/>
+                  <a16:creationId xmlns="" xmlns:a16="http://schemas.microsoft.com/office/drawing/2014/main" id="{22607DA0-7EBB-4D04-93AE-CFD259F847D9}"/>
                 </a:ext>
               </a:extLst>
             </p:cNvPr>
@@ -21347,7 +21274,7 @@
             <p:cNvPr id="44" name="Straight Arrow Connector 43">
               <a:extLst>
                 <a:ext uri="{FF2B5EF4-FFF2-40B4-BE49-F238E27FC236}">
-                  <a16:creationId xmlns:a16="http://schemas.microsoft.com/office/drawing/2014/main" xmlns="" id="{9FF4C9C2-8F37-4F5A-A44E-ACB1B565C80F}"/>
+                  <a16:creationId xmlns="" xmlns:a16="http://schemas.microsoft.com/office/drawing/2014/main" id="{9FF4C9C2-8F37-4F5A-A44E-ACB1B565C80F}"/>
                 </a:ext>
               </a:extLst>
             </p:cNvPr>
@@ -21393,7 +21320,7 @@
             <p:cNvPr id="45" name="Rectangle 62">
               <a:extLst>
                 <a:ext uri="{FF2B5EF4-FFF2-40B4-BE49-F238E27FC236}">
-                  <a16:creationId xmlns:a16="http://schemas.microsoft.com/office/drawing/2014/main" xmlns="" id="{298D4E7E-EED8-491B-8A0A-5EA4EA725539}"/>
+                  <a16:creationId xmlns="" xmlns:a16="http://schemas.microsoft.com/office/drawing/2014/main" id="{298D4E7E-EED8-491B-8A0A-5EA4EA725539}"/>
                 </a:ext>
               </a:extLst>
             </p:cNvPr>
@@ -21469,7 +21396,7 @@
             <p:cNvPr id="46" name="Straight Arrow Connector 45">
               <a:extLst>
                 <a:ext uri="{FF2B5EF4-FFF2-40B4-BE49-F238E27FC236}">
-                  <a16:creationId xmlns:a16="http://schemas.microsoft.com/office/drawing/2014/main" xmlns="" id="{39916E2E-195A-4DC8-B025-B05FA87E6796}"/>
+                  <a16:creationId xmlns="" xmlns:a16="http://schemas.microsoft.com/office/drawing/2014/main" id="{39916E2E-195A-4DC8-B025-B05FA87E6796}"/>
                 </a:ext>
               </a:extLst>
             </p:cNvPr>
@@ -21599,7 +21526,7 @@
             <p:cNvPr id="49" name="Rectangle 48">
               <a:extLst>
                 <a:ext uri="{FF2B5EF4-FFF2-40B4-BE49-F238E27FC236}">
-                  <a16:creationId xmlns:a16="http://schemas.microsoft.com/office/drawing/2014/main" xmlns="" id="{12879DF9-F252-4947-8358-26D8F2FD6F25}"/>
+                  <a16:creationId xmlns="" xmlns:a16="http://schemas.microsoft.com/office/drawing/2014/main" id="{12879DF9-F252-4947-8358-26D8F2FD6F25}"/>
                 </a:ext>
               </a:extLst>
             </p:cNvPr>
@@ -21652,7 +21579,7 @@
             <p:cNvPr id="50" name="Straight Arrow Connector 49">
               <a:extLst>
                 <a:ext uri="{FF2B5EF4-FFF2-40B4-BE49-F238E27FC236}">
-                  <a16:creationId xmlns:a16="http://schemas.microsoft.com/office/drawing/2014/main" xmlns="" id="{5A692F45-A4BC-4FF9-B3C1-7CEA15013252}"/>
+                  <a16:creationId xmlns="" xmlns:a16="http://schemas.microsoft.com/office/drawing/2014/main" id="{5A692F45-A4BC-4FF9-B3C1-7CEA15013252}"/>
                 </a:ext>
               </a:extLst>
             </p:cNvPr>
@@ -21738,7 +21665,7 @@
             <p:cNvPr id="52" name="Rectangle 62">
               <a:extLst>
                 <a:ext uri="{FF2B5EF4-FFF2-40B4-BE49-F238E27FC236}">
-                  <a16:creationId xmlns:a16="http://schemas.microsoft.com/office/drawing/2014/main" xmlns="" id="{A05565D0-E909-433C-87F8-C564FC30EF5F}"/>
+                  <a16:creationId xmlns="" xmlns:a16="http://schemas.microsoft.com/office/drawing/2014/main" id="{A05565D0-E909-433C-87F8-C564FC30EF5F}"/>
                 </a:ext>
               </a:extLst>
             </p:cNvPr>
@@ -21803,7 +21730,7 @@
             <p:cNvPr id="53" name="Straight Arrow Connector 52">
               <a:extLst>
                 <a:ext uri="{FF2B5EF4-FFF2-40B4-BE49-F238E27FC236}">
-                  <a16:creationId xmlns:a16="http://schemas.microsoft.com/office/drawing/2014/main" xmlns="" id="{39916E2E-195A-4DC8-B025-B05FA87E6796}"/>
+                  <a16:creationId xmlns="" xmlns:a16="http://schemas.microsoft.com/office/drawing/2014/main" id="{39916E2E-195A-4DC8-B025-B05FA87E6796}"/>
                 </a:ext>
               </a:extLst>
             </p:cNvPr>
@@ -21847,7 +21774,7 @@
             <p:cNvPr id="54" name="Rectangle 62">
               <a:extLst>
                 <a:ext uri="{FF2B5EF4-FFF2-40B4-BE49-F238E27FC236}">
-                  <a16:creationId xmlns:a16="http://schemas.microsoft.com/office/drawing/2014/main" xmlns="" id="{298D4E7E-EED8-491B-8A0A-5EA4EA725539}"/>
+                  <a16:creationId xmlns="" xmlns:a16="http://schemas.microsoft.com/office/drawing/2014/main" id="{298D4E7E-EED8-491B-8A0A-5EA4EA725539}"/>
                 </a:ext>
               </a:extLst>
             </p:cNvPr>
@@ -21920,7 +21847,7 @@
             <p:cNvPr id="55" name="TextBox 54">
               <a:extLst>
                 <a:ext uri="{FF2B5EF4-FFF2-40B4-BE49-F238E27FC236}">
-                  <a16:creationId xmlns:a16="http://schemas.microsoft.com/office/drawing/2014/main" xmlns="" id="{8A66125C-0A8A-4B7E-AFDE-067D51EC70EE}"/>
+                  <a16:creationId xmlns="" xmlns:a16="http://schemas.microsoft.com/office/drawing/2014/main" id="{8A66125C-0A8A-4B7E-AFDE-067D51EC70EE}"/>
                 </a:ext>
               </a:extLst>
             </p:cNvPr>
@@ -21973,7 +21900,7 @@
             <p:cNvPr id="56" name="TextBox 55">
               <a:extLst>
                 <a:ext uri="{FF2B5EF4-FFF2-40B4-BE49-F238E27FC236}">
-                  <a16:creationId xmlns:a16="http://schemas.microsoft.com/office/drawing/2014/main" xmlns="" id="{8A66125C-0A8A-4B7E-AFDE-067D51EC70EE}"/>
+                  <a16:creationId xmlns="" xmlns:a16="http://schemas.microsoft.com/office/drawing/2014/main" id="{8A66125C-0A8A-4B7E-AFDE-067D51EC70EE}"/>
                 </a:ext>
               </a:extLst>
             </p:cNvPr>
@@ -22020,7 +21947,7 @@
             <p:cNvPr id="57" name="Straight Arrow Connector 56">
               <a:extLst>
                 <a:ext uri="{FF2B5EF4-FFF2-40B4-BE49-F238E27FC236}">
-                  <a16:creationId xmlns:a16="http://schemas.microsoft.com/office/drawing/2014/main" xmlns="" id="{5A692F45-A4BC-4FF9-B3C1-7CEA15013252}"/>
+                  <a16:creationId xmlns="" xmlns:a16="http://schemas.microsoft.com/office/drawing/2014/main" id="{5A692F45-A4BC-4FF9-B3C1-7CEA15013252}"/>
                 </a:ext>
               </a:extLst>
             </p:cNvPr>
@@ -22066,7 +21993,7 @@
             <p:cNvPr id="58" name="TextBox 57">
               <a:extLst>
                 <a:ext uri="{FF2B5EF4-FFF2-40B4-BE49-F238E27FC236}">
-                  <a16:creationId xmlns:a16="http://schemas.microsoft.com/office/drawing/2014/main" xmlns="" id="{8A66125C-0A8A-4B7E-AFDE-067D51EC70EE}"/>
+                  <a16:creationId xmlns="" xmlns:a16="http://schemas.microsoft.com/office/drawing/2014/main" id="{8A66125C-0A8A-4B7E-AFDE-067D51EC70EE}"/>
                 </a:ext>
               </a:extLst>
             </p:cNvPr>
@@ -22117,7 +22044,7 @@
             <p:cNvPr id="59" name="Straight Arrow Connector 58">
               <a:extLst>
                 <a:ext uri="{FF2B5EF4-FFF2-40B4-BE49-F238E27FC236}">
-                  <a16:creationId xmlns:a16="http://schemas.microsoft.com/office/drawing/2014/main" xmlns="" id="{39916E2E-195A-4DC8-B025-B05FA87E6796}"/>
+                  <a16:creationId xmlns="" xmlns:a16="http://schemas.microsoft.com/office/drawing/2014/main" id="{39916E2E-195A-4DC8-B025-B05FA87E6796}"/>
                 </a:ext>
               </a:extLst>
             </p:cNvPr>

--- a/docs/diagrams/OrderManagementUMLDiagrams.pptx
+++ b/docs/diagrams/OrderManagementUMLDiagrams.pptx
@@ -215,7 +215,7 @@
           <a:p>
             <a:fld id="{F5CC4B3F-88C1-4FFA-B1B6-F41C21DC6924}" type="datetimeFigureOut">
               <a:rPr lang="en-US" smtClean="0"/>
-              <a:t>4/14/18</a:t>
+              <a:t>4/15/18</a:t>
             </a:fld>
             <a:endParaRPr lang="en-US"/>
           </a:p>
@@ -745,7 +745,7 @@
           <a:p>
             <a:fld id="{78C97017-6FC3-485B-9764-EAC9E56C1D49}" type="datetimeFigureOut">
               <a:rPr lang="en-US" smtClean="0"/>
-              <a:t>4/14/18</a:t>
+              <a:t>4/15/18</a:t>
             </a:fld>
             <a:endParaRPr lang="en-US"/>
           </a:p>
@@ -913,7 +913,7 @@
           <a:p>
             <a:fld id="{78C97017-6FC3-485B-9764-EAC9E56C1D49}" type="datetimeFigureOut">
               <a:rPr lang="en-US" smtClean="0"/>
-              <a:t>4/14/18</a:t>
+              <a:t>4/15/18</a:t>
             </a:fld>
             <a:endParaRPr lang="en-US"/>
           </a:p>
@@ -1091,7 +1091,7 @@
           <a:p>
             <a:fld id="{78C97017-6FC3-485B-9764-EAC9E56C1D49}" type="datetimeFigureOut">
               <a:rPr lang="en-US" smtClean="0"/>
-              <a:t>4/14/18</a:t>
+              <a:t>4/15/18</a:t>
             </a:fld>
             <a:endParaRPr lang="en-US"/>
           </a:p>
@@ -1259,7 +1259,7 @@
           <a:p>
             <a:fld id="{78C97017-6FC3-485B-9764-EAC9E56C1D49}" type="datetimeFigureOut">
               <a:rPr lang="en-US" smtClean="0"/>
-              <a:t>4/14/18</a:t>
+              <a:t>4/15/18</a:t>
             </a:fld>
             <a:endParaRPr lang="en-US"/>
           </a:p>
@@ -1504,7 +1504,7 @@
           <a:p>
             <a:fld id="{78C97017-6FC3-485B-9764-EAC9E56C1D49}" type="datetimeFigureOut">
               <a:rPr lang="en-US" smtClean="0"/>
-              <a:t>4/14/18</a:t>
+              <a:t>4/15/18</a:t>
             </a:fld>
             <a:endParaRPr lang="en-US"/>
           </a:p>
@@ -1789,7 +1789,7 @@
           <a:p>
             <a:fld id="{78C97017-6FC3-485B-9764-EAC9E56C1D49}" type="datetimeFigureOut">
               <a:rPr lang="en-US" smtClean="0"/>
-              <a:t>4/14/18</a:t>
+              <a:t>4/15/18</a:t>
             </a:fld>
             <a:endParaRPr lang="en-US"/>
           </a:p>
@@ -2208,7 +2208,7 @@
           <a:p>
             <a:fld id="{78C97017-6FC3-485B-9764-EAC9E56C1D49}" type="datetimeFigureOut">
               <a:rPr lang="en-US" smtClean="0"/>
-              <a:t>4/14/18</a:t>
+              <a:t>4/15/18</a:t>
             </a:fld>
             <a:endParaRPr lang="en-US"/>
           </a:p>
@@ -2325,7 +2325,7 @@
           <a:p>
             <a:fld id="{78C97017-6FC3-485B-9764-EAC9E56C1D49}" type="datetimeFigureOut">
               <a:rPr lang="en-US" smtClean="0"/>
-              <a:t>4/14/18</a:t>
+              <a:t>4/15/18</a:t>
             </a:fld>
             <a:endParaRPr lang="en-US"/>
           </a:p>
@@ -2420,7 +2420,7 @@
           <a:p>
             <a:fld id="{78C97017-6FC3-485B-9764-EAC9E56C1D49}" type="datetimeFigureOut">
               <a:rPr lang="en-US" smtClean="0"/>
-              <a:t>4/14/18</a:t>
+              <a:t>4/15/18</a:t>
             </a:fld>
             <a:endParaRPr lang="en-US"/>
           </a:p>
@@ -2695,7 +2695,7 @@
           <a:p>
             <a:fld id="{78C97017-6FC3-485B-9764-EAC9E56C1D49}" type="datetimeFigureOut">
               <a:rPr lang="en-US" smtClean="0"/>
-              <a:t>4/14/18</a:t>
+              <a:t>4/15/18</a:t>
             </a:fld>
             <a:endParaRPr lang="en-US"/>
           </a:p>
@@ -2947,7 +2947,7 @@
           <a:p>
             <a:fld id="{78C97017-6FC3-485B-9764-EAC9E56C1D49}" type="datetimeFigureOut">
               <a:rPr lang="en-US" smtClean="0"/>
-              <a:t>4/14/18</a:t>
+              <a:t>4/15/18</a:t>
             </a:fld>
             <a:endParaRPr lang="en-US"/>
           </a:p>
@@ -3158,7 +3158,7 @@
           <a:p>
             <a:fld id="{78C97017-6FC3-485B-9764-EAC9E56C1D49}" type="datetimeFigureOut">
               <a:rPr lang="en-US" smtClean="0"/>
-              <a:t>4/14/18</a:t>
+              <a:t>4/15/18</a:t>
             </a:fld>
             <a:endParaRPr lang="en-US"/>
           </a:p>
@@ -9056,38 +9056,1446 @@
       </p:grpSpPr>
       <p:grpSp>
         <p:nvGrpSpPr>
-          <p:cNvPr id="44" name="Group 43"/>
+          <p:cNvPr id="32" name="Group 31"/>
           <p:cNvGrpSpPr/>
           <p:nvPr/>
         </p:nvGrpSpPr>
         <p:grpSpPr>
           <a:xfrm>
             <a:off x="228600" y="1981200"/>
-            <a:ext cx="9128536" cy="2164943"/>
-            <a:chOff x="152400" y="533400"/>
-            <a:chExt cx="9128536" cy="2164943"/>
+            <a:ext cx="10869722" cy="2164943"/>
+            <a:chOff x="228600" y="1981200"/>
+            <a:chExt cx="10869722" cy="2164943"/>
           </a:xfrm>
         </p:grpSpPr>
+        <p:grpSp>
+          <p:nvGrpSpPr>
+            <p:cNvPr id="44" name="Group 43"/>
+            <p:cNvGrpSpPr/>
+            <p:nvPr/>
+          </p:nvGrpSpPr>
+          <p:grpSpPr>
+            <a:xfrm>
+              <a:off x="228600" y="1981200"/>
+              <a:ext cx="9128536" cy="2164943"/>
+              <a:chOff x="152400" y="533400"/>
+              <a:chExt cx="9128536" cy="2164943"/>
+            </a:xfrm>
+          </p:grpSpPr>
+          <p:sp>
+            <p:nvSpPr>
+              <p:cNvPr id="2" name="Rectangle 62"/>
+              <p:cNvSpPr/>
+              <p:nvPr/>
+            </p:nvSpPr>
+            <p:spPr>
+              <a:xfrm>
+                <a:off x="1321840" y="607926"/>
+                <a:ext cx="1093635" cy="346760"/>
+              </a:xfrm>
+              <a:prstGeom prst="rect">
+                <a:avLst/>
+              </a:prstGeom>
+              <a:solidFill>
+                <a:srgbClr val="00B050"/>
+              </a:solidFill>
+              <a:ln w="19050">
+                <a:solidFill>
+                  <a:srgbClr val="00B050"/>
+                </a:solidFill>
+              </a:ln>
+              <a:effectLst/>
+            </p:spPr>
+            <p:style>
+              <a:lnRef idx="1">
+                <a:schemeClr val="accent2"/>
+              </a:lnRef>
+              <a:fillRef idx="2">
+                <a:schemeClr val="accent2"/>
+              </a:fillRef>
+              <a:effectRef idx="1">
+                <a:schemeClr val="accent2"/>
+              </a:effectRef>
+              <a:fontRef idx="minor">
+                <a:schemeClr val="dk1"/>
+              </a:fontRef>
+            </p:style>
+            <p:txBody>
+              <a:bodyPr rtlCol="0" anchor="ctr"/>
+              <a:lstStyle/>
+              <a:p>
+                <a:pPr algn="ctr"/>
+                <a:r>
+                  <a:rPr lang="en-US" sz="1200" dirty="0" smtClean="0">
+                    <a:solidFill>
+                      <a:schemeClr val="bg1"/>
+                    </a:solidFill>
+                  </a:rPr>
+                  <a:t>:UI</a:t>
+                </a:r>
+                <a:endParaRPr lang="en-SG" sz="1200" dirty="0">
+                  <a:solidFill>
+                    <a:schemeClr val="bg1"/>
+                  </a:solidFill>
+                </a:endParaRPr>
+              </a:p>
+            </p:txBody>
+          </p:sp>
+          <p:cxnSp>
+            <p:nvCxnSpPr>
+              <p:cNvPr id="3" name="Straight Connector 2"/>
+              <p:cNvCxnSpPr/>
+              <p:nvPr/>
+            </p:nvCxnSpPr>
+            <p:spPr>
+              <a:xfrm>
+                <a:off x="1819917" y="944304"/>
+                <a:ext cx="0" cy="1723059"/>
+              </a:xfrm>
+              <a:prstGeom prst="line">
+                <a:avLst/>
+              </a:prstGeom>
+              <a:ln w="19050">
+                <a:solidFill>
+                  <a:srgbClr val="00B050"/>
+                </a:solidFill>
+                <a:prstDash val="sysDash"/>
+              </a:ln>
+              <a:effectLst/>
+            </p:spPr>
+            <p:style>
+              <a:lnRef idx="1">
+                <a:schemeClr val="accent1"/>
+              </a:lnRef>
+              <a:fillRef idx="2">
+                <a:schemeClr val="accent1"/>
+              </a:fillRef>
+              <a:effectRef idx="1">
+                <a:schemeClr val="accent1"/>
+              </a:effectRef>
+              <a:fontRef idx="minor">
+                <a:schemeClr val="dk1"/>
+              </a:fontRef>
+            </p:style>
+          </p:cxnSp>
+          <p:sp>
+            <p:nvSpPr>
+              <p:cNvPr id="4" name="Rectangle 3"/>
+              <p:cNvSpPr/>
+              <p:nvPr/>
+            </p:nvSpPr>
+            <p:spPr>
+              <a:xfrm>
+                <a:off x="1746229" y="1322292"/>
+                <a:ext cx="147377" cy="1116108"/>
+              </a:xfrm>
+              <a:prstGeom prst="rect">
+                <a:avLst/>
+              </a:prstGeom>
+              <a:solidFill>
+                <a:srgbClr val="00B050"/>
+              </a:solidFill>
+              <a:ln>
+                <a:solidFill>
+                  <a:srgbClr val="00B050"/>
+                </a:solidFill>
+              </a:ln>
+              <a:effectLst/>
+            </p:spPr>
+            <p:style>
+              <a:lnRef idx="1">
+                <a:schemeClr val="accent3"/>
+              </a:lnRef>
+              <a:fillRef idx="2">
+                <a:schemeClr val="accent3"/>
+              </a:fillRef>
+              <a:effectRef idx="1">
+                <a:schemeClr val="accent3"/>
+              </a:effectRef>
+              <a:fontRef idx="minor">
+                <a:schemeClr val="dk1"/>
+              </a:fontRef>
+            </p:style>
+            <p:txBody>
+              <a:bodyPr rtlCol="0" anchor="ctr"/>
+              <a:lstStyle/>
+              <a:p>
+                <a:pPr algn="ctr"/>
+                <a:endParaRPr lang="en-SG" sz="1200">
+                  <a:solidFill>
+                    <a:schemeClr val="dk1"/>
+                  </a:solidFill>
+                </a:endParaRPr>
+              </a:p>
+            </p:txBody>
+          </p:sp>
+          <p:grpSp>
+            <p:nvGrpSpPr>
+              <p:cNvPr id="5" name="Actor"/>
+              <p:cNvGrpSpPr/>
+              <p:nvPr/>
+            </p:nvGrpSpPr>
+            <p:grpSpPr>
+              <a:xfrm>
+                <a:off x="152400" y="533400"/>
+                <a:ext cx="324036" cy="573410"/>
+                <a:chOff x="3239901" y="4149080"/>
+                <a:chExt cx="648072" cy="1146820"/>
+              </a:xfrm>
+            </p:grpSpPr>
+            <p:sp>
+              <p:nvSpPr>
+                <p:cNvPr id="6" name="Flowchart: Connector 7"/>
+                <p:cNvSpPr/>
+                <p:nvPr/>
+              </p:nvSpPr>
+              <p:spPr>
+                <a:xfrm>
+                  <a:off x="3419872" y="4149080"/>
+                  <a:ext cx="288032" cy="288032"/>
+                </a:xfrm>
+                <a:prstGeom prst="flowChartConnector">
+                  <a:avLst/>
+                </a:prstGeom>
+                <a:solidFill>
+                  <a:schemeClr val="bg1">
+                    <a:lumMod val="85000"/>
+                  </a:schemeClr>
+                </a:solidFill>
+                <a:ln w="28575">
+                  <a:solidFill>
+                    <a:schemeClr val="tx1"/>
+                  </a:solidFill>
+                </a:ln>
+                <a:effectLst/>
+              </p:spPr>
+              <p:style>
+                <a:lnRef idx="1">
+                  <a:schemeClr val="accent4"/>
+                </a:lnRef>
+                <a:fillRef idx="2">
+                  <a:schemeClr val="accent4"/>
+                </a:fillRef>
+                <a:effectRef idx="1">
+                  <a:schemeClr val="accent4"/>
+                </a:effectRef>
+                <a:fontRef idx="minor">
+                  <a:schemeClr val="dk1"/>
+                </a:fontRef>
+              </p:style>
+              <p:txBody>
+                <a:bodyPr rtlCol="0" anchor="ctr"/>
+                <a:lstStyle/>
+                <a:p>
+                  <a:pPr algn="ctr"/>
+                  <a:endParaRPr lang="en-SG" sz="1200"/>
+                </a:p>
+              </p:txBody>
+            </p:sp>
+            <p:cxnSp>
+              <p:nvCxnSpPr>
+                <p:cNvPr id="7" name="Straight Connector 6"/>
+                <p:cNvCxnSpPr>
+                  <a:stCxn id="8" idx="4"/>
+                </p:cNvCxnSpPr>
+                <p:nvPr/>
+              </p:nvCxnSpPr>
+              <p:spPr>
+                <a:xfrm>
+                  <a:off x="3563888" y="4437112"/>
+                  <a:ext cx="0" cy="504056"/>
+                </a:xfrm>
+                <a:prstGeom prst="line">
+                  <a:avLst/>
+                </a:prstGeom>
+                <a:ln w="28575">
+                  <a:solidFill>
+                    <a:schemeClr val="tx1"/>
+                  </a:solidFill>
+                </a:ln>
+                <a:effectLst/>
+              </p:spPr>
+              <p:style>
+                <a:lnRef idx="1">
+                  <a:schemeClr val="accent4"/>
+                </a:lnRef>
+                <a:fillRef idx="2">
+                  <a:schemeClr val="accent4"/>
+                </a:fillRef>
+                <a:effectRef idx="1">
+                  <a:schemeClr val="accent4"/>
+                </a:effectRef>
+                <a:fontRef idx="minor">
+                  <a:schemeClr val="dk1"/>
+                </a:fontRef>
+              </p:style>
+            </p:cxnSp>
+            <p:sp>
+              <p:nvSpPr>
+                <p:cNvPr id="8" name="Freeform 7"/>
+                <p:cNvSpPr/>
+                <p:nvPr/>
+              </p:nvSpPr>
+              <p:spPr>
+                <a:xfrm>
+                  <a:off x="3324225" y="4933950"/>
+                  <a:ext cx="479425" cy="361950"/>
+                </a:xfrm>
+                <a:custGeom>
+                  <a:avLst/>
+                  <a:gdLst>
+                    <a:gd name="connsiteX0" fmla="*/ 0 w 479425"/>
+                    <a:gd name="connsiteY0" fmla="*/ 355600 h 361950"/>
+                    <a:gd name="connsiteX1" fmla="*/ 241300 w 479425"/>
+                    <a:gd name="connsiteY1" fmla="*/ 0 h 361950"/>
+                    <a:gd name="connsiteX2" fmla="*/ 479425 w 479425"/>
+                    <a:gd name="connsiteY2" fmla="*/ 361950 h 361950"/>
+                  </a:gdLst>
+                  <a:ahLst/>
+                  <a:cxnLst>
+                    <a:cxn ang="0">
+                      <a:pos x="connsiteX0" y="connsiteY0"/>
+                    </a:cxn>
+                    <a:cxn ang="0">
+                      <a:pos x="connsiteX1" y="connsiteY1"/>
+                    </a:cxn>
+                    <a:cxn ang="0">
+                      <a:pos x="connsiteX2" y="connsiteY2"/>
+                    </a:cxn>
+                  </a:cxnLst>
+                  <a:rect l="l" t="t" r="r" b="b"/>
+                  <a:pathLst>
+                    <a:path w="479425" h="361950">
+                      <a:moveTo>
+                        <a:pt x="0" y="355600"/>
+                      </a:moveTo>
+                      <a:lnTo>
+                        <a:pt x="241300" y="0"/>
+                      </a:lnTo>
+                      <a:lnTo>
+                        <a:pt x="479425" y="361950"/>
+                      </a:lnTo>
+                    </a:path>
+                  </a:pathLst>
+                </a:custGeom>
+                <a:noFill/>
+                <a:ln w="28575">
+                  <a:solidFill>
+                    <a:schemeClr val="tx1"/>
+                  </a:solidFill>
+                </a:ln>
+                <a:effectLst/>
+              </p:spPr>
+              <p:style>
+                <a:lnRef idx="1">
+                  <a:schemeClr val="accent4"/>
+                </a:lnRef>
+                <a:fillRef idx="2">
+                  <a:schemeClr val="accent4"/>
+                </a:fillRef>
+                <a:effectRef idx="1">
+                  <a:schemeClr val="accent4"/>
+                </a:effectRef>
+                <a:fontRef idx="minor">
+                  <a:schemeClr val="dk1"/>
+                </a:fontRef>
+              </p:style>
+              <p:txBody>
+                <a:bodyPr rtlCol="0" anchor="ctr"/>
+                <a:lstStyle/>
+                <a:p>
+                  <a:pPr algn="ctr"/>
+                  <a:endParaRPr lang="en-SG" sz="1200"/>
+                </a:p>
+              </p:txBody>
+            </p:sp>
+            <p:cxnSp>
+              <p:nvCxnSpPr>
+                <p:cNvPr id="9" name="Straight Connector 8"/>
+                <p:cNvCxnSpPr/>
+                <p:nvPr/>
+              </p:nvCxnSpPr>
+              <p:spPr>
+                <a:xfrm>
+                  <a:off x="3239901" y="4509120"/>
+                  <a:ext cx="648072" cy="0"/>
+                </a:xfrm>
+                <a:prstGeom prst="line">
+                  <a:avLst/>
+                </a:prstGeom>
+                <a:ln w="28575">
+                  <a:solidFill>
+                    <a:schemeClr val="tx1"/>
+                  </a:solidFill>
+                </a:ln>
+                <a:effectLst/>
+              </p:spPr>
+              <p:style>
+                <a:lnRef idx="1">
+                  <a:schemeClr val="accent4"/>
+                </a:lnRef>
+                <a:fillRef idx="2">
+                  <a:schemeClr val="accent4"/>
+                </a:fillRef>
+                <a:effectRef idx="1">
+                  <a:schemeClr val="accent4"/>
+                </a:effectRef>
+                <a:fontRef idx="minor">
+                  <a:schemeClr val="dk1"/>
+                </a:fontRef>
+              </p:style>
+            </p:cxnSp>
+          </p:grpSp>
+          <p:sp>
+            <p:nvSpPr>
+              <p:cNvPr id="10" name="Rectangle 62"/>
+              <p:cNvSpPr/>
+              <p:nvPr/>
+            </p:nvSpPr>
+            <p:spPr>
+              <a:xfrm>
+                <a:off x="3335583" y="611613"/>
+                <a:ext cx="1093635" cy="346760"/>
+              </a:xfrm>
+              <a:prstGeom prst="rect">
+                <a:avLst/>
+              </a:prstGeom>
+              <a:solidFill>
+                <a:srgbClr val="0070C0"/>
+              </a:solidFill>
+              <a:ln w="19050">
+                <a:solidFill>
+                  <a:srgbClr val="0070C0"/>
+                </a:solidFill>
+              </a:ln>
+              <a:effectLst/>
+            </p:spPr>
+            <p:style>
+              <a:lnRef idx="1">
+                <a:schemeClr val="accent2"/>
+              </a:lnRef>
+              <a:fillRef idx="2">
+                <a:schemeClr val="accent2"/>
+              </a:fillRef>
+              <a:effectRef idx="1">
+                <a:schemeClr val="accent2"/>
+              </a:effectRef>
+              <a:fontRef idx="minor">
+                <a:schemeClr val="dk1"/>
+              </a:fontRef>
+            </p:style>
+            <p:txBody>
+              <a:bodyPr rtlCol="0" anchor="ctr"/>
+              <a:lstStyle/>
+              <a:p>
+                <a:pPr algn="ctr"/>
+                <a:r>
+                  <a:rPr lang="en-US" sz="1200" dirty="0" smtClean="0">
+                    <a:solidFill>
+                      <a:schemeClr val="bg1"/>
+                    </a:solidFill>
+                  </a:rPr>
+                  <a:t>:Logic</a:t>
+                </a:r>
+                <a:endParaRPr lang="en-SG" sz="1200" dirty="0">
+                  <a:solidFill>
+                    <a:schemeClr val="bg1"/>
+                  </a:solidFill>
+                </a:endParaRPr>
+              </a:p>
+            </p:txBody>
+          </p:sp>
+          <p:cxnSp>
+            <p:nvCxnSpPr>
+              <p:cNvPr id="11" name="Straight Connector 10"/>
+              <p:cNvCxnSpPr/>
+              <p:nvPr/>
+            </p:nvCxnSpPr>
+            <p:spPr>
+              <a:xfrm>
+                <a:off x="3882400" y="975284"/>
+                <a:ext cx="0" cy="1723059"/>
+              </a:xfrm>
+              <a:prstGeom prst="line">
+                <a:avLst/>
+              </a:prstGeom>
+              <a:ln w="19050">
+                <a:solidFill>
+                  <a:srgbClr val="0070C0"/>
+                </a:solidFill>
+                <a:prstDash val="sysDash"/>
+              </a:ln>
+              <a:effectLst/>
+            </p:spPr>
+            <p:style>
+              <a:lnRef idx="1">
+                <a:schemeClr val="accent1"/>
+              </a:lnRef>
+              <a:fillRef idx="2">
+                <a:schemeClr val="accent1"/>
+              </a:fillRef>
+              <a:effectRef idx="1">
+                <a:schemeClr val="accent1"/>
+              </a:effectRef>
+              <a:fontRef idx="minor">
+                <a:schemeClr val="dk1"/>
+              </a:fontRef>
+            </p:style>
+          </p:cxnSp>
+          <p:sp>
+            <p:nvSpPr>
+              <p:cNvPr id="12" name="Rectangle 11"/>
+              <p:cNvSpPr/>
+              <p:nvPr/>
+            </p:nvSpPr>
+            <p:spPr>
+              <a:xfrm>
+                <a:off x="3810392" y="1433477"/>
+                <a:ext cx="144016" cy="908725"/>
+              </a:xfrm>
+              <a:prstGeom prst="rect">
+                <a:avLst/>
+              </a:prstGeom>
+              <a:solidFill>
+                <a:srgbClr val="0070C0"/>
+              </a:solidFill>
+              <a:ln>
+                <a:solidFill>
+                  <a:srgbClr val="0070C0"/>
+                </a:solidFill>
+              </a:ln>
+              <a:effectLst/>
+            </p:spPr>
+            <p:style>
+              <a:lnRef idx="1">
+                <a:schemeClr val="accent3"/>
+              </a:lnRef>
+              <a:fillRef idx="2">
+                <a:schemeClr val="accent3"/>
+              </a:fillRef>
+              <a:effectRef idx="1">
+                <a:schemeClr val="accent3"/>
+              </a:effectRef>
+              <a:fontRef idx="minor">
+                <a:schemeClr val="dk1"/>
+              </a:fontRef>
+            </p:style>
+            <p:txBody>
+              <a:bodyPr rtlCol="0" anchor="ctr"/>
+              <a:lstStyle/>
+              <a:p>
+                <a:pPr algn="ctr"/>
+                <a:endParaRPr lang="en-SG" sz="1200">
+                  <a:solidFill>
+                    <a:schemeClr val="dk1"/>
+                  </a:solidFill>
+                </a:endParaRPr>
+              </a:p>
+            </p:txBody>
+          </p:sp>
+          <p:sp>
+            <p:nvSpPr>
+              <p:cNvPr id="13" name="Rectangle 62"/>
+              <p:cNvSpPr/>
+              <p:nvPr/>
+            </p:nvSpPr>
+            <p:spPr>
+              <a:xfrm>
+                <a:off x="5316783" y="607926"/>
+                <a:ext cx="1093635" cy="346760"/>
+              </a:xfrm>
+              <a:prstGeom prst="rect">
+                <a:avLst/>
+              </a:prstGeom>
+              <a:solidFill>
+                <a:srgbClr val="7030A0"/>
+              </a:solidFill>
+              <a:ln w="19050">
+                <a:solidFill>
+                  <a:srgbClr val="7030A0"/>
+                </a:solidFill>
+              </a:ln>
+              <a:effectLst/>
+            </p:spPr>
+            <p:style>
+              <a:lnRef idx="1">
+                <a:schemeClr val="accent2"/>
+              </a:lnRef>
+              <a:fillRef idx="2">
+                <a:schemeClr val="accent2"/>
+              </a:fillRef>
+              <a:effectRef idx="1">
+                <a:schemeClr val="accent2"/>
+              </a:effectRef>
+              <a:fontRef idx="minor">
+                <a:schemeClr val="dk1"/>
+              </a:fontRef>
+            </p:style>
+            <p:txBody>
+              <a:bodyPr rtlCol="0" anchor="ctr"/>
+              <a:lstStyle/>
+              <a:p>
+                <a:pPr algn="ctr"/>
+                <a:r>
+                  <a:rPr lang="en-US" sz="1200" dirty="0" smtClean="0">
+                    <a:solidFill>
+                      <a:schemeClr val="bg1"/>
+                    </a:solidFill>
+                  </a:rPr>
+                  <a:t>:Model</a:t>
+                </a:r>
+                <a:endParaRPr lang="en-SG" sz="1200" dirty="0">
+                  <a:solidFill>
+                    <a:schemeClr val="bg1"/>
+                  </a:solidFill>
+                </a:endParaRPr>
+              </a:p>
+            </p:txBody>
+          </p:sp>
+          <p:cxnSp>
+            <p:nvCxnSpPr>
+              <p:cNvPr id="14" name="Straight Connector 13"/>
+              <p:cNvCxnSpPr/>
+              <p:nvPr/>
+            </p:nvCxnSpPr>
+            <p:spPr>
+              <a:xfrm>
+                <a:off x="5863600" y="971597"/>
+                <a:ext cx="0" cy="1723059"/>
+              </a:xfrm>
+              <a:prstGeom prst="line">
+                <a:avLst/>
+              </a:prstGeom>
+              <a:ln w="19050">
+                <a:solidFill>
+                  <a:srgbClr val="7030A0"/>
+                </a:solidFill>
+                <a:prstDash val="sysDash"/>
+              </a:ln>
+              <a:effectLst/>
+            </p:spPr>
+            <p:style>
+              <a:lnRef idx="1">
+                <a:schemeClr val="accent1"/>
+              </a:lnRef>
+              <a:fillRef idx="2">
+                <a:schemeClr val="accent1"/>
+              </a:fillRef>
+              <a:effectRef idx="1">
+                <a:schemeClr val="accent1"/>
+              </a:effectRef>
+              <a:fontRef idx="minor">
+                <a:schemeClr val="dk1"/>
+              </a:fontRef>
+            </p:style>
+          </p:cxnSp>
+          <p:sp>
+            <p:nvSpPr>
+              <p:cNvPr id="15" name="Rectangle 14"/>
+              <p:cNvSpPr/>
+              <p:nvPr/>
+            </p:nvSpPr>
+            <p:spPr>
+              <a:xfrm>
+                <a:off x="5791592" y="1538408"/>
+                <a:ext cx="135061" cy="727594"/>
+              </a:xfrm>
+              <a:prstGeom prst="rect">
+                <a:avLst/>
+              </a:prstGeom>
+              <a:solidFill>
+                <a:srgbClr val="7030A0"/>
+              </a:solidFill>
+              <a:ln>
+                <a:solidFill>
+                  <a:srgbClr val="7030A0"/>
+                </a:solidFill>
+              </a:ln>
+              <a:effectLst/>
+            </p:spPr>
+            <p:style>
+              <a:lnRef idx="1">
+                <a:schemeClr val="accent3"/>
+              </a:lnRef>
+              <a:fillRef idx="2">
+                <a:schemeClr val="accent3"/>
+              </a:fillRef>
+              <a:effectRef idx="1">
+                <a:schemeClr val="accent3"/>
+              </a:effectRef>
+              <a:fontRef idx="minor">
+                <a:schemeClr val="dk1"/>
+              </a:fontRef>
+            </p:style>
+            <p:txBody>
+              <a:bodyPr rtlCol="0" anchor="ctr"/>
+              <a:lstStyle/>
+              <a:p>
+                <a:pPr algn="ctr"/>
+                <a:endParaRPr lang="en-SG" sz="1200">
+                  <a:solidFill>
+                    <a:schemeClr val="dk1"/>
+                  </a:solidFill>
+                </a:endParaRPr>
+              </a:p>
+            </p:txBody>
+          </p:sp>
+          <p:cxnSp>
+            <p:nvCxnSpPr>
+              <p:cNvPr id="16" name="Straight Arrow Connector 15"/>
+              <p:cNvCxnSpPr/>
+              <p:nvPr/>
+            </p:nvCxnSpPr>
+            <p:spPr>
+              <a:xfrm>
+                <a:off x="314394" y="1322292"/>
+                <a:ext cx="1431835" cy="0"/>
+              </a:xfrm>
+              <a:prstGeom prst="straightConnector1">
+                <a:avLst/>
+              </a:prstGeom>
+              <a:ln w="19050">
+                <a:solidFill>
+                  <a:schemeClr val="tx1"/>
+                </a:solidFill>
+                <a:tailEnd type="arrow"/>
+              </a:ln>
+            </p:spPr>
+            <p:style>
+              <a:lnRef idx="1">
+                <a:schemeClr val="accent1"/>
+              </a:lnRef>
+              <a:fillRef idx="0">
+                <a:schemeClr val="accent1"/>
+              </a:fillRef>
+              <a:effectRef idx="0">
+                <a:schemeClr val="accent1"/>
+              </a:effectRef>
+              <a:fontRef idx="minor">
+                <a:schemeClr val="tx1"/>
+              </a:fontRef>
+            </p:style>
+          </p:cxnSp>
+          <p:sp>
+            <p:nvSpPr>
+              <p:cNvPr id="17" name="TextBox 16"/>
+              <p:cNvSpPr txBox="1"/>
+              <p:nvPr/>
+            </p:nvSpPr>
+            <p:spPr>
+              <a:xfrm>
+                <a:off x="363405" y="1394132"/>
+                <a:ext cx="1288424" cy="738664"/>
+              </a:xfrm>
+              <a:prstGeom prst="rect">
+                <a:avLst/>
+              </a:prstGeom>
+              <a:noFill/>
+            </p:spPr>
+            <p:txBody>
+              <a:bodyPr wrap="square" lIns="0" tIns="0" rIns="0" bIns="0" rtlCol="0">
+                <a:spAutoFit/>
+              </a:bodyPr>
+              <a:lstStyle/>
+              <a:p>
+                <a:pPr algn="r"/>
+                <a:r>
+                  <a:rPr lang="en-US" sz="1200" dirty="0" smtClean="0"/>
+                  <a:t>orderadd 1 i/Books</a:t>
+                </a:r>
+              </a:p>
+              <a:p>
+                <a:pPr algn="r"/>
+                <a:r>
+                  <a:rPr lang="en-US" sz="1200" dirty="0" smtClean="0"/>
+                  <a:t>pr/12.50 q/5</a:t>
+                </a:r>
+              </a:p>
+              <a:p>
+                <a:pPr algn="r"/>
+                <a:r>
+                  <a:rPr lang="en-US" sz="1200" dirty="0" smtClean="0"/>
+                  <a:t>d/25-04-2018</a:t>
+                </a:r>
+              </a:p>
+              <a:p>
+                <a:endParaRPr lang="en-US" sz="1200" dirty="0"/>
+              </a:p>
+            </p:txBody>
+          </p:sp>
+          <p:cxnSp>
+            <p:nvCxnSpPr>
+              <p:cNvPr id="18" name="Straight Arrow Connector 17"/>
+              <p:cNvCxnSpPr/>
+              <p:nvPr/>
+            </p:nvCxnSpPr>
+            <p:spPr>
+              <a:xfrm>
+                <a:off x="1893606" y="1433477"/>
+                <a:ext cx="1916786" cy="1"/>
+              </a:xfrm>
+              <a:prstGeom prst="straightConnector1">
+                <a:avLst/>
+              </a:prstGeom>
+              <a:ln w="19050">
+                <a:solidFill>
+                  <a:srgbClr val="00B050"/>
+                </a:solidFill>
+                <a:tailEnd type="arrow"/>
+              </a:ln>
+            </p:spPr>
+            <p:style>
+              <a:lnRef idx="1">
+                <a:schemeClr val="accent1"/>
+              </a:lnRef>
+              <a:fillRef idx="0">
+                <a:schemeClr val="accent1"/>
+              </a:fillRef>
+              <a:effectRef idx="0">
+                <a:schemeClr val="accent1"/>
+              </a:effectRef>
+              <a:fontRef idx="minor">
+                <a:schemeClr val="tx1"/>
+              </a:fontRef>
+            </p:style>
+          </p:cxnSp>
+          <p:sp>
+            <p:nvSpPr>
+              <p:cNvPr id="19" name="TextBox 18"/>
+              <p:cNvSpPr txBox="1"/>
+              <p:nvPr/>
+            </p:nvSpPr>
+            <p:spPr>
+              <a:xfrm>
+                <a:off x="3037471" y="1519215"/>
+                <a:ext cx="966739" cy="184666"/>
+              </a:xfrm>
+              <a:prstGeom prst="rect">
+                <a:avLst/>
+              </a:prstGeom>
+              <a:noFill/>
+            </p:spPr>
+            <p:txBody>
+              <a:bodyPr wrap="square" lIns="0" tIns="0" rIns="0" bIns="0" rtlCol="0">
+                <a:spAutoFit/>
+              </a:bodyPr>
+              <a:lstStyle/>
+              <a:p>
+                <a:r>
+                  <a:rPr lang="en-US" sz="1200" smtClean="0">
+                    <a:solidFill>
+                      <a:srgbClr val="0070C0"/>
+                    </a:solidFill>
+                  </a:rPr>
+                  <a:t>execute()</a:t>
+                </a:r>
+                <a:endParaRPr lang="en-US" sz="1200" dirty="0">
+                  <a:solidFill>
+                    <a:srgbClr val="0070C0"/>
+                  </a:solidFill>
+                </a:endParaRPr>
+              </a:p>
+            </p:txBody>
+          </p:sp>
+          <p:cxnSp>
+            <p:nvCxnSpPr>
+              <p:cNvPr id="20" name="Straight Arrow Connector 19"/>
+              <p:cNvCxnSpPr/>
+              <p:nvPr/>
+            </p:nvCxnSpPr>
+            <p:spPr>
+              <a:xfrm>
+                <a:off x="3954408" y="1538409"/>
+                <a:ext cx="1837184" cy="0"/>
+              </a:xfrm>
+              <a:prstGeom prst="straightConnector1">
+                <a:avLst/>
+              </a:prstGeom>
+              <a:ln w="19050">
+                <a:solidFill>
+                  <a:srgbClr val="0070C0"/>
+                </a:solidFill>
+                <a:tailEnd type="arrow"/>
+              </a:ln>
+            </p:spPr>
+            <p:style>
+              <a:lnRef idx="1">
+                <a:schemeClr val="accent1"/>
+              </a:lnRef>
+              <a:fillRef idx="0">
+                <a:schemeClr val="accent1"/>
+              </a:fillRef>
+              <a:effectRef idx="0">
+                <a:schemeClr val="accent1"/>
+              </a:effectRef>
+              <a:fontRef idx="minor">
+                <a:schemeClr val="tx1"/>
+              </a:fontRef>
+            </p:style>
+          </p:cxnSp>
+          <p:sp>
+            <p:nvSpPr>
+              <p:cNvPr id="21" name="TextBox 20"/>
+              <p:cNvSpPr txBox="1"/>
+              <p:nvPr/>
+            </p:nvSpPr>
+            <p:spPr>
+              <a:xfrm>
+                <a:off x="4751362" y="1611548"/>
+                <a:ext cx="1706497" cy="369332"/>
+              </a:xfrm>
+              <a:prstGeom prst="rect">
+                <a:avLst/>
+              </a:prstGeom>
+              <a:noFill/>
+            </p:spPr>
+            <p:txBody>
+              <a:bodyPr wrap="square" lIns="0" tIns="0" rIns="0" bIns="0" rtlCol="0">
+                <a:spAutoFit/>
+              </a:bodyPr>
+              <a:lstStyle/>
+              <a:p>
+                <a:r>
+                  <a:rPr lang="en-US" sz="1200" dirty="0" err="1" smtClean="0">
+                    <a:solidFill>
+                      <a:srgbClr val="7030A0"/>
+                    </a:solidFill>
+                  </a:rPr>
+                  <a:t>addOrder</a:t>
+                </a:r>
+                <a:endParaRPr lang="en-US" sz="1200" dirty="0" smtClean="0">
+                  <a:solidFill>
+                    <a:srgbClr val="7030A0"/>
+                  </a:solidFill>
+                </a:endParaRPr>
+              </a:p>
+              <a:p>
+                <a:r>
+                  <a:rPr lang="en-US" sz="1200" dirty="0" err="1" smtClean="0">
+                    <a:solidFill>
+                      <a:srgbClr val="7030A0"/>
+                    </a:solidFill>
+                  </a:rPr>
+                  <a:t>ToOrderList</a:t>
+                </a:r>
+                <a:r>
+                  <a:rPr lang="en-US" sz="1200" dirty="0" smtClean="0">
+                    <a:solidFill>
+                      <a:srgbClr val="7030A0"/>
+                    </a:solidFill>
+                  </a:rPr>
+                  <a:t>(o)</a:t>
+                </a:r>
+                <a:endParaRPr lang="en-US" sz="1200" dirty="0">
+                  <a:solidFill>
+                    <a:srgbClr val="7030A0"/>
+                  </a:solidFill>
+                </a:endParaRPr>
+              </a:p>
+            </p:txBody>
+          </p:sp>
+          <p:sp>
+            <p:nvSpPr>
+              <p:cNvPr id="22" name="TextBox 21"/>
+              <p:cNvSpPr txBox="1"/>
+              <p:nvPr/>
+            </p:nvSpPr>
+            <p:spPr>
+              <a:xfrm>
+                <a:off x="6966883" y="1511014"/>
+                <a:ext cx="2314053" cy="369332"/>
+              </a:xfrm>
+              <a:prstGeom prst="rect">
+                <a:avLst/>
+              </a:prstGeom>
+              <a:noFill/>
+            </p:spPr>
+            <p:txBody>
+              <a:bodyPr wrap="square" lIns="0" tIns="0" rIns="0" bIns="0" rtlCol="0">
+                <a:spAutoFit/>
+              </a:bodyPr>
+              <a:lstStyle/>
+              <a:p>
+                <a:r>
+                  <a:rPr lang="en-US" sz="1200" dirty="0" smtClean="0">
+                    <a:solidFill>
+                      <a:schemeClr val="accent5">
+                        <a:lumMod val="75000"/>
+                      </a:schemeClr>
+                    </a:solidFill>
+                  </a:rPr>
+                  <a:t>post(</a:t>
+                </a:r>
+                <a:r>
+                  <a:rPr lang="en-US" sz="1200" dirty="0" err="1" smtClean="0">
+                    <a:solidFill>
+                      <a:schemeClr val="accent5">
+                        <a:lumMod val="75000"/>
+                      </a:schemeClr>
+                    </a:solidFill>
+                  </a:rPr>
+                  <a:t>AddressBook</a:t>
+                </a:r>
+                <a:endParaRPr lang="en-US" sz="1200" dirty="0" smtClean="0">
+                  <a:solidFill>
+                    <a:schemeClr val="accent5">
+                      <a:lumMod val="75000"/>
+                    </a:schemeClr>
+                  </a:solidFill>
+                </a:endParaRPr>
+              </a:p>
+              <a:p>
+                <a:r>
+                  <a:rPr lang="en-US" sz="1200" dirty="0" err="1" smtClean="0">
+                    <a:solidFill>
+                      <a:schemeClr val="accent5">
+                        <a:lumMod val="75000"/>
+                      </a:schemeClr>
+                    </a:solidFill>
+                  </a:rPr>
+                  <a:t>ChangedEvent</a:t>
+                </a:r>
+                <a:r>
+                  <a:rPr lang="en-US" sz="1200" dirty="0" smtClean="0">
+                    <a:solidFill>
+                      <a:schemeClr val="accent5">
+                        <a:lumMod val="75000"/>
+                      </a:schemeClr>
+                    </a:solidFill>
+                  </a:rPr>
+                  <a:t>)</a:t>
+                </a:r>
+                <a:endParaRPr lang="en-US" sz="1200" dirty="0">
+                  <a:solidFill>
+                    <a:schemeClr val="accent5">
+                      <a:lumMod val="75000"/>
+                    </a:schemeClr>
+                  </a:solidFill>
+                </a:endParaRPr>
+              </a:p>
+            </p:txBody>
+          </p:sp>
+          <p:cxnSp>
+            <p:nvCxnSpPr>
+              <p:cNvPr id="23" name="Straight Arrow Connector 22"/>
+              <p:cNvCxnSpPr/>
+              <p:nvPr/>
+            </p:nvCxnSpPr>
+            <p:spPr>
+              <a:xfrm>
+                <a:off x="3954408" y="2263989"/>
+                <a:ext cx="1837184" cy="0"/>
+              </a:xfrm>
+              <a:prstGeom prst="straightConnector1">
+                <a:avLst/>
+              </a:prstGeom>
+              <a:ln w="19050">
+                <a:solidFill>
+                  <a:srgbClr val="7030A0"/>
+                </a:solidFill>
+                <a:prstDash val="sysDash"/>
+                <a:headEnd type="arrow" w="med" len="med"/>
+                <a:tailEnd type="none" w="med" len="med"/>
+              </a:ln>
+            </p:spPr>
+            <p:style>
+              <a:lnRef idx="1">
+                <a:schemeClr val="accent1"/>
+              </a:lnRef>
+              <a:fillRef idx="0">
+                <a:schemeClr val="accent1"/>
+              </a:fillRef>
+              <a:effectRef idx="0">
+                <a:schemeClr val="accent1"/>
+              </a:effectRef>
+              <a:fontRef idx="minor">
+                <a:schemeClr val="tx1"/>
+              </a:fontRef>
+            </p:style>
+          </p:cxnSp>
+          <p:cxnSp>
+            <p:nvCxnSpPr>
+              <p:cNvPr id="24" name="Straight Arrow Connector 23"/>
+              <p:cNvCxnSpPr/>
+              <p:nvPr/>
+            </p:nvCxnSpPr>
+            <p:spPr>
+              <a:xfrm>
+                <a:off x="1893606" y="2342202"/>
+                <a:ext cx="1898557" cy="0"/>
+              </a:xfrm>
+              <a:prstGeom prst="straightConnector1">
+                <a:avLst/>
+              </a:prstGeom>
+              <a:ln w="19050">
+                <a:solidFill>
+                  <a:srgbClr val="0070C0"/>
+                </a:solidFill>
+                <a:prstDash val="sysDash"/>
+                <a:headEnd type="arrow" w="med" len="med"/>
+                <a:tailEnd type="none" w="med" len="med"/>
+              </a:ln>
+            </p:spPr>
+            <p:style>
+              <a:lnRef idx="1">
+                <a:schemeClr val="accent1"/>
+              </a:lnRef>
+              <a:fillRef idx="0">
+                <a:schemeClr val="accent1"/>
+              </a:fillRef>
+              <a:effectRef idx="0">
+                <a:schemeClr val="accent1"/>
+              </a:effectRef>
+              <a:fontRef idx="minor">
+                <a:schemeClr val="tx1"/>
+              </a:fontRef>
+            </p:style>
+          </p:cxnSp>
+          <p:cxnSp>
+            <p:nvCxnSpPr>
+              <p:cNvPr id="25" name="Straight Arrow Connector 24"/>
+              <p:cNvCxnSpPr>
+                <a:endCxn id="4" idx="2"/>
+              </p:cNvCxnSpPr>
+              <p:nvPr/>
+            </p:nvCxnSpPr>
+            <p:spPr>
+              <a:xfrm>
+                <a:off x="314394" y="2438400"/>
+                <a:ext cx="1505524" cy="0"/>
+              </a:xfrm>
+              <a:prstGeom prst="straightConnector1">
+                <a:avLst/>
+              </a:prstGeom>
+              <a:ln w="19050">
+                <a:solidFill>
+                  <a:srgbClr val="00B050"/>
+                </a:solidFill>
+                <a:prstDash val="sysDash"/>
+                <a:headEnd type="arrow" w="med" len="med"/>
+                <a:tailEnd type="none" w="med" len="med"/>
+              </a:ln>
+            </p:spPr>
+            <p:style>
+              <a:lnRef idx="1">
+                <a:schemeClr val="accent1"/>
+              </a:lnRef>
+              <a:fillRef idx="0">
+                <a:schemeClr val="accent1"/>
+              </a:fillRef>
+              <a:effectRef idx="0">
+                <a:schemeClr val="accent1"/>
+              </a:effectRef>
+              <a:fontRef idx="minor">
+                <a:schemeClr val="tx1"/>
+              </a:fontRef>
+            </p:style>
+          </p:cxnSp>
+          <p:sp>
+            <p:nvSpPr>
+              <p:cNvPr id="26" name="Rectangle 62"/>
+              <p:cNvSpPr/>
+              <p:nvPr/>
+            </p:nvSpPr>
+            <p:spPr>
+              <a:xfrm>
+                <a:off x="7540506" y="597545"/>
+                <a:ext cx="1371600" cy="346760"/>
+              </a:xfrm>
+              <a:prstGeom prst="rect">
+                <a:avLst/>
+              </a:prstGeom>
+              <a:solidFill>
+                <a:schemeClr val="accent5">
+                  <a:lumMod val="75000"/>
+                </a:schemeClr>
+              </a:solidFill>
+              <a:ln w="19050">
+                <a:solidFill>
+                  <a:schemeClr val="accent5">
+                    <a:lumMod val="75000"/>
+                  </a:schemeClr>
+                </a:solidFill>
+              </a:ln>
+              <a:effectLst/>
+            </p:spPr>
+            <p:style>
+              <a:lnRef idx="1">
+                <a:schemeClr val="accent2"/>
+              </a:lnRef>
+              <a:fillRef idx="2">
+                <a:schemeClr val="accent2"/>
+              </a:fillRef>
+              <a:effectRef idx="1">
+                <a:schemeClr val="accent2"/>
+              </a:effectRef>
+              <a:fontRef idx="minor">
+                <a:schemeClr val="dk1"/>
+              </a:fontRef>
+            </p:style>
+            <p:txBody>
+              <a:bodyPr rtlCol="0" anchor="ctr"/>
+              <a:lstStyle/>
+              <a:p>
+                <a:pPr algn="ctr"/>
+                <a:r>
+                  <a:rPr lang="en-US" sz="1200" dirty="0" smtClean="0">
+                    <a:solidFill>
+                      <a:schemeClr val="bg1"/>
+                    </a:solidFill>
+                  </a:rPr>
+                  <a:t>:</a:t>
+                </a:r>
+                <a:r>
+                  <a:rPr lang="en-US" sz="1200" dirty="0" err="1" smtClean="0">
+                    <a:solidFill>
+                      <a:schemeClr val="bg1"/>
+                    </a:solidFill>
+                  </a:rPr>
+                  <a:t>EventsCenter</a:t>
+                </a:r>
+                <a:endParaRPr lang="en-SG" sz="1200" dirty="0">
+                  <a:solidFill>
+                    <a:schemeClr val="bg1"/>
+                  </a:solidFill>
+                </a:endParaRPr>
+              </a:p>
+            </p:txBody>
+          </p:sp>
+          <p:cxnSp>
+            <p:nvCxnSpPr>
+              <p:cNvPr id="27" name="Straight Connector 26"/>
+              <p:cNvCxnSpPr/>
+              <p:nvPr/>
+            </p:nvCxnSpPr>
+            <p:spPr>
+              <a:xfrm>
+                <a:off x="8382000" y="954686"/>
+                <a:ext cx="0" cy="1723059"/>
+              </a:xfrm>
+              <a:prstGeom prst="line">
+                <a:avLst/>
+              </a:prstGeom>
+              <a:ln w="19050">
+                <a:solidFill>
+                  <a:schemeClr val="accent5">
+                    <a:lumMod val="75000"/>
+                  </a:schemeClr>
+                </a:solidFill>
+                <a:prstDash val="sysDash"/>
+              </a:ln>
+              <a:effectLst/>
+            </p:spPr>
+            <p:style>
+              <a:lnRef idx="1">
+                <a:schemeClr val="accent1"/>
+              </a:lnRef>
+              <a:fillRef idx="2">
+                <a:schemeClr val="accent1"/>
+              </a:fillRef>
+              <a:effectRef idx="1">
+                <a:schemeClr val="accent1"/>
+              </a:effectRef>
+              <a:fontRef idx="minor">
+                <a:schemeClr val="dk1"/>
+              </a:fontRef>
+            </p:style>
+          </p:cxnSp>
+          <p:sp>
+            <p:nvSpPr>
+              <p:cNvPr id="28" name="Rectangle 27"/>
+              <p:cNvSpPr/>
+              <p:nvPr/>
+            </p:nvSpPr>
+            <p:spPr>
+              <a:xfrm>
+                <a:off x="8292317" y="1958805"/>
+                <a:ext cx="179365" cy="230997"/>
+              </a:xfrm>
+              <a:prstGeom prst="rect">
+                <a:avLst/>
+              </a:prstGeom>
+              <a:solidFill>
+                <a:schemeClr val="accent5">
+                  <a:lumMod val="75000"/>
+                </a:schemeClr>
+              </a:solidFill>
+              <a:ln>
+                <a:solidFill>
+                  <a:schemeClr val="accent5">
+                    <a:lumMod val="75000"/>
+                  </a:schemeClr>
+                </a:solidFill>
+              </a:ln>
+              <a:effectLst/>
+            </p:spPr>
+            <p:style>
+              <a:lnRef idx="1">
+                <a:schemeClr val="accent3"/>
+              </a:lnRef>
+              <a:fillRef idx="2">
+                <a:schemeClr val="accent3"/>
+              </a:fillRef>
+              <a:effectRef idx="1">
+                <a:schemeClr val="accent3"/>
+              </a:effectRef>
+              <a:fontRef idx="minor">
+                <a:schemeClr val="dk1"/>
+              </a:fontRef>
+            </p:style>
+            <p:txBody>
+              <a:bodyPr rtlCol="0" anchor="ctr"/>
+              <a:lstStyle/>
+              <a:p>
+                <a:pPr algn="ctr"/>
+                <a:endParaRPr lang="en-SG" sz="1200">
+                  <a:solidFill>
+                    <a:schemeClr val="dk1"/>
+                  </a:solidFill>
+                </a:endParaRPr>
+              </a:p>
+            </p:txBody>
+          </p:sp>
+          <p:cxnSp>
+            <p:nvCxnSpPr>
+              <p:cNvPr id="29" name="Straight Arrow Connector 28"/>
+              <p:cNvCxnSpPr/>
+              <p:nvPr/>
+            </p:nvCxnSpPr>
+            <p:spPr>
+              <a:xfrm flipV="1">
+                <a:off x="5943992" y="1958805"/>
+                <a:ext cx="2348325" cy="2397"/>
+              </a:xfrm>
+              <a:prstGeom prst="straightConnector1">
+                <a:avLst/>
+              </a:prstGeom>
+              <a:ln w="19050">
+                <a:solidFill>
+                  <a:srgbClr val="7030A0"/>
+                </a:solidFill>
+                <a:tailEnd type="arrow"/>
+              </a:ln>
+            </p:spPr>
+            <p:style>
+              <a:lnRef idx="1">
+                <a:schemeClr val="accent1"/>
+              </a:lnRef>
+              <a:fillRef idx="0">
+                <a:schemeClr val="accent1"/>
+              </a:fillRef>
+              <a:effectRef idx="0">
+                <a:schemeClr val="accent1"/>
+              </a:effectRef>
+              <a:fontRef idx="minor">
+                <a:schemeClr val="tx1"/>
+              </a:fontRef>
+            </p:style>
+          </p:cxnSp>
+          <p:cxnSp>
+            <p:nvCxnSpPr>
+              <p:cNvPr id="30" name="Straight Arrow Connector 29"/>
+              <p:cNvCxnSpPr>
+                <a:endCxn id="28" idx="2"/>
+              </p:cNvCxnSpPr>
+              <p:nvPr/>
+            </p:nvCxnSpPr>
+            <p:spPr>
+              <a:xfrm>
+                <a:off x="5943992" y="2189802"/>
+                <a:ext cx="2438008" cy="0"/>
+              </a:xfrm>
+              <a:prstGeom prst="straightConnector1">
+                <a:avLst/>
+              </a:prstGeom>
+              <a:ln w="19050">
+                <a:solidFill>
+                  <a:schemeClr val="accent5">
+                    <a:lumMod val="75000"/>
+                  </a:schemeClr>
+                </a:solidFill>
+                <a:prstDash val="sysDash"/>
+                <a:headEnd type="arrow" w="med" len="med"/>
+                <a:tailEnd type="none" w="med" len="med"/>
+              </a:ln>
+            </p:spPr>
+            <p:style>
+              <a:lnRef idx="1">
+                <a:schemeClr val="accent1"/>
+              </a:lnRef>
+              <a:fillRef idx="0">
+                <a:schemeClr val="accent1"/>
+              </a:fillRef>
+              <a:effectRef idx="0">
+                <a:schemeClr val="accent1"/>
+              </a:effectRef>
+              <a:fontRef idx="minor">
+                <a:schemeClr val="tx1"/>
+              </a:fontRef>
+            </p:style>
+          </p:cxnSp>
+          <p:cxnSp>
+            <p:nvCxnSpPr>
+              <p:cNvPr id="31" name="Straight Connector 30"/>
+              <p:cNvCxnSpPr/>
+              <p:nvPr/>
+            </p:nvCxnSpPr>
+            <p:spPr>
+              <a:xfrm flipH="1">
+                <a:off x="314394" y="1099672"/>
+                <a:ext cx="24" cy="1598671"/>
+              </a:xfrm>
+              <a:prstGeom prst="line">
+                <a:avLst/>
+              </a:prstGeom>
+              <a:ln w="19050">
+                <a:solidFill>
+                  <a:schemeClr val="tx1"/>
+                </a:solidFill>
+                <a:prstDash val="sysDash"/>
+              </a:ln>
+              <a:effectLst/>
+            </p:spPr>
+            <p:style>
+              <a:lnRef idx="1">
+                <a:schemeClr val="accent1"/>
+              </a:lnRef>
+              <a:fillRef idx="2">
+                <a:schemeClr val="accent1"/>
+              </a:fillRef>
+              <a:effectRef idx="1">
+                <a:schemeClr val="accent1"/>
+              </a:effectRef>
+              <a:fontRef idx="minor">
+                <a:schemeClr val="dk1"/>
+              </a:fontRef>
+            </p:style>
+          </p:cxnSp>
+        </p:grpSp>
         <p:sp>
           <p:nvSpPr>
-            <p:cNvPr id="2" name="Rectangle 62"/>
+            <p:cNvPr id="33" name="Rectangle 62"/>
             <p:cNvSpPr/>
             <p:nvPr/>
           </p:nvSpPr>
           <p:spPr>
             <a:xfrm>
-              <a:off x="1321840" y="607926"/>
+              <a:off x="9698474" y="2045344"/>
               <a:ext cx="1093635" cy="346760"/>
             </a:xfrm>
             <a:prstGeom prst="rect">
               <a:avLst/>
             </a:prstGeom>
             <a:solidFill>
-              <a:srgbClr val="00B050"/>
+              <a:schemeClr val="accent6">
+                <a:lumMod val="75000"/>
+              </a:schemeClr>
             </a:solidFill>
             <a:ln w="19050">
               <a:solidFill>
-                <a:srgbClr val="00B050"/>
+                <a:schemeClr val="accent6">
+                  <a:lumMod val="75000"/>
+                </a:schemeClr>
               </a:solidFill>
             </a:ln>
             <a:effectLst/>
@@ -9117,7 +10525,7 @@
                     <a:schemeClr val="bg1"/>
                   </a:solidFill>
                 </a:rPr>
-                <a:t>:UI</a:t>
+                <a:t>:Storage</a:t>
               </a:r>
               <a:endParaRPr lang="en-SG" sz="1200" dirty="0">
                 <a:solidFill>
@@ -9129,13 +10537,13 @@
         </p:sp>
         <p:cxnSp>
           <p:nvCxnSpPr>
-            <p:cNvPr id="3" name="Straight Connector 2"/>
+            <p:cNvPr id="34" name="Straight Connector 33"/>
             <p:cNvCxnSpPr/>
             <p:nvPr/>
           </p:nvCxnSpPr>
           <p:spPr>
             <a:xfrm>
-              <a:off x="1819917" y="944304"/>
+              <a:off x="10273038" y="2392104"/>
               <a:ext cx="0" cy="1723059"/>
             </a:xfrm>
             <a:prstGeom prst="line">
@@ -9143,7 +10551,9 @@
             </a:prstGeom>
             <a:ln w="19050">
               <a:solidFill>
-                <a:srgbClr val="00B050"/>
+                <a:schemeClr val="accent6">
+                  <a:lumMod val="75000"/>
+                </a:schemeClr>
               </a:solidFill>
               <a:prstDash val="sysDash"/>
             </a:ln>
@@ -9166,24 +10576,28 @@
         </p:cxnSp>
         <p:sp>
           <p:nvSpPr>
-            <p:cNvPr id="4" name="Rectangle 3"/>
+            <p:cNvPr id="35" name="Rectangle 34"/>
             <p:cNvSpPr/>
             <p:nvPr/>
           </p:nvSpPr>
           <p:spPr>
             <a:xfrm>
-              <a:off x="1746229" y="1322292"/>
-              <a:ext cx="147377" cy="1116108"/>
+              <a:off x="10210800" y="3420594"/>
+              <a:ext cx="118171" cy="192649"/>
             </a:xfrm>
             <a:prstGeom prst="rect">
               <a:avLst/>
             </a:prstGeom>
             <a:solidFill>
-              <a:srgbClr val="00B050"/>
+              <a:schemeClr val="accent6">
+                <a:lumMod val="75000"/>
+              </a:schemeClr>
             </a:solidFill>
             <a:ln>
               <a:solidFill>
-                <a:srgbClr val="00B050"/>
+                <a:schemeClr val="accent6">
+                  <a:lumMod val="75000"/>
+                </a:schemeClr>
               </a:solidFill>
             </a:ln>
             <a:effectLst/>
@@ -9207,7 +10621,7 @@
             <a:lstStyle/>
             <a:p>
               <a:pPr algn="ctr"/>
-              <a:endParaRPr lang="en-SG" sz="1400">
+              <a:endParaRPr lang="en-SG" sz="1200">
                 <a:solidFill>
                   <a:schemeClr val="dk1"/>
                 </a:solidFill>
@@ -9215,127 +10629,192 @@
             </a:p>
           </p:txBody>
         </p:sp>
+        <p:cxnSp>
+          <p:nvCxnSpPr>
+            <p:cNvPr id="36" name="Straight Arrow Connector 35"/>
+            <p:cNvCxnSpPr/>
+            <p:nvPr/>
+          </p:nvCxnSpPr>
+          <p:spPr>
+            <a:xfrm flipH="1">
+              <a:off x="8563500" y="3623625"/>
+              <a:ext cx="1656000" cy="0"/>
+            </a:xfrm>
+            <a:prstGeom prst="straightConnector1">
+              <a:avLst/>
+            </a:prstGeom>
+            <a:ln w="19050">
+              <a:solidFill>
+                <a:schemeClr val="accent6">
+                  <a:lumMod val="75000"/>
+                </a:schemeClr>
+              </a:solidFill>
+              <a:prstDash val="sysDash"/>
+              <a:headEnd type="none" w="med" len="med"/>
+              <a:tailEnd type="arrow" w="med" len="med"/>
+            </a:ln>
+          </p:spPr>
+          <p:style>
+            <a:lnRef idx="1">
+              <a:schemeClr val="accent1"/>
+            </a:lnRef>
+            <a:fillRef idx="0">
+              <a:schemeClr val="accent1"/>
+            </a:fillRef>
+            <a:effectRef idx="0">
+              <a:schemeClr val="accent1"/>
+            </a:effectRef>
+            <a:fontRef idx="minor">
+              <a:schemeClr val="tx1"/>
+            </a:fontRef>
+          </p:style>
+        </p:cxnSp>
+        <p:cxnSp>
+          <p:nvCxnSpPr>
+            <p:cNvPr id="37" name="Straight Arrow Connector 36"/>
+            <p:cNvCxnSpPr/>
+            <p:nvPr/>
+          </p:nvCxnSpPr>
+          <p:spPr>
+            <a:xfrm>
+              <a:off x="8563500" y="3436327"/>
+              <a:ext cx="1692000" cy="0"/>
+            </a:xfrm>
+            <a:prstGeom prst="straightConnector1">
+              <a:avLst/>
+            </a:prstGeom>
+            <a:ln w="19050">
+              <a:solidFill>
+                <a:schemeClr val="accent5">
+                  <a:lumMod val="75000"/>
+                </a:schemeClr>
+              </a:solidFill>
+              <a:headEnd type="none" w="med" len="med"/>
+              <a:tailEnd type="arrow" w="med" len="med"/>
+            </a:ln>
+          </p:spPr>
+          <p:style>
+            <a:lnRef idx="1">
+              <a:schemeClr val="accent1"/>
+            </a:lnRef>
+            <a:fillRef idx="0">
+              <a:schemeClr val="accent1"/>
+            </a:fillRef>
+            <a:effectRef idx="0">
+              <a:schemeClr val="accent1"/>
+            </a:effectRef>
+            <a:fontRef idx="minor">
+              <a:schemeClr val="tx1"/>
+            </a:fontRef>
+          </p:style>
+        </p:cxnSp>
+        <p:sp>
+          <p:nvSpPr>
+            <p:cNvPr id="38" name="TextBox 37"/>
+            <p:cNvSpPr txBox="1"/>
+            <p:nvPr/>
+          </p:nvSpPr>
+          <p:spPr>
+            <a:xfrm>
+              <a:off x="8850709" y="2945066"/>
+              <a:ext cx="1651743" cy="369332"/>
+            </a:xfrm>
+            <a:prstGeom prst="rect">
+              <a:avLst/>
+            </a:prstGeom>
+            <a:noFill/>
+          </p:spPr>
+          <p:txBody>
+            <a:bodyPr wrap="square" lIns="0" tIns="0" rIns="0" bIns="0" rtlCol="0">
+              <a:spAutoFit/>
+            </a:bodyPr>
+            <a:lstStyle/>
+            <a:p>
+              <a:r>
+                <a:rPr lang="en-US" sz="1200" dirty="0" err="1" smtClean="0">
+                  <a:solidFill>
+                    <a:schemeClr val="accent6">
+                      <a:lumMod val="75000"/>
+                    </a:schemeClr>
+                  </a:solidFill>
+                </a:rPr>
+                <a:t>handleAddressBook</a:t>
+              </a:r>
+              <a:endParaRPr lang="en-US" sz="1200" dirty="0" smtClean="0">
+                <a:solidFill>
+                  <a:schemeClr val="accent6">
+                    <a:lumMod val="75000"/>
+                  </a:schemeClr>
+                </a:solidFill>
+              </a:endParaRPr>
+            </a:p>
+            <a:p>
+              <a:r>
+                <a:rPr lang="en-US" sz="1200" dirty="0" err="1" smtClean="0">
+                  <a:solidFill>
+                    <a:schemeClr val="accent6">
+                      <a:lumMod val="75000"/>
+                    </a:schemeClr>
+                  </a:solidFill>
+                </a:rPr>
+                <a:t>ChangedEvent</a:t>
+              </a:r>
+              <a:r>
+                <a:rPr lang="en-US" sz="1200" dirty="0" smtClean="0">
+                  <a:solidFill>
+                    <a:schemeClr val="accent6">
+                      <a:lumMod val="75000"/>
+                    </a:schemeClr>
+                  </a:solidFill>
+                </a:rPr>
+                <a:t>()</a:t>
+              </a:r>
+              <a:endParaRPr lang="en-US" sz="1200" dirty="0">
+                <a:solidFill>
+                  <a:schemeClr val="accent6">
+                    <a:lumMod val="75000"/>
+                  </a:schemeClr>
+                </a:solidFill>
+              </a:endParaRPr>
+            </a:p>
+          </p:txBody>
+        </p:sp>
         <p:grpSp>
           <p:nvGrpSpPr>
-            <p:cNvPr id="5" name="Actor"/>
+            <p:cNvPr id="39" name="Group 38"/>
             <p:cNvGrpSpPr/>
             <p:nvPr/>
           </p:nvGrpSpPr>
           <p:grpSpPr>
-            <a:xfrm>
-              <a:off x="152400" y="533400"/>
-              <a:ext cx="324036" cy="573410"/>
-              <a:chOff x="3239901" y="4149080"/>
-              <a:chExt cx="648072" cy="1146820"/>
+            <a:xfrm flipH="1">
+              <a:off x="10282534" y="3391745"/>
+              <a:ext cx="217349" cy="270072"/>
+              <a:chOff x="1028134" y="5612032"/>
+              <a:chExt cx="217349" cy="270072"/>
             </a:xfrm>
           </p:grpSpPr>
           <p:sp>
             <p:nvSpPr>
-              <p:cNvPr id="6" name="Flowchart: Connector 7"/>
+              <p:cNvPr id="40" name="Freeform 39"/>
               <p:cNvSpPr/>
               <p:nvPr/>
             </p:nvSpPr>
             <p:spPr>
-              <a:xfrm>
-                <a:off x="3419872" y="4149080"/>
-                <a:ext cx="288032" cy="288032"/>
-              </a:xfrm>
-              <a:prstGeom prst="flowChartConnector">
-                <a:avLst/>
-              </a:prstGeom>
-              <a:solidFill>
-                <a:schemeClr val="bg1">
-                  <a:lumMod val="85000"/>
-                </a:schemeClr>
-              </a:solidFill>
-              <a:ln w="28575">
-                <a:solidFill>
-                  <a:schemeClr val="tx1"/>
-                </a:solidFill>
-              </a:ln>
-              <a:effectLst/>
-            </p:spPr>
-            <p:style>
-              <a:lnRef idx="1">
-                <a:schemeClr val="accent4"/>
-              </a:lnRef>
-              <a:fillRef idx="2">
-                <a:schemeClr val="accent4"/>
-              </a:fillRef>
-              <a:effectRef idx="1">
-                <a:schemeClr val="accent4"/>
-              </a:effectRef>
-              <a:fontRef idx="minor">
-                <a:schemeClr val="dk1"/>
-              </a:fontRef>
-            </p:style>
-            <p:txBody>
-              <a:bodyPr rtlCol="0" anchor="ctr"/>
-              <a:lstStyle/>
-              <a:p>
-                <a:pPr algn="ctr"/>
-                <a:endParaRPr lang="en-SG"/>
-              </a:p>
-            </p:txBody>
-          </p:sp>
-          <p:cxnSp>
-            <p:nvCxnSpPr>
-              <p:cNvPr id="7" name="Straight Connector 6"/>
-              <p:cNvCxnSpPr>
-                <a:stCxn id="8" idx="4"/>
-              </p:cNvCxnSpPr>
-              <p:nvPr/>
-            </p:nvCxnSpPr>
-            <p:spPr>
-              <a:xfrm>
-                <a:off x="3563888" y="4437112"/>
-                <a:ext cx="0" cy="504056"/>
-              </a:xfrm>
-              <a:prstGeom prst="line">
-                <a:avLst/>
-              </a:prstGeom>
-              <a:ln w="28575">
-                <a:solidFill>
-                  <a:schemeClr val="tx1"/>
-                </a:solidFill>
-              </a:ln>
-              <a:effectLst/>
-            </p:spPr>
-            <p:style>
-              <a:lnRef idx="1">
-                <a:schemeClr val="accent4"/>
-              </a:lnRef>
-              <a:fillRef idx="2">
-                <a:schemeClr val="accent4"/>
-              </a:fillRef>
-              <a:effectRef idx="1">
-                <a:schemeClr val="accent4"/>
-              </a:effectRef>
-              <a:fontRef idx="minor">
-                <a:schemeClr val="dk1"/>
-              </a:fontRef>
-            </p:style>
-          </p:cxnSp>
-          <p:sp>
-            <p:nvSpPr>
-              <p:cNvPr id="8" name="Freeform 7"/>
-              <p:cNvSpPr/>
-              <p:nvPr/>
-            </p:nvSpPr>
-            <p:spPr>
-              <a:xfrm>
-                <a:off x="3324225" y="4933950"/>
-                <a:ext cx="479425" cy="361950"/>
+              <a:xfrm rot="2600998" flipH="1" flipV="1">
+                <a:off x="1028134" y="5612032"/>
+                <a:ext cx="167452" cy="116880"/>
               </a:xfrm>
               <a:custGeom>
                 <a:avLst/>
                 <a:gdLst>
-                  <a:gd name="connsiteX0" fmla="*/ 0 w 479425"/>
-                  <a:gd name="connsiteY0" fmla="*/ 355600 h 361950"/>
-                  <a:gd name="connsiteX1" fmla="*/ 241300 w 479425"/>
-                  <a:gd name="connsiteY1" fmla="*/ 0 h 361950"/>
-                  <a:gd name="connsiteX2" fmla="*/ 479425 w 479425"/>
-                  <a:gd name="connsiteY2" fmla="*/ 361950 h 361950"/>
+                  <a:gd name="connsiteX0" fmla="*/ 0 w 226400"/>
+                  <a:gd name="connsiteY0" fmla="*/ 32920 h 171466"/>
+                  <a:gd name="connsiteX1" fmla="*/ 157018 w 226400"/>
+                  <a:gd name="connsiteY1" fmla="*/ 5211 h 171466"/>
+                  <a:gd name="connsiteX2" fmla="*/ 221673 w 226400"/>
+                  <a:gd name="connsiteY2" fmla="*/ 125284 h 171466"/>
+                  <a:gd name="connsiteX3" fmla="*/ 36945 w 226400"/>
+                  <a:gd name="connsiteY3" fmla="*/ 171466 h 171466"/>
                 </a:gdLst>
                 <a:ahLst/>
                 <a:cxnLst>
@@ -9348,39 +10827,102 @@
                   <a:cxn ang="0">
                     <a:pos x="connsiteX2" y="connsiteY2"/>
                   </a:cxn>
+                  <a:cxn ang="0">
+                    <a:pos x="connsiteX3" y="connsiteY3"/>
+                  </a:cxn>
                 </a:cxnLst>
                 <a:rect l="l" t="t" r="r" b="b"/>
                 <a:pathLst>
-                  <a:path w="479425" h="361950">
+                  <a:path w="226400" h="171466">
                     <a:moveTo>
-                      <a:pt x="0" y="355600"/>
+                      <a:pt x="0" y="32920"/>
                     </a:moveTo>
-                    <a:lnTo>
-                      <a:pt x="241300" y="0"/>
-                    </a:lnTo>
-                    <a:lnTo>
-                      <a:pt x="479425" y="361950"/>
-                    </a:lnTo>
+                    <a:cubicBezTo>
+                      <a:pt x="60036" y="11368"/>
+                      <a:pt x="120073" y="-10183"/>
+                      <a:pt x="157018" y="5211"/>
+                    </a:cubicBezTo>
+                    <a:cubicBezTo>
+                      <a:pt x="193963" y="20605"/>
+                      <a:pt x="241685" y="97575"/>
+                      <a:pt x="221673" y="125284"/>
+                    </a:cubicBezTo>
+                    <a:cubicBezTo>
+                      <a:pt x="201661" y="152993"/>
+                      <a:pt x="119303" y="162229"/>
+                      <a:pt x="36945" y="171466"/>
+                    </a:cubicBezTo>
                   </a:path>
                 </a:pathLst>
               </a:custGeom>
-              <a:noFill/>
-              <a:ln w="28575">
+              <a:ln w="19050">
                 <a:solidFill>
-                  <a:schemeClr val="tx1"/>
+                  <a:schemeClr val="accent6">
+                    <a:lumMod val="75000"/>
+                  </a:schemeClr>
+                </a:solidFill>
+                <a:headEnd type="arrow" w="med" len="med"/>
+                <a:tailEnd type="none" w="med" len="med"/>
+              </a:ln>
+            </p:spPr>
+            <p:style>
+              <a:lnRef idx="1">
+                <a:schemeClr val="accent1"/>
+              </a:lnRef>
+              <a:fillRef idx="0">
+                <a:schemeClr val="accent1"/>
+              </a:fillRef>
+              <a:effectRef idx="0">
+                <a:schemeClr val="accent1"/>
+              </a:effectRef>
+              <a:fontRef idx="minor">
+                <a:schemeClr val="tx1"/>
+              </a:fontRef>
+            </p:style>
+            <p:txBody>
+              <a:bodyPr rtlCol="0" anchor="ctr"/>
+              <a:lstStyle/>
+              <a:p>
+                <a:pPr algn="ctr"/>
+                <a:endParaRPr lang="en-SG" sz="1200"/>
+              </a:p>
+            </p:txBody>
+          </p:sp>
+          <p:sp>
+            <p:nvSpPr>
+              <p:cNvPr id="41" name="Rectangle 40"/>
+              <p:cNvSpPr/>
+              <p:nvPr/>
+            </p:nvSpPr>
+            <p:spPr>
+              <a:xfrm>
+                <a:off x="1147403" y="5712513"/>
+                <a:ext cx="98080" cy="169591"/>
+              </a:xfrm>
+              <a:prstGeom prst="rect">
+                <a:avLst/>
+              </a:prstGeom>
+              <a:solidFill>
+                <a:schemeClr val="accent6">
+                  <a:lumMod val="75000"/>
+                </a:schemeClr>
+              </a:solidFill>
+              <a:ln>
+                <a:solidFill>
+                  <a:schemeClr val="bg1"/>
                 </a:solidFill>
               </a:ln>
               <a:effectLst/>
             </p:spPr>
             <p:style>
               <a:lnRef idx="1">
-                <a:schemeClr val="accent4"/>
+                <a:schemeClr val="accent3"/>
               </a:lnRef>
               <a:fillRef idx="2">
-                <a:schemeClr val="accent4"/>
+                <a:schemeClr val="accent3"/>
               </a:fillRef>
               <a:effectRef idx="1">
-                <a:schemeClr val="accent4"/>
+                <a:schemeClr val="accent3"/>
               </a:effectRef>
               <a:fontRef idx="minor">
                 <a:schemeClr val="dk1"/>
@@ -9391,470 +10933,25 @@
               <a:lstStyle/>
               <a:p>
                 <a:pPr algn="ctr"/>
-                <a:endParaRPr lang="en-SG"/>
+                <a:endParaRPr lang="en-SG" sz="1200">
+                  <a:solidFill>
+                    <a:schemeClr val="dk1"/>
+                  </a:solidFill>
+                </a:endParaRPr>
               </a:p>
             </p:txBody>
           </p:sp>
-          <p:cxnSp>
-            <p:nvCxnSpPr>
-              <p:cNvPr id="9" name="Straight Connector 8"/>
-              <p:cNvCxnSpPr/>
-              <p:nvPr/>
-            </p:nvCxnSpPr>
-            <p:spPr>
-              <a:xfrm>
-                <a:off x="3239901" y="4509120"/>
-                <a:ext cx="648072" cy="0"/>
-              </a:xfrm>
-              <a:prstGeom prst="line">
-                <a:avLst/>
-              </a:prstGeom>
-              <a:ln w="28575">
-                <a:solidFill>
-                  <a:schemeClr val="tx1"/>
-                </a:solidFill>
-              </a:ln>
-              <a:effectLst/>
-            </p:spPr>
-            <p:style>
-              <a:lnRef idx="1">
-                <a:schemeClr val="accent4"/>
-              </a:lnRef>
-              <a:fillRef idx="2">
-                <a:schemeClr val="accent4"/>
-              </a:fillRef>
-              <a:effectRef idx="1">
-                <a:schemeClr val="accent4"/>
-              </a:effectRef>
-              <a:fontRef idx="minor">
-                <a:schemeClr val="dk1"/>
-              </a:fontRef>
-            </p:style>
-          </p:cxnSp>
         </p:grpSp>
         <p:sp>
           <p:nvSpPr>
-            <p:cNvPr id="10" name="Rectangle 62"/>
-            <p:cNvSpPr/>
+            <p:cNvPr id="42" name="TextBox 41"/>
+            <p:cNvSpPr txBox="1"/>
             <p:nvPr/>
           </p:nvSpPr>
           <p:spPr>
             <a:xfrm>
-              <a:off x="3335583" y="611613"/>
-              <a:ext cx="1093635" cy="346760"/>
-            </a:xfrm>
-            <a:prstGeom prst="rect">
-              <a:avLst/>
-            </a:prstGeom>
-            <a:solidFill>
-              <a:srgbClr val="0070C0"/>
-            </a:solidFill>
-            <a:ln w="19050">
-              <a:solidFill>
-                <a:srgbClr val="0070C0"/>
-              </a:solidFill>
-            </a:ln>
-            <a:effectLst/>
-          </p:spPr>
-          <p:style>
-            <a:lnRef idx="1">
-              <a:schemeClr val="accent2"/>
-            </a:lnRef>
-            <a:fillRef idx="2">
-              <a:schemeClr val="accent2"/>
-            </a:fillRef>
-            <a:effectRef idx="1">
-              <a:schemeClr val="accent2"/>
-            </a:effectRef>
-            <a:fontRef idx="minor">
-              <a:schemeClr val="dk1"/>
-            </a:fontRef>
-          </p:style>
-          <p:txBody>
-            <a:bodyPr rtlCol="0" anchor="ctr"/>
-            <a:lstStyle/>
-            <a:p>
-              <a:pPr algn="ctr"/>
-              <a:r>
-                <a:rPr lang="en-US" sz="1200" dirty="0" smtClean="0">
-                  <a:solidFill>
-                    <a:schemeClr val="bg1"/>
-                  </a:solidFill>
-                </a:rPr>
-                <a:t>:Logic</a:t>
-              </a:r>
-              <a:endParaRPr lang="en-SG" sz="1200" dirty="0">
-                <a:solidFill>
-                  <a:schemeClr val="bg1"/>
-                </a:solidFill>
-              </a:endParaRPr>
-            </a:p>
-          </p:txBody>
-        </p:sp>
-        <p:cxnSp>
-          <p:nvCxnSpPr>
-            <p:cNvPr id="11" name="Straight Connector 10"/>
-            <p:cNvCxnSpPr/>
-            <p:nvPr/>
-          </p:nvCxnSpPr>
-          <p:spPr>
-            <a:xfrm>
-              <a:off x="3882400" y="975284"/>
-              <a:ext cx="0" cy="1723059"/>
-            </a:xfrm>
-            <a:prstGeom prst="line">
-              <a:avLst/>
-            </a:prstGeom>
-            <a:ln w="19050">
-              <a:solidFill>
-                <a:srgbClr val="0070C0"/>
-              </a:solidFill>
-              <a:prstDash val="sysDash"/>
-            </a:ln>
-            <a:effectLst/>
-          </p:spPr>
-          <p:style>
-            <a:lnRef idx="1">
-              <a:schemeClr val="accent1"/>
-            </a:lnRef>
-            <a:fillRef idx="2">
-              <a:schemeClr val="accent1"/>
-            </a:fillRef>
-            <a:effectRef idx="1">
-              <a:schemeClr val="accent1"/>
-            </a:effectRef>
-            <a:fontRef idx="minor">
-              <a:schemeClr val="dk1"/>
-            </a:fontRef>
-          </p:style>
-        </p:cxnSp>
-        <p:sp>
-          <p:nvSpPr>
-            <p:cNvPr id="12" name="Rectangle 11"/>
-            <p:cNvSpPr/>
-            <p:nvPr/>
-          </p:nvSpPr>
-          <p:spPr>
-            <a:xfrm>
-              <a:off x="3810392" y="1433477"/>
-              <a:ext cx="144016" cy="908725"/>
-            </a:xfrm>
-            <a:prstGeom prst="rect">
-              <a:avLst/>
-            </a:prstGeom>
-            <a:solidFill>
-              <a:srgbClr val="0070C0"/>
-            </a:solidFill>
-            <a:ln>
-              <a:solidFill>
-                <a:srgbClr val="0070C0"/>
-              </a:solidFill>
-            </a:ln>
-            <a:effectLst/>
-          </p:spPr>
-          <p:style>
-            <a:lnRef idx="1">
-              <a:schemeClr val="accent3"/>
-            </a:lnRef>
-            <a:fillRef idx="2">
-              <a:schemeClr val="accent3"/>
-            </a:fillRef>
-            <a:effectRef idx="1">
-              <a:schemeClr val="accent3"/>
-            </a:effectRef>
-            <a:fontRef idx="minor">
-              <a:schemeClr val="dk1"/>
-            </a:fontRef>
-          </p:style>
-          <p:txBody>
-            <a:bodyPr rtlCol="0" anchor="ctr"/>
-            <a:lstStyle/>
-            <a:p>
-              <a:pPr algn="ctr"/>
-              <a:endParaRPr lang="en-SG" sz="1400">
-                <a:solidFill>
-                  <a:schemeClr val="dk1"/>
-                </a:solidFill>
-              </a:endParaRPr>
-            </a:p>
-          </p:txBody>
-        </p:sp>
-        <p:sp>
-          <p:nvSpPr>
-            <p:cNvPr id="13" name="Rectangle 62"/>
-            <p:cNvSpPr/>
-            <p:nvPr/>
-          </p:nvSpPr>
-          <p:spPr>
-            <a:xfrm>
-              <a:off x="5316783" y="607926"/>
-              <a:ext cx="1093635" cy="346760"/>
-            </a:xfrm>
-            <a:prstGeom prst="rect">
-              <a:avLst/>
-            </a:prstGeom>
-            <a:solidFill>
-              <a:srgbClr val="7030A0"/>
-            </a:solidFill>
-            <a:ln w="19050">
-              <a:solidFill>
-                <a:srgbClr val="7030A0"/>
-              </a:solidFill>
-            </a:ln>
-            <a:effectLst/>
-          </p:spPr>
-          <p:style>
-            <a:lnRef idx="1">
-              <a:schemeClr val="accent2"/>
-            </a:lnRef>
-            <a:fillRef idx="2">
-              <a:schemeClr val="accent2"/>
-            </a:fillRef>
-            <a:effectRef idx="1">
-              <a:schemeClr val="accent2"/>
-            </a:effectRef>
-            <a:fontRef idx="minor">
-              <a:schemeClr val="dk1"/>
-            </a:fontRef>
-          </p:style>
-          <p:txBody>
-            <a:bodyPr rtlCol="0" anchor="ctr"/>
-            <a:lstStyle/>
-            <a:p>
-              <a:pPr algn="ctr"/>
-              <a:r>
-                <a:rPr lang="en-US" sz="1200" dirty="0" smtClean="0">
-                  <a:solidFill>
-                    <a:schemeClr val="bg1"/>
-                  </a:solidFill>
-                </a:rPr>
-                <a:t>:Model</a:t>
-              </a:r>
-              <a:endParaRPr lang="en-SG" sz="1200" dirty="0">
-                <a:solidFill>
-                  <a:schemeClr val="bg1"/>
-                </a:solidFill>
-              </a:endParaRPr>
-            </a:p>
-          </p:txBody>
-        </p:sp>
-        <p:cxnSp>
-          <p:nvCxnSpPr>
-            <p:cNvPr id="14" name="Straight Connector 13"/>
-            <p:cNvCxnSpPr/>
-            <p:nvPr/>
-          </p:nvCxnSpPr>
-          <p:spPr>
-            <a:xfrm>
-              <a:off x="5863600" y="971597"/>
-              <a:ext cx="0" cy="1723059"/>
-            </a:xfrm>
-            <a:prstGeom prst="line">
-              <a:avLst/>
-            </a:prstGeom>
-            <a:ln w="19050">
-              <a:solidFill>
-                <a:srgbClr val="7030A0"/>
-              </a:solidFill>
-              <a:prstDash val="sysDash"/>
-            </a:ln>
-            <a:effectLst/>
-          </p:spPr>
-          <p:style>
-            <a:lnRef idx="1">
-              <a:schemeClr val="accent1"/>
-            </a:lnRef>
-            <a:fillRef idx="2">
-              <a:schemeClr val="accent1"/>
-            </a:fillRef>
-            <a:effectRef idx="1">
-              <a:schemeClr val="accent1"/>
-            </a:effectRef>
-            <a:fontRef idx="minor">
-              <a:schemeClr val="dk1"/>
-            </a:fontRef>
-          </p:style>
-        </p:cxnSp>
-        <p:sp>
-          <p:nvSpPr>
-            <p:cNvPr id="15" name="Rectangle 14"/>
-            <p:cNvSpPr/>
-            <p:nvPr/>
-          </p:nvSpPr>
-          <p:spPr>
-            <a:xfrm>
-              <a:off x="5791592" y="1538408"/>
-              <a:ext cx="135061" cy="727594"/>
-            </a:xfrm>
-            <a:prstGeom prst="rect">
-              <a:avLst/>
-            </a:prstGeom>
-            <a:solidFill>
-              <a:srgbClr val="7030A0"/>
-            </a:solidFill>
-            <a:ln>
-              <a:solidFill>
-                <a:srgbClr val="7030A0"/>
-              </a:solidFill>
-            </a:ln>
-            <a:effectLst/>
-          </p:spPr>
-          <p:style>
-            <a:lnRef idx="1">
-              <a:schemeClr val="accent3"/>
-            </a:lnRef>
-            <a:fillRef idx="2">
-              <a:schemeClr val="accent3"/>
-            </a:fillRef>
-            <a:effectRef idx="1">
-              <a:schemeClr val="accent3"/>
-            </a:effectRef>
-            <a:fontRef idx="minor">
-              <a:schemeClr val="dk1"/>
-            </a:fontRef>
-          </p:style>
-          <p:txBody>
-            <a:bodyPr rtlCol="0" anchor="ctr"/>
-            <a:lstStyle/>
-            <a:p>
-              <a:pPr algn="ctr"/>
-              <a:endParaRPr lang="en-SG" sz="1400">
-                <a:solidFill>
-                  <a:schemeClr val="dk1"/>
-                </a:solidFill>
-              </a:endParaRPr>
-            </a:p>
-          </p:txBody>
-        </p:sp>
-        <p:cxnSp>
-          <p:nvCxnSpPr>
-            <p:cNvPr id="16" name="Straight Arrow Connector 15"/>
-            <p:cNvCxnSpPr/>
-            <p:nvPr/>
-          </p:nvCxnSpPr>
-          <p:spPr>
-            <a:xfrm>
-              <a:off x="314394" y="1322292"/>
-              <a:ext cx="1431835" cy="0"/>
-            </a:xfrm>
-            <a:prstGeom prst="straightConnector1">
-              <a:avLst/>
-            </a:prstGeom>
-            <a:ln w="19050">
-              <a:solidFill>
-                <a:schemeClr val="tx1"/>
-              </a:solidFill>
-              <a:tailEnd type="arrow"/>
-            </a:ln>
-          </p:spPr>
-          <p:style>
-            <a:lnRef idx="1">
-              <a:schemeClr val="accent1"/>
-            </a:lnRef>
-            <a:fillRef idx="0">
-              <a:schemeClr val="accent1"/>
-            </a:fillRef>
-            <a:effectRef idx="0">
-              <a:schemeClr val="accent1"/>
-            </a:effectRef>
-            <a:fontRef idx="minor">
-              <a:schemeClr val="tx1"/>
-            </a:fontRef>
-          </p:style>
-        </p:cxnSp>
-        <p:sp>
-          <p:nvSpPr>
-            <p:cNvPr id="17" name="TextBox 16"/>
-            <p:cNvSpPr txBox="1"/>
-            <p:nvPr/>
-          </p:nvSpPr>
-          <p:spPr>
-            <a:xfrm>
-              <a:off x="363405" y="1394132"/>
-              <a:ext cx="1288424" cy="738664"/>
-            </a:xfrm>
-            <a:prstGeom prst="rect">
-              <a:avLst/>
-            </a:prstGeom>
-            <a:noFill/>
-          </p:spPr>
-          <p:txBody>
-            <a:bodyPr wrap="square" lIns="0" tIns="0" rIns="0" bIns="0" rtlCol="0">
-              <a:spAutoFit/>
-            </a:bodyPr>
-            <a:lstStyle/>
-            <a:p>
-              <a:pPr algn="r"/>
-              <a:r>
-                <a:rPr lang="en-US" sz="1200" dirty="0" smtClean="0"/>
-                <a:t>orderadd 1 i/Books</a:t>
-              </a:r>
-            </a:p>
-            <a:p>
-              <a:pPr algn="r"/>
-              <a:r>
-                <a:rPr lang="en-US" sz="1200" dirty="0" smtClean="0"/>
-                <a:t>pr/12.50 q/5</a:t>
-              </a:r>
-            </a:p>
-            <a:p>
-              <a:pPr algn="r"/>
-              <a:r>
-                <a:rPr lang="en-US" sz="1200" dirty="0" smtClean="0"/>
-                <a:t>d/25-04-2018</a:t>
-              </a:r>
-            </a:p>
-            <a:p>
-              <a:endParaRPr lang="en-US" sz="1200" dirty="0"/>
-            </a:p>
-          </p:txBody>
-        </p:sp>
-        <p:cxnSp>
-          <p:nvCxnSpPr>
-            <p:cNvPr id="18" name="Straight Arrow Connector 17"/>
-            <p:cNvCxnSpPr/>
-            <p:nvPr/>
-          </p:nvCxnSpPr>
-          <p:spPr>
-            <a:xfrm>
-              <a:off x="1893606" y="1433477"/>
-              <a:ext cx="1916786" cy="1"/>
-            </a:xfrm>
-            <a:prstGeom prst="straightConnector1">
-              <a:avLst/>
-            </a:prstGeom>
-            <a:ln w="19050">
-              <a:solidFill>
-                <a:srgbClr val="00B050"/>
-              </a:solidFill>
-              <a:tailEnd type="arrow"/>
-            </a:ln>
-          </p:spPr>
-          <p:style>
-            <a:lnRef idx="1">
-              <a:schemeClr val="accent1"/>
-            </a:lnRef>
-            <a:fillRef idx="0">
-              <a:schemeClr val="accent1"/>
-            </a:fillRef>
-            <a:effectRef idx="0">
-              <a:schemeClr val="accent1"/>
-            </a:effectRef>
-            <a:fontRef idx="minor">
-              <a:schemeClr val="tx1"/>
-            </a:fontRef>
-          </p:style>
-        </p:cxnSp>
-        <p:sp>
-          <p:nvSpPr>
-            <p:cNvPr id="19" name="TextBox 18"/>
-            <p:cNvSpPr txBox="1"/>
-            <p:nvPr/>
-          </p:nvSpPr>
-          <p:spPr>
-            <a:xfrm>
-              <a:off x="3037471" y="1519215"/>
-              <a:ext cx="966739" cy="184666"/>
+              <a:off x="10559275" y="3236065"/>
+              <a:ext cx="539047" cy="369332"/>
             </a:xfrm>
             <a:prstGeom prst="rect">
               <a:avLst/>
@@ -9868,192 +10965,37 @@
             <a:lstStyle/>
             <a:p>
               <a:r>
-                <a:rPr lang="en-US" sz="1200" smtClean="0">
-                  <a:solidFill>
-                    <a:srgbClr val="0070C0"/>
-                  </a:solidFill>
-                </a:rPr>
-                <a:t>execute()</a:t>
-              </a:r>
-              <a:endParaRPr lang="en-US" sz="1200" dirty="0">
-                <a:solidFill>
-                  <a:srgbClr val="0070C0"/>
-                </a:solidFill>
-              </a:endParaRPr>
-            </a:p>
-          </p:txBody>
-        </p:sp>
-        <p:cxnSp>
-          <p:nvCxnSpPr>
-            <p:cNvPr id="20" name="Straight Arrow Connector 19"/>
-            <p:cNvCxnSpPr/>
-            <p:nvPr/>
-          </p:nvCxnSpPr>
-          <p:spPr>
-            <a:xfrm>
-              <a:off x="3954408" y="1538409"/>
-              <a:ext cx="1837184" cy="0"/>
-            </a:xfrm>
-            <a:prstGeom prst="straightConnector1">
-              <a:avLst/>
-            </a:prstGeom>
-            <a:ln w="19050">
-              <a:solidFill>
-                <a:srgbClr val="0070C0"/>
-              </a:solidFill>
-              <a:tailEnd type="arrow"/>
-            </a:ln>
-          </p:spPr>
-          <p:style>
-            <a:lnRef idx="1">
-              <a:schemeClr val="accent1"/>
-            </a:lnRef>
-            <a:fillRef idx="0">
-              <a:schemeClr val="accent1"/>
-            </a:fillRef>
-            <a:effectRef idx="0">
-              <a:schemeClr val="accent1"/>
-            </a:effectRef>
-            <a:fontRef idx="minor">
-              <a:schemeClr val="tx1"/>
-            </a:fontRef>
-          </p:style>
-        </p:cxnSp>
-        <p:sp>
-          <p:nvSpPr>
-            <p:cNvPr id="21" name="TextBox 20"/>
-            <p:cNvSpPr txBox="1"/>
-            <p:nvPr/>
-          </p:nvSpPr>
-          <p:spPr>
-            <a:xfrm>
-              <a:off x="4751362" y="1611548"/>
-              <a:ext cx="1706497" cy="369332"/>
-            </a:xfrm>
-            <a:prstGeom prst="rect">
-              <a:avLst/>
-            </a:prstGeom>
-            <a:noFill/>
-          </p:spPr>
-          <p:txBody>
-            <a:bodyPr wrap="square" lIns="0" tIns="0" rIns="0" bIns="0" rtlCol="0">
-              <a:spAutoFit/>
-            </a:bodyPr>
-            <a:lstStyle/>
-            <a:p>
-              <a:r>
-                <a:rPr lang="en-US" sz="1200" dirty="0" err="1" smtClean="0">
-                  <a:solidFill>
-                    <a:srgbClr val="7030A0"/>
-                  </a:solidFill>
-                </a:rPr>
-                <a:t>addOrder</a:t>
-              </a:r>
-              <a:endParaRPr lang="en-US" sz="1200" dirty="0" smtClean="0">
-                <a:solidFill>
-                  <a:srgbClr val="7030A0"/>
-                </a:solidFill>
-              </a:endParaRPr>
-            </a:p>
-            <a:p>
-              <a:r>
-                <a:rPr lang="en-US" sz="1200" dirty="0" err="1" smtClean="0">
-                  <a:solidFill>
-                    <a:srgbClr val="7030A0"/>
-                  </a:solidFill>
-                </a:rPr>
-                <a:t>ToOrderList</a:t>
-              </a:r>
-              <a:r>
                 <a:rPr lang="en-US" sz="1200" dirty="0" smtClean="0">
                   <a:solidFill>
-                    <a:srgbClr val="7030A0"/>
-                  </a:solidFill>
-                </a:rPr>
-                <a:t>(o)</a:t>
-              </a:r>
-              <a:endParaRPr lang="en-US" sz="1200" dirty="0">
-                <a:solidFill>
-                  <a:srgbClr val="7030A0"/>
-                </a:solidFill>
-              </a:endParaRPr>
-            </a:p>
-          </p:txBody>
-        </p:sp>
-        <p:sp>
-          <p:nvSpPr>
-            <p:cNvPr id="22" name="TextBox 21"/>
-            <p:cNvSpPr txBox="1"/>
-            <p:nvPr/>
-          </p:nvSpPr>
-          <p:spPr>
-            <a:xfrm>
-              <a:off x="6966883" y="1511014"/>
-              <a:ext cx="2314053" cy="369332"/>
-            </a:xfrm>
-            <a:prstGeom prst="rect">
-              <a:avLst/>
-            </a:prstGeom>
-            <a:noFill/>
-          </p:spPr>
-          <p:txBody>
-            <a:bodyPr wrap="square" lIns="0" tIns="0" rIns="0" bIns="0" rtlCol="0">
-              <a:spAutoFit/>
-            </a:bodyPr>
-            <a:lstStyle/>
-            <a:p>
-              <a:r>
-                <a:rPr lang="en-US" sz="1200" smtClean="0">
-                  <a:solidFill>
-                    <a:schemeClr val="accent5">
+                    <a:schemeClr val="accent6">
                       <a:lumMod val="75000"/>
                     </a:schemeClr>
                   </a:solidFill>
                 </a:rPr>
-                <a:t>post(</a:t>
+                <a:t>Save </a:t>
               </a:r>
-              <a:r>
-                <a:rPr lang="en-US" sz="1200" dirty="0" err="1" smtClean="0">
+              <a:br>
+                <a:rPr lang="en-US" sz="1200" dirty="0" smtClean="0">
                   <a:solidFill>
-                    <a:schemeClr val="accent5">
+                    <a:schemeClr val="accent6">
                       <a:lumMod val="75000"/>
                     </a:schemeClr>
                   </a:solidFill>
                 </a:rPr>
-                <a:t>AddressBook</a:t>
-              </a:r>
-              <a:endParaRPr lang="en-US" sz="1200" dirty="0" smtClean="0">
-                <a:solidFill>
-                  <a:schemeClr val="accent5">
-                    <a:lumMod val="75000"/>
-                  </a:schemeClr>
-                </a:solidFill>
-              </a:endParaRPr>
-            </a:p>
-            <a:p>
+              </a:br>
               <a:r>
-                <a:rPr lang="en-US" sz="1200" dirty="0" err="1" smtClean="0">
+                <a:rPr lang="en-US" sz="1200" dirty="0" smtClean="0">
                   <a:solidFill>
-                    <a:schemeClr val="accent5">
+                    <a:schemeClr val="accent6">
                       <a:lumMod val="75000"/>
                     </a:schemeClr>
                   </a:solidFill>
                 </a:rPr>
-                <a:t>ChangedEvent</a:t>
-              </a:r>
-              <a:r>
-                <a:rPr lang="en-US" sz="1200" dirty="0" smtClean="0">
-                  <a:solidFill>
-                    <a:schemeClr val="accent5">
-                      <a:lumMod val="75000"/>
-                    </a:schemeClr>
-                  </a:solidFill>
-                </a:rPr>
-                <a:t>)</a:t>
+                <a:t>to file</a:t>
               </a:r>
               <a:endParaRPr lang="en-US" sz="1200" dirty="0">
                 <a:solidFill>
-                  <a:schemeClr val="accent5">
+                  <a:schemeClr val="accent6">
                     <a:lumMod val="75000"/>
                   </a:schemeClr>
                 </a:solidFill>
@@ -10061,402 +11003,6 @@
             </a:p>
           </p:txBody>
         </p:sp>
-        <p:cxnSp>
-          <p:nvCxnSpPr>
-            <p:cNvPr id="23" name="Straight Arrow Connector 22"/>
-            <p:cNvCxnSpPr/>
-            <p:nvPr/>
-          </p:nvCxnSpPr>
-          <p:spPr>
-            <a:xfrm>
-              <a:off x="3954408" y="2263989"/>
-              <a:ext cx="1837184" cy="0"/>
-            </a:xfrm>
-            <a:prstGeom prst="straightConnector1">
-              <a:avLst/>
-            </a:prstGeom>
-            <a:ln w="19050">
-              <a:solidFill>
-                <a:srgbClr val="7030A0"/>
-              </a:solidFill>
-              <a:prstDash val="sysDash"/>
-              <a:headEnd type="arrow" w="med" len="med"/>
-              <a:tailEnd type="none" w="med" len="med"/>
-            </a:ln>
-          </p:spPr>
-          <p:style>
-            <a:lnRef idx="1">
-              <a:schemeClr val="accent1"/>
-            </a:lnRef>
-            <a:fillRef idx="0">
-              <a:schemeClr val="accent1"/>
-            </a:fillRef>
-            <a:effectRef idx="0">
-              <a:schemeClr val="accent1"/>
-            </a:effectRef>
-            <a:fontRef idx="minor">
-              <a:schemeClr val="tx1"/>
-            </a:fontRef>
-          </p:style>
-        </p:cxnSp>
-        <p:cxnSp>
-          <p:nvCxnSpPr>
-            <p:cNvPr id="24" name="Straight Arrow Connector 23"/>
-            <p:cNvCxnSpPr/>
-            <p:nvPr/>
-          </p:nvCxnSpPr>
-          <p:spPr>
-            <a:xfrm>
-              <a:off x="1893606" y="2342202"/>
-              <a:ext cx="1898557" cy="0"/>
-            </a:xfrm>
-            <a:prstGeom prst="straightConnector1">
-              <a:avLst/>
-            </a:prstGeom>
-            <a:ln w="19050">
-              <a:solidFill>
-                <a:srgbClr val="0070C0"/>
-              </a:solidFill>
-              <a:prstDash val="sysDash"/>
-              <a:headEnd type="arrow" w="med" len="med"/>
-              <a:tailEnd type="none" w="med" len="med"/>
-            </a:ln>
-          </p:spPr>
-          <p:style>
-            <a:lnRef idx="1">
-              <a:schemeClr val="accent1"/>
-            </a:lnRef>
-            <a:fillRef idx="0">
-              <a:schemeClr val="accent1"/>
-            </a:fillRef>
-            <a:effectRef idx="0">
-              <a:schemeClr val="accent1"/>
-            </a:effectRef>
-            <a:fontRef idx="minor">
-              <a:schemeClr val="tx1"/>
-            </a:fontRef>
-          </p:style>
-        </p:cxnSp>
-        <p:cxnSp>
-          <p:nvCxnSpPr>
-            <p:cNvPr id="25" name="Straight Arrow Connector 24"/>
-            <p:cNvCxnSpPr>
-              <a:endCxn id="4" idx="2"/>
-            </p:cNvCxnSpPr>
-            <p:nvPr/>
-          </p:nvCxnSpPr>
-          <p:spPr>
-            <a:xfrm>
-              <a:off x="314394" y="2438400"/>
-              <a:ext cx="1505524" cy="0"/>
-            </a:xfrm>
-            <a:prstGeom prst="straightConnector1">
-              <a:avLst/>
-            </a:prstGeom>
-            <a:ln w="19050">
-              <a:solidFill>
-                <a:srgbClr val="00B050"/>
-              </a:solidFill>
-              <a:prstDash val="sysDash"/>
-              <a:headEnd type="arrow" w="med" len="med"/>
-              <a:tailEnd type="none" w="med" len="med"/>
-            </a:ln>
-          </p:spPr>
-          <p:style>
-            <a:lnRef idx="1">
-              <a:schemeClr val="accent1"/>
-            </a:lnRef>
-            <a:fillRef idx="0">
-              <a:schemeClr val="accent1"/>
-            </a:fillRef>
-            <a:effectRef idx="0">
-              <a:schemeClr val="accent1"/>
-            </a:effectRef>
-            <a:fontRef idx="minor">
-              <a:schemeClr val="tx1"/>
-            </a:fontRef>
-          </p:style>
-        </p:cxnSp>
-        <p:sp>
-          <p:nvSpPr>
-            <p:cNvPr id="26" name="Rectangle 62"/>
-            <p:cNvSpPr/>
-            <p:nvPr/>
-          </p:nvSpPr>
-          <p:spPr>
-            <a:xfrm>
-              <a:off x="7540506" y="597545"/>
-              <a:ext cx="1371600" cy="346760"/>
-            </a:xfrm>
-            <a:prstGeom prst="rect">
-              <a:avLst/>
-            </a:prstGeom>
-            <a:solidFill>
-              <a:schemeClr val="accent5">
-                <a:lumMod val="75000"/>
-              </a:schemeClr>
-            </a:solidFill>
-            <a:ln w="19050">
-              <a:solidFill>
-                <a:schemeClr val="accent5">
-                  <a:lumMod val="75000"/>
-                </a:schemeClr>
-              </a:solidFill>
-            </a:ln>
-            <a:effectLst/>
-          </p:spPr>
-          <p:style>
-            <a:lnRef idx="1">
-              <a:schemeClr val="accent2"/>
-            </a:lnRef>
-            <a:fillRef idx="2">
-              <a:schemeClr val="accent2"/>
-            </a:fillRef>
-            <a:effectRef idx="1">
-              <a:schemeClr val="accent2"/>
-            </a:effectRef>
-            <a:fontRef idx="minor">
-              <a:schemeClr val="dk1"/>
-            </a:fontRef>
-          </p:style>
-          <p:txBody>
-            <a:bodyPr rtlCol="0" anchor="ctr"/>
-            <a:lstStyle/>
-            <a:p>
-              <a:pPr algn="ctr"/>
-              <a:r>
-                <a:rPr lang="en-US" sz="1200" dirty="0" smtClean="0">
-                  <a:solidFill>
-                    <a:schemeClr val="bg1"/>
-                  </a:solidFill>
-                </a:rPr>
-                <a:t>:</a:t>
-              </a:r>
-              <a:r>
-                <a:rPr lang="en-US" sz="1200" dirty="0" err="1" smtClean="0">
-                  <a:solidFill>
-                    <a:schemeClr val="bg1"/>
-                  </a:solidFill>
-                </a:rPr>
-                <a:t>EventsCenter</a:t>
-              </a:r>
-              <a:endParaRPr lang="en-SG" sz="1200" dirty="0">
-                <a:solidFill>
-                  <a:schemeClr val="bg1"/>
-                </a:solidFill>
-              </a:endParaRPr>
-            </a:p>
-          </p:txBody>
-        </p:sp>
-        <p:cxnSp>
-          <p:nvCxnSpPr>
-            <p:cNvPr id="27" name="Straight Connector 26"/>
-            <p:cNvCxnSpPr/>
-            <p:nvPr/>
-          </p:nvCxnSpPr>
-          <p:spPr>
-            <a:xfrm>
-              <a:off x="8382000" y="954686"/>
-              <a:ext cx="0" cy="1723059"/>
-            </a:xfrm>
-            <a:prstGeom prst="line">
-              <a:avLst/>
-            </a:prstGeom>
-            <a:ln w="19050">
-              <a:solidFill>
-                <a:schemeClr val="accent5">
-                  <a:lumMod val="75000"/>
-                </a:schemeClr>
-              </a:solidFill>
-              <a:prstDash val="sysDash"/>
-            </a:ln>
-            <a:effectLst/>
-          </p:spPr>
-          <p:style>
-            <a:lnRef idx="1">
-              <a:schemeClr val="accent1"/>
-            </a:lnRef>
-            <a:fillRef idx="2">
-              <a:schemeClr val="accent1"/>
-            </a:fillRef>
-            <a:effectRef idx="1">
-              <a:schemeClr val="accent1"/>
-            </a:effectRef>
-            <a:fontRef idx="minor">
-              <a:schemeClr val="dk1"/>
-            </a:fontRef>
-          </p:style>
-        </p:cxnSp>
-        <p:sp>
-          <p:nvSpPr>
-            <p:cNvPr id="28" name="Rectangle 27"/>
-            <p:cNvSpPr/>
-            <p:nvPr/>
-          </p:nvSpPr>
-          <p:spPr>
-            <a:xfrm>
-              <a:off x="8292317" y="1958805"/>
-              <a:ext cx="179365" cy="230997"/>
-            </a:xfrm>
-            <a:prstGeom prst="rect">
-              <a:avLst/>
-            </a:prstGeom>
-            <a:solidFill>
-              <a:schemeClr val="accent5">
-                <a:lumMod val="75000"/>
-              </a:schemeClr>
-            </a:solidFill>
-            <a:ln>
-              <a:solidFill>
-                <a:schemeClr val="accent5">
-                  <a:lumMod val="75000"/>
-                </a:schemeClr>
-              </a:solidFill>
-            </a:ln>
-            <a:effectLst/>
-          </p:spPr>
-          <p:style>
-            <a:lnRef idx="1">
-              <a:schemeClr val="accent3"/>
-            </a:lnRef>
-            <a:fillRef idx="2">
-              <a:schemeClr val="accent3"/>
-            </a:fillRef>
-            <a:effectRef idx="1">
-              <a:schemeClr val="accent3"/>
-            </a:effectRef>
-            <a:fontRef idx="minor">
-              <a:schemeClr val="dk1"/>
-            </a:fontRef>
-          </p:style>
-          <p:txBody>
-            <a:bodyPr rtlCol="0" anchor="ctr"/>
-            <a:lstStyle/>
-            <a:p>
-              <a:pPr algn="ctr"/>
-              <a:endParaRPr lang="en-SG" sz="1400">
-                <a:solidFill>
-                  <a:schemeClr val="dk1"/>
-                </a:solidFill>
-              </a:endParaRPr>
-            </a:p>
-          </p:txBody>
-        </p:sp>
-        <p:cxnSp>
-          <p:nvCxnSpPr>
-            <p:cNvPr id="29" name="Straight Arrow Connector 28"/>
-            <p:cNvCxnSpPr/>
-            <p:nvPr/>
-          </p:nvCxnSpPr>
-          <p:spPr>
-            <a:xfrm flipV="1">
-              <a:off x="5943992" y="1958805"/>
-              <a:ext cx="2348325" cy="2397"/>
-            </a:xfrm>
-            <a:prstGeom prst="straightConnector1">
-              <a:avLst/>
-            </a:prstGeom>
-            <a:ln w="19050">
-              <a:solidFill>
-                <a:srgbClr val="7030A0"/>
-              </a:solidFill>
-              <a:tailEnd type="arrow"/>
-            </a:ln>
-          </p:spPr>
-          <p:style>
-            <a:lnRef idx="1">
-              <a:schemeClr val="accent1"/>
-            </a:lnRef>
-            <a:fillRef idx="0">
-              <a:schemeClr val="accent1"/>
-            </a:fillRef>
-            <a:effectRef idx="0">
-              <a:schemeClr val="accent1"/>
-            </a:effectRef>
-            <a:fontRef idx="minor">
-              <a:schemeClr val="tx1"/>
-            </a:fontRef>
-          </p:style>
-        </p:cxnSp>
-        <p:cxnSp>
-          <p:nvCxnSpPr>
-            <p:cNvPr id="30" name="Straight Arrow Connector 29"/>
-            <p:cNvCxnSpPr>
-              <a:endCxn id="28" idx="2"/>
-            </p:cNvCxnSpPr>
-            <p:nvPr/>
-          </p:nvCxnSpPr>
-          <p:spPr>
-            <a:xfrm>
-              <a:off x="5943992" y="2189802"/>
-              <a:ext cx="2438008" cy="0"/>
-            </a:xfrm>
-            <a:prstGeom prst="straightConnector1">
-              <a:avLst/>
-            </a:prstGeom>
-            <a:ln w="19050">
-              <a:solidFill>
-                <a:schemeClr val="accent5">
-                  <a:lumMod val="75000"/>
-                </a:schemeClr>
-              </a:solidFill>
-              <a:prstDash val="sysDash"/>
-              <a:headEnd type="arrow" w="med" len="med"/>
-              <a:tailEnd type="none" w="med" len="med"/>
-            </a:ln>
-          </p:spPr>
-          <p:style>
-            <a:lnRef idx="1">
-              <a:schemeClr val="accent1"/>
-            </a:lnRef>
-            <a:fillRef idx="0">
-              <a:schemeClr val="accent1"/>
-            </a:fillRef>
-            <a:effectRef idx="0">
-              <a:schemeClr val="accent1"/>
-            </a:effectRef>
-            <a:fontRef idx="minor">
-              <a:schemeClr val="tx1"/>
-            </a:fontRef>
-          </p:style>
-        </p:cxnSp>
-        <p:cxnSp>
-          <p:nvCxnSpPr>
-            <p:cNvPr id="31" name="Straight Connector 30"/>
-            <p:cNvCxnSpPr/>
-            <p:nvPr/>
-          </p:nvCxnSpPr>
-          <p:spPr>
-            <a:xfrm flipH="1">
-              <a:off x="314394" y="1099672"/>
-              <a:ext cx="24" cy="1598671"/>
-            </a:xfrm>
-            <a:prstGeom prst="line">
-              <a:avLst/>
-            </a:prstGeom>
-            <a:ln w="19050">
-              <a:solidFill>
-                <a:schemeClr val="tx1"/>
-              </a:solidFill>
-              <a:prstDash val="sysDash"/>
-            </a:ln>
-            <a:effectLst/>
-          </p:spPr>
-          <p:style>
-            <a:lnRef idx="1">
-              <a:schemeClr val="accent1"/>
-            </a:lnRef>
-            <a:fillRef idx="2">
-              <a:schemeClr val="accent1"/>
-            </a:fillRef>
-            <a:effectRef idx="1">
-              <a:schemeClr val="accent1"/>
-            </a:effectRef>
-            <a:fontRef idx="minor">
-              <a:schemeClr val="dk1"/>
-            </a:fontRef>
-          </p:style>
-        </p:cxnSp>
       </p:grpSp>
     </p:spTree>
     <p:extLst>
